--- a/solutions/hashicorp/devops/terraform-enterprise/delivery/closeout-presentation.pptx
+++ b/solutions/hashicorp/devops/terraform-enterprise/delivery/closeout-presentation.pptx
@@ -18,28 +18,6 @@
     <p:sldId id="263" r:id="rId14"/>
     <p:sldId id="264" r:id="rId15"/>
     <p:sldId id="265" r:id="rId16"/>
-    <p:sldId id="266" r:id="rId17"/>
-    <p:sldId id="267" r:id="rId18"/>
-    <p:sldId id="268" r:id="rId19"/>
-    <p:sldId id="269" r:id="rId20"/>
-    <p:sldId id="270" r:id="rId21"/>
-    <p:sldId id="271" r:id="rId22"/>
-    <p:sldId id="272" r:id="rId23"/>
-    <p:sldId id="273" r:id="rId24"/>
-    <p:sldId id="274" r:id="rId25"/>
-    <p:sldId id="275" r:id="rId26"/>
-    <p:sldId id="276" r:id="rId27"/>
-    <p:sldId id="277" r:id="rId28"/>
-    <p:sldId id="278" r:id="rId29"/>
-    <p:sldId id="279" r:id="rId30"/>
-    <p:sldId id="280" r:id="rId31"/>
-    <p:sldId id="281" r:id="rId32"/>
-    <p:sldId id="282" r:id="rId33"/>
-    <p:sldId id="283" r:id="rId34"/>
-    <p:sldId id="284" r:id="rId35"/>
-    <p:sldId id="285" r:id="rId36"/>
-    <p:sldId id="286" r:id="rId37"/>
-    <p:sldId id="287" r:id="rId38"/>
   </p:sldIdLst>
   <p:sldSz cx="9144000" cy="5143500" type="screen16x9"/>
   <p:notesSz cx="5143500" cy="9144000"/>
@@ -139,6 +117,9 @@
     <p:ext uri="{EFAFB233-063F-42B5-8137-9DF3F51BA10A}">
       <p15:sldGuideLst xmlns:p15="http://schemas.microsoft.com/office/powerpoint/2012/main"/>
     </p:ext>
+    <p:ext uri="{2D200454-40CA-4A62-9FC3-DE9A4176ACB9}">
+      <p15:notesGuideLst xmlns:p15="http://schemas.microsoft.com/office/powerpoint/2012/main"/>
+    </p:ext>
   </p:extLst>
 </p:presentation>
 </file>
@@ -165,6 +146,59 @@
           <a:chExt cx="0" cy="0"/>
         </a:xfrm>
       </p:grpSpPr>
+      <p:sp>
+        <p:nvSpPr>
+          <p:cNvPr id="2" name="Slide Image Placeholder 1"/>
+          <p:cNvSpPr>
+            <a:spLocks noGrp="1" noRot="1" noChangeAspect="1"/>
+          </p:cNvSpPr>
+          <p:nvPr>
+            <p:ph type="sldImg"/>
+          </p:nvPr>
+        </p:nvSpPr>
+        <p:spPr>
+          <a:xfrm>
+            <a:off x="-171450" y="1143000"/>
+            <a:ext cx="5486400" cy="3086100"/>
+          </a:xfrm>
+          <a:prstGeom prst="rect">
+            <a:avLst/>
+          </a:prstGeom>
+          <a:noFill/>
+          <a:ln w="12700">
+            <a:solidFill>
+              <a:prstClr val="black"/>
+            </a:solidFill>
+          </a:ln>
+        </p:spPr>
+      </p:sp>
+      <p:sp>
+        <p:nvSpPr>
+          <p:cNvPr id="3" name="Notes Placeholder 2"/>
+          <p:cNvSpPr>
+            <a:spLocks noGrp="1"/>
+          </p:cNvSpPr>
+          <p:nvPr>
+            <p:ph type="body" idx="1"/>
+          </p:nvPr>
+        </p:nvSpPr>
+        <p:spPr>
+          <a:xfrm>
+            <a:off x="514350" y="4400550"/>
+            <a:ext cx="4114800" cy="3600450"/>
+          </a:xfrm>
+          <a:prstGeom prst="rect">
+            <a:avLst/>
+          </a:prstGeom>
+        </p:spPr>
+        <p:txBody>
+          <a:bodyPr/>
+          <a:lstStyle/>
+          <a:p>
+            <a:endParaRPr lang="en-US"/>
+          </a:p>
+        </p:txBody>
+      </p:sp>
     </p:spTree>
     <p:extLst>
       <p:ext uri="{BB962C8B-B14F-4D97-AF65-F5344CB8AC3E}">
@@ -268,6 +302,2310 @@
 </p:notesMaster>
 </file>
 
+<file path=ppt/notesSlides/notesSlide1.xml><?xml version="1.0" encoding="utf-8"?>
+<p:notes xmlns:a="http://schemas.openxmlformats.org/drawingml/2006/main" xmlns:p="http://schemas.openxmlformats.org/presentationml/2006/main" xmlns:r="http://schemas.openxmlformats.org/officeDocument/2006/relationships">
+  <p:cSld>
+    <p:spTree>
+      <p:nvGrpSpPr>
+        <p:cNvPr id="1" name=""/>
+        <p:cNvGrpSpPr/>
+        <p:nvPr/>
+      </p:nvGrpSpPr>
+      <p:grpSpPr>
+        <a:xfrm>
+          <a:off x="0" y="0"/>
+          <a:ext cx="0" cy="0"/>
+          <a:chOff x="0" y="0"/>
+          <a:chExt cx="0" cy="0"/>
+        </a:xfrm>
+      </p:grpSpPr>
+      <p:sp>
+        <p:nvSpPr>
+          <p:cNvPr id="2" name="Slide Image Placeholder 1"/>
+          <p:cNvSpPr>
+            <a:spLocks noGrp="1"/>
+          </p:cNvSpPr>
+          <p:nvPr>
+            <p:ph type="sldImg"/>
+          </p:nvPr>
+        </p:nvSpPr>
+        <p:spPr/>
+      </p:sp>
+      <p:sp>
+        <p:nvSpPr>
+          <p:cNvPr id="3" name="Notes Placeholder 2"/>
+          <p:cNvSpPr>
+            <a:spLocks noGrp="1"/>
+          </p:cNvSpPr>
+          <p:nvPr>
+            <p:ph type="body" idx="1"/>
+          </p:nvPr>
+        </p:nvSpPr>
+        <p:spPr/>
+        <p:txBody>
+          <a:bodyPr/>
+          <a:lstStyle/>
+          <a:p>
+            <a:r>
+              <a:t>*Opening Statement:*</a:t>
+            </a:r>
+          </a:p>
+          <a:p>
+            <a:r>
+              <a:t>Good [morning/afternoon]. Today we're celebrating the successful completion of the HashiCorp Terraform Enterprise implementation. This project has transformed [Client Name]'s fragmented Terraform OSS usage into a centralized, policy-driven infrastructure automation platform.</a:t>
+            </a:r>
+          </a:p>
+          <a:p/>
+          <a:p>
+            <a:r>
+              <a:t>*Key Talking Points - Expand on Each Bullet:*</a:t>
+            </a:r>
+          </a:p>
+          <a:p/>
+          <a:p>
+            <a:r>
+              <a:t>**Project Duration - 6 Months:**</a:t>
+            </a:r>
+          </a:p>
+          <a:p>
+            <a:r>
+              <a:t>- Executed exactly as planned in the Statement of Work</a:t>
+            </a:r>
+          </a:p>
+          <a:p>
+            <a:r>
+              <a:t>- Phase 1 (Foundation): Months 1-2 - Terraform Enterprise operational, 50 workspaces migrated</a:t>
+            </a:r>
+          </a:p>
+          <a:p>
+            <a:r>
+              <a:t>- Phase 2 (Governance): Months 3-4 - Sentinel policies enforced, Vault integration complete</a:t>
+            </a:r>
+          </a:p>
+          <a:p>
+            <a:r>
+              <a:t>- Phase 3 (Optimization): Months 5-6 - Self-service enabled, training complete</a:t>
+            </a:r>
+          </a:p>
+          <a:p>
+            <a:r>
+              <a:t>- No schedule slippage despite workspace migration complexity</a:t>
+            </a:r>
+          </a:p>
+          <a:p/>
+          <a:p>
+            <a:r>
+              <a:t>**Budget - $116,576 Year 1:**</a:t>
+            </a:r>
+          </a:p>
+          <a:p>
+            <a:r>
+              <a:t>- Cloud Infrastructure: $23,916 (AWS credits applied)</a:t>
+            </a:r>
+          </a:p>
+          <a:p>
+            <a:r>
+              <a:t>- Software Licenses: $34,260 (TFE, monitoring, alerting)</a:t>
+            </a:r>
+          </a:p>
+          <a:p>
+            <a:r>
+              <a:t>- Support &amp; Maintenance: $58,400</a:t>
+            </a:r>
+          </a:p>
+          <a:p>
+            <a:r>
+              <a:t>- AWS Partner Credits: $12,000 applied to infrastructure</a:t>
+            </a:r>
+          </a:p>
+          <a:p>
+            <a:r>
+              <a:t>- Actual spend: $116,512 - $64 under budget</a:t>
+            </a:r>
+          </a:p>
+          <a:p/>
+          <a:p>
+            <a:r>
+              <a:t>**Go-Live - Month 6:**</a:t>
+            </a:r>
+          </a:p>
+          <a:p>
+            <a:r>
+              <a:t>- Followed phased workspace migration exactly as planned</a:t>
+            </a:r>
+          </a:p>
+          <a:p>
+            <a:r>
+              <a:t>- 10 pilot workspaces in Week 1 (development)</a:t>
+            </a:r>
+          </a:p>
+          <a:p>
+            <a:r>
+              <a:t>- 50 total workspaces migrated by Month 3</a:t>
+            </a:r>
+          </a:p>
+          <a:p>
+            <a:r>
+              <a:t>- Full platform with self-service live Month 6</a:t>
+            </a:r>
+          </a:p>
+          <a:p>
+            <a:r>
+              <a:t>- Zero rollback events required</a:t>
+            </a:r>
+          </a:p>
+          <a:p/>
+          <a:p>
+            <a:r>
+              <a:t>**Quality - Zero Critical Defects:**</a:t>
+            </a:r>
+          </a:p>
+          <a:p>
+            <a:r>
+              <a:t>- 46 test cases executed, 100% pass rate</a:t>
+            </a:r>
+          </a:p>
+          <a:p>
+            <a:r>
+              <a:t>- No P1 or P2 defects at go-live</a:t>
+            </a:r>
+          </a:p>
+          <a:p>
+            <a:r>
+              <a:t>- 3 P3 defects identified and resolved during hypercare</a:t>
+            </a:r>
+          </a:p>
+          <a:p>
+            <a:r>
+              <a:t>- Defect escape rate: 0.38% (target &lt;2%)</a:t>
+            </a:r>
+          </a:p>
+          <a:p/>
+          <a:p>
+            <a:r>
+              <a:t>**Provisioning Time - 82% Reduction:**</a:t>
+            </a:r>
+          </a:p>
+          <a:p>
+            <a:r>
+              <a:t>- Baseline (manual): 5 days per environment average</a:t>
+            </a:r>
+          </a:p>
+          <a:p>
+            <a:r>
+              <a:t>- Current (automated): 1 day average via self-service</a:t>
+            </a:r>
+          </a:p>
+          <a:p>
+            <a:r>
+              <a:t>- Exceeds 80% target in SOW</a:t>
+            </a:r>
+          </a:p>
+          <a:p>
+            <a:r>
+              <a:t>- Standard deployments: 4 hours via VCS webhooks</a:t>
+            </a:r>
+          </a:p>
+          <a:p/>
+          <a:p>
+            <a:r>
+              <a:t>**Policy Compliance - 100%:**</a:t>
+            </a:r>
+          </a:p>
+          <a:p>
+            <a:r>
+              <a:t>- Target was 100% per SOW</a:t>
+            </a:r>
+          </a:p>
+          <a:p>
+            <a:r>
+              <a:t>- 40 Sentinel policies enforced across all workspaces</a:t>
+            </a:r>
+          </a:p>
+          <a:p>
+            <a:r>
+              <a:t>- Zero policy violations reaching production</a:t>
+            </a:r>
+          </a:p>
+          <a:p>
+            <a:r>
+              <a:t>- Security, cost, and compliance frameworks covered</a:t>
+            </a:r>
+          </a:p>
+        </p:txBody>
+      </p:sp>
+    </p:spTree>
+  </p:cSld>
+  <p:clrMapOvr>
+    <a:masterClrMapping/>
+  </p:clrMapOvr>
+</p:notes>
+</file>
+
+<file path=ppt/notesSlides/notesSlide2.xml><?xml version="1.0" encoding="utf-8"?>
+<p:notes xmlns:a="http://schemas.openxmlformats.org/drawingml/2006/main" xmlns:p="http://schemas.openxmlformats.org/presentationml/2006/main" xmlns:r="http://schemas.openxmlformats.org/officeDocument/2006/relationships">
+  <p:cSld>
+    <p:spTree>
+      <p:nvGrpSpPr>
+        <p:cNvPr id="1" name=""/>
+        <p:cNvGrpSpPr/>
+        <p:nvPr/>
+      </p:nvGrpSpPr>
+      <p:grpSpPr>
+        <a:xfrm>
+          <a:off x="0" y="0"/>
+          <a:ext cx="0" cy="0"/>
+          <a:chOff x="0" y="0"/>
+          <a:chExt cx="0" cy="0"/>
+        </a:xfrm>
+      </p:grpSpPr>
+      <p:sp>
+        <p:nvSpPr>
+          <p:cNvPr id="2" name="Slide Image Placeholder 1"/>
+          <p:cNvSpPr>
+            <a:spLocks noGrp="1"/>
+          </p:cNvSpPr>
+          <p:nvPr>
+            <p:ph type="sldImg"/>
+          </p:nvPr>
+        </p:nvSpPr>
+        <p:spPr/>
+      </p:sp>
+      <p:sp>
+        <p:nvSpPr>
+          <p:cNvPr id="3" name="Notes Placeholder 2"/>
+          <p:cNvSpPr>
+            <a:spLocks noGrp="1"/>
+          </p:cNvSpPr>
+          <p:nvPr>
+            <p:ph type="body" idx="1"/>
+          </p:nvPr>
+        </p:nvSpPr>
+        <p:spPr/>
+        <p:txBody>
+          <a:bodyPr/>
+          <a:lstStyle/>
+          <a:p>
+            <a:r>
+              <a:t>*Architecture Overview - Walk Through the Diagram:*</a:t>
+            </a:r>
+          </a:p>
+          <a:p/>
+          <a:p>
+            <a:r>
+              <a:t>"This diagram shows the production architecture we deployed. Let me walk through the platform components..."</a:t>
+            </a:r>
+          </a:p>
+          <a:p/>
+          <a:p>
+            <a:r>
+              <a:t>**Terraform Enterprise Platform:**</a:t>
+            </a:r>
+          </a:p>
+          <a:p>
+            <a:r>
+              <a:t>- Deployed on AWS EKS with 3 nodes (t3.large) for high availability</a:t>
+            </a:r>
+          </a:p>
+          <a:p>
+            <a:r>
+              <a:t>- PostgreSQL RDS backend (db.t3.medium) for state storage</a:t>
+            </a:r>
+          </a:p>
+          <a:p>
+            <a:r>
+              <a:t>- Manages 50 workspaces across AWS infrastructure</a:t>
+            </a:r>
+          </a:p>
+          <a:p>
+            <a:r>
+              <a:t>- 25 users with 5 roles (viewer, plan-only, operator, admin, security-reviewer)</a:t>
+            </a:r>
+          </a:p>
+          <a:p>
+            <a:r>
+              <a:t>- 10 concurrent Terraform runs supported</a:t>
+            </a:r>
+          </a:p>
+          <a:p>
+            <a:r>
+              <a:t>- VCS integration with GitHub for GitOps workflows</a:t>
+            </a:r>
+          </a:p>
+          <a:p/>
+          <a:p>
+            <a:r>
+              <a:t>**HashiCorp Vault Integration:**</a:t>
+            </a:r>
+          </a:p>
+          <a:p>
+            <a:r>
+              <a:t>- Dynamic AWS credentials via Vault secrets engine</a:t>
+            </a:r>
+          </a:p>
+          <a:p>
+            <a:r>
+              <a:t>- 1-hour TTL for automated credential rotation</a:t>
+            </a:r>
+          </a:p>
+          <a:p>
+            <a:r>
+              <a:t>- No static credentials in code or environment variables</a:t>
+            </a:r>
+          </a:p>
+          <a:p>
+            <a:r>
+              <a:t>- Integrated with Terraform Enterprise run environment</a:t>
+            </a:r>
+          </a:p>
+          <a:p/>
+          <a:p>
+            <a:r>
+              <a:t>**Sentinel Policy Framework:**</a:t>
+            </a:r>
+          </a:p>
+          <a:p>
+            <a:r>
+              <a:t>- 40 policies developed covering security, cost, and compliance</a:t>
+            </a:r>
+          </a:p>
+          <a:p>
+            <a:r>
+              <a:t>- Security policies: Network rules, encryption, IAM validation</a:t>
+            </a:r>
+          </a:p>
+          <a:p>
+            <a:r>
+              <a:t>- Cost policies: Resource sizing, tagging enforcement</a:t>
+            </a:r>
+          </a:p>
+          <a:p>
+            <a:r>
+              <a:t>- Compliance policies: SOC2, ISO27001 control mapping</a:t>
+            </a:r>
+          </a:p>
+          <a:p>
+            <a:r>
+              <a:t>- Progressive enforcement: Advisory in dev, mandatory in prod</a:t>
+            </a:r>
+          </a:p>
+          <a:p/>
+          <a:p>
+            <a:r>
+              <a:t>**Private Module Registry:**</a:t>
+            </a:r>
+          </a:p>
+          <a:p>
+            <a:r>
+              <a:t>- 15 reusable Terraform modules published</a:t>
+            </a:r>
+          </a:p>
+          <a:p>
+            <a:r>
+              <a:t>- Version control with semantic versioning</a:t>
+            </a:r>
+          </a:p>
+          <a:p>
+            <a:r>
+              <a:t>- Module documentation auto-generated</a:t>
+            </a:r>
+          </a:p>
+          <a:p>
+            <a:r>
+              <a:t>- Team access controls per module</a:t>
+            </a:r>
+          </a:p>
+          <a:p/>
+          <a:p>
+            <a:r>
+              <a:t>*Presales Alignment:*</a:t>
+            </a:r>
+          </a:p>
+          <a:p>
+            <a:r>
+              <a:t>- Architecture matches SOW specification exactly</a:t>
+            </a:r>
+          </a:p>
+          <a:p>
+            <a:r>
+              <a:t>- All services deployed: TFE on EKS, Vault integration, Sentinel policies</a:t>
+            </a:r>
+          </a:p>
+          <a:p>
+            <a:r>
+              <a:t>- No scope additions beyond presales commitment</a:t>
+            </a:r>
+          </a:p>
+        </p:txBody>
+      </p:sp>
+    </p:spTree>
+  </p:cSld>
+  <p:clrMapOvr>
+    <a:masterClrMapping/>
+  </p:clrMapOvr>
+</p:notes>
+</file>
+
+<file path=ppt/notesSlides/notesSlide3.xml><?xml version="1.0" encoding="utf-8"?>
+<p:notes xmlns:a="http://schemas.openxmlformats.org/drawingml/2006/main" xmlns:p="http://schemas.openxmlformats.org/presentationml/2006/main" xmlns:r="http://schemas.openxmlformats.org/officeDocument/2006/relationships">
+  <p:cSld>
+    <p:spTree>
+      <p:nvGrpSpPr>
+        <p:cNvPr id="1" name=""/>
+        <p:cNvGrpSpPr/>
+        <p:nvPr/>
+      </p:nvGrpSpPr>
+      <p:grpSpPr>
+        <a:xfrm>
+          <a:off x="0" y="0"/>
+          <a:ext cx="0" cy="0"/>
+          <a:chOff x="0" y="0"/>
+          <a:chExt cx="0" cy="0"/>
+        </a:xfrm>
+      </p:grpSpPr>
+      <p:sp>
+        <p:nvSpPr>
+          <p:cNvPr id="2" name="Slide Image Placeholder 1"/>
+          <p:cNvSpPr>
+            <a:spLocks noGrp="1"/>
+          </p:cNvSpPr>
+          <p:nvPr>
+            <p:ph type="sldImg"/>
+          </p:nvPr>
+        </p:nvSpPr>
+        <p:spPr/>
+      </p:sp>
+      <p:sp>
+        <p:nvSpPr>
+          <p:cNvPr id="3" name="Notes Placeholder 2"/>
+          <p:cNvSpPr>
+            <a:spLocks noGrp="1"/>
+          </p:cNvSpPr>
+          <p:nvPr>
+            <p:ph type="body" idx="1"/>
+          </p:nvPr>
+        </p:nvSpPr>
+        <p:spPr/>
+        <p:txBody>
+          <a:bodyPr/>
+          <a:lstStyle/>
+          <a:p>
+            <a:r>
+              <a:t>*Deliverables Deep Dive - Review Each Item:*</a:t>
+            </a:r>
+          </a:p>
+          <a:p/>
+          <a:p>
+            <a:r>
+              <a:t>**1. TFE Architecture Document (detailed-design.docx):**</a:t>
+            </a:r>
+          </a:p>
+          <a:p>
+            <a:r>
+              <a:t>- 45 pages comprehensive technical documentation</a:t>
+            </a:r>
+          </a:p>
+          <a:p>
+            <a:r>
+              <a:t>- Sections include:</a:t>
+            </a:r>
+          </a:p>
+          <a:p>
+            <a:r>
+              <a:t>  - Executive Summary and business context</a:t>
+            </a:r>
+          </a:p>
+          <a:p>
+            <a:r>
+              <a:t>  - Current state Terraform OSS assessment</a:t>
+            </a:r>
+          </a:p>
+          <a:p>
+            <a:r>
+              <a:t>  - Target architecture with Terraform Enterprise on EKS</a:t>
+            </a:r>
+          </a:p>
+          <a:p>
+            <a:r>
+              <a:t>  - Sentinel policy framework design</a:t>
+            </a:r>
+          </a:p>
+          <a:p>
+            <a:r>
+              <a:t>  - Security controls and compliance mapping</a:t>
+            </a:r>
+          </a:p>
+          <a:p>
+            <a:r>
+              <a:t>  - HashiCorp Vault integration specifications</a:t>
+            </a:r>
+          </a:p>
+          <a:p>
+            <a:r>
+              <a:t>  - Monitoring and alerting setup</a:t>
+            </a:r>
+          </a:p>
+          <a:p>
+            <a:r>
+              <a:t>- Reviewed and accepted by [Technical Lead] on [Date]</a:t>
+            </a:r>
+          </a:p>
+          <a:p/>
+          <a:p>
+            <a:r>
+              <a:t>**2. Implementation Guide (implementation-guide.docx):**</a:t>
+            </a:r>
+          </a:p>
+          <a:p>
+            <a:r>
+              <a:t>- Step-by-step deployment procedures for all components</a:t>
+            </a:r>
+          </a:p>
+          <a:p>
+            <a:r>
+              <a:t>- Prerequisites checklist for AWS and GitHub access</a:t>
+            </a:r>
+          </a:p>
+          <a:p>
+            <a:r>
+              <a:t>- Terraform configuration for EKS and RDS deployment</a:t>
+            </a:r>
+          </a:p>
+          <a:p>
+            <a:r>
+              <a:t>- Workspace migration procedures from OSS to Enterprise</a:t>
+            </a:r>
+          </a:p>
+          <a:p>
+            <a:r>
+              <a:t>- Sentinel policy deployment guide</a:t>
+            </a:r>
+          </a:p>
+          <a:p>
+            <a:r>
+              <a:t>- Post-deployment validation steps</a:t>
+            </a:r>
+          </a:p>
+          <a:p>
+            <a:r>
+              <a:t>- Rollback procedures</a:t>
+            </a:r>
+          </a:p>
+          <a:p>
+            <a:r>
+              <a:t>- Validated by rebuilding staging environment from scratch</a:t>
+            </a:r>
+          </a:p>
+          <a:p/>
+          <a:p>
+            <a:r>
+              <a:t>**3. Project Plan (project-plan.xlsx):**</a:t>
+            </a:r>
+          </a:p>
+          <a:p>
+            <a:r>
+              <a:t>- Four worksheets:</a:t>
+            </a:r>
+          </a:p>
+          <a:p>
+            <a:r>
+              <a:t>  1. Project Timeline - 35 tasks across 6 months</a:t>
+            </a:r>
+          </a:p>
+          <a:p>
+            <a:r>
+              <a:t>  2. Milestones - 8 major milestones tracked</a:t>
+            </a:r>
+          </a:p>
+          <a:p>
+            <a:r>
+              <a:t>  3. RACI Matrix - 20 activities with clear ownership</a:t>
+            </a:r>
+          </a:p>
+          <a:p>
+            <a:r>
+              <a:t>  4. Communications Plan - 8 meeting types defined</a:t>
+            </a:r>
+          </a:p>
+          <a:p>
+            <a:r>
+              <a:t>- All milestones achieved on or ahead of schedule</a:t>
+            </a:r>
+          </a:p>
+          <a:p>
+            <a:r>
+              <a:t>- Final status: 100% complete</a:t>
+            </a:r>
+          </a:p>
+          <a:p/>
+          <a:p>
+            <a:r>
+              <a:t>**4. Test Plan &amp; Results (test-plan.xlsx):**</a:t>
+            </a:r>
+          </a:p>
+          <a:p>
+            <a:r>
+              <a:t>- Three test categories:</a:t>
+            </a:r>
+          </a:p>
+          <a:p>
+            <a:r>
+              <a:t>  1. Functional Tests - 18 test cases (100% pass)</a:t>
+            </a:r>
+          </a:p>
+          <a:p>
+            <a:r>
+              <a:t>  2. Non-Functional Tests - 16 test cases (100% pass)</a:t>
+            </a:r>
+          </a:p>
+          <a:p>
+            <a:r>
+              <a:t>  3. User Acceptance Tests - 12 test cases (100% pass)</a:t>
+            </a:r>
+          </a:p>
+          <a:p>
+            <a:r>
+              <a:t>- Policy enforcement validation across all environments</a:t>
+            </a:r>
+          </a:p>
+          <a:p>
+            <a:r>
+              <a:t>- Performance benchmarks documented</a:t>
+            </a:r>
+          </a:p>
+          <a:p/>
+          <a:p>
+            <a:r>
+              <a:t>**5. Sentinel Policy Library:**</a:t>
+            </a:r>
+          </a:p>
+          <a:p>
+            <a:r>
+              <a:t>- 40 policies organized by framework:</a:t>
+            </a:r>
+          </a:p>
+          <a:p>
+            <a:r>
+              <a:t>  - `security/` - 18 policies (network, encryption, IAM)</a:t>
+            </a:r>
+          </a:p>
+          <a:p>
+            <a:r>
+              <a:t>  - `cost/` - 12 policies (sizing, tagging, budgets)</a:t>
+            </a:r>
+          </a:p>
+          <a:p>
+            <a:r>
+              <a:t>  - `compliance/` - 10 policies (SOC2, ISO27001)</a:t>
+            </a:r>
+          </a:p>
+          <a:p>
+            <a:r>
+              <a:t>- Advisory and mandatory enforcement levels</a:t>
+            </a:r>
+          </a:p>
+        </p:txBody>
+      </p:sp>
+    </p:spTree>
+  </p:cSld>
+  <p:clrMapOvr>
+    <a:masterClrMapping/>
+  </p:clrMapOvr>
+</p:notes>
+</file>
+
+<file path=ppt/notesSlides/notesSlide4.xml><?xml version="1.0" encoding="utf-8"?>
+<p:notes xmlns:a="http://schemas.openxmlformats.org/drawingml/2006/main" xmlns:p="http://schemas.openxmlformats.org/presentationml/2006/main" xmlns:r="http://schemas.openxmlformats.org/officeDocument/2006/relationships">
+  <p:cSld>
+    <p:spTree>
+      <p:nvGrpSpPr>
+        <p:cNvPr id="1" name=""/>
+        <p:cNvGrpSpPr/>
+        <p:nvPr/>
+      </p:nvGrpSpPr>
+      <p:grpSpPr>
+        <a:xfrm>
+          <a:off x="0" y="0"/>
+          <a:ext cx="0" cy="0"/>
+          <a:chOff x="0" y="0"/>
+          <a:chExt cx="0" cy="0"/>
+        </a:xfrm>
+      </p:grpSpPr>
+      <p:sp>
+        <p:nvSpPr>
+          <p:cNvPr id="2" name="Slide Image Placeholder 1"/>
+          <p:cNvSpPr>
+            <a:spLocks noGrp="1"/>
+          </p:cNvSpPr>
+          <p:nvPr>
+            <p:ph type="sldImg"/>
+          </p:nvPr>
+        </p:nvSpPr>
+        <p:spPr/>
+      </p:sp>
+      <p:sp>
+        <p:nvSpPr>
+          <p:cNvPr id="3" name="Notes Placeholder 2"/>
+          <p:cNvSpPr>
+            <a:spLocks noGrp="1"/>
+          </p:cNvSpPr>
+          <p:nvPr>
+            <p:ph type="body" idx="1"/>
+          </p:nvPr>
+        </p:nvSpPr>
+        <p:spPr/>
+        <p:txBody>
+          <a:bodyPr/>
+          <a:lstStyle/>
+          <a:p>
+            <a:r>
+              <a:t>*Quality &amp; Performance Deep Dive:*</a:t>
+            </a:r>
+          </a:p>
+          <a:p/>
+          <a:p>
+            <a:r>
+              <a:t>**Platform Metrics - Detailed Breakdown:**</a:t>
+            </a:r>
+          </a:p>
+          <a:p/>
+          <a:p>
+            <a:r>
+              <a:t>*Platform Uptime: 99.94%*</a:t>
+            </a:r>
+          </a:p>
+          <a:p>
+            <a:r>
+              <a:t>- Target: 99.9% availability per SOW</a:t>
+            </a:r>
+          </a:p>
+          <a:p>
+            <a:r>
+              <a:t>- Achieved: 99.94% (0.43 hours downtime in 30 days)</a:t>
+            </a:r>
+          </a:p>
+          <a:p>
+            <a:r>
+              <a:t>- Downtime breakdown:</a:t>
+            </a:r>
+          </a:p>
+          <a:p>
+            <a:r>
+              <a:t>  - Planned maintenance: 0.3 hours (during off-hours)</a:t>
+            </a:r>
+          </a:p>
+          <a:p>
+            <a:r>
+              <a:t>  - Unplanned: 0.13 hours (EKS node replacement, auto-healed)</a:t>
+            </a:r>
+          </a:p>
+          <a:p>
+            <a:r>
+              <a:t>- No data loss incidents</a:t>
+            </a:r>
+          </a:p>
+          <a:p>
+            <a:r>
+              <a:t>- All SLAs met or exceeded</a:t>
+            </a:r>
+          </a:p>
+          <a:p/>
+          <a:p>
+            <a:r>
+              <a:t>*Workspace Run Success: 98.5%*</a:t>
+            </a:r>
+          </a:p>
+          <a:p>
+            <a:r>
+              <a:t>- Successful Terraform runs / Total runs</a:t>
+            </a:r>
+          </a:p>
+          <a:p>
+            <a:r>
+              <a:t>- 1.5% failure rate due to:</a:t>
+            </a:r>
+          </a:p>
+          <a:p>
+            <a:r>
+              <a:t>  - AWS API rate limits: 0.6%</a:t>
+            </a:r>
+          </a:p>
+          <a:p>
+            <a:r>
+              <a:t>  - State locking conflicts (resolved): 0.4%</a:t>
+            </a:r>
+          </a:p>
+          <a:p>
+            <a:r>
+              <a:t>  - Policy violations (intended blocks): 0.5%</a:t>
+            </a:r>
+          </a:p>
+          <a:p>
+            <a:r>
+              <a:t>- Average run duration: 2.5 minutes</a:t>
+            </a:r>
+          </a:p>
+          <a:p/>
+          <a:p>
+            <a:r>
+              <a:t>*Policy Compliance: 100%*</a:t>
+            </a:r>
+          </a:p>
+          <a:p>
+            <a:r>
+              <a:t>- Target: 100% per SOW</a:t>
+            </a:r>
+          </a:p>
+          <a:p>
+            <a:r>
+              <a:t>- 40 Sentinel policies enforced</a:t>
+            </a:r>
+          </a:p>
+          <a:p>
+            <a:r>
+              <a:t>- Zero policy violations reached production</a:t>
+            </a:r>
+          </a:p>
+          <a:p>
+            <a:r>
+              <a:t>- 234 violations blocked pre-apply</a:t>
+            </a:r>
+          </a:p>
+          <a:p/>
+          <a:p>
+            <a:r>
+              <a:t>**Efficiency Metrics - Detailed Analysis:**</a:t>
+            </a:r>
+          </a:p>
+          <a:p/>
+          <a:p>
+            <a:r>
+              <a:t>*Provisioning Time: 82% Reduction*</a:t>
+            </a:r>
+          </a:p>
+          <a:p>
+            <a:r>
+              <a:t>- SOW target: 80% reduction</a:t>
+            </a:r>
+          </a:p>
+          <a:p>
+            <a:r>
+              <a:t>- Baseline (manual): 5 days per environment</a:t>
+            </a:r>
+          </a:p>
+          <a:p>
+            <a:r>
+              <a:t>- Current (automated): 1 day average</a:t>
+            </a:r>
+          </a:p>
+          <a:p>
+            <a:r>
+              <a:t>- Self-service standard deployments: 4 hours</a:t>
+            </a:r>
+          </a:p>
+          <a:p>
+            <a:r>
+              <a:t>- Exceeds target by 2%</a:t>
+            </a:r>
+          </a:p>
+          <a:p/>
+          <a:p>
+            <a:r>
+              <a:t>*Manual Effort: 80% Reduction*</a:t>
+            </a:r>
+          </a:p>
+          <a:p>
+            <a:r>
+              <a:t>- Before: 2 FTEs dedicated to infrastructure provisioning</a:t>
+            </a:r>
+          </a:p>
+          <a:p>
+            <a:r>
+              <a:t>- After: 0.4 FTE for review queue and exception handling</a:t>
+            </a:r>
+          </a:p>
+          <a:p>
+            <a:r>
+              <a:t>- Remaining 1.6 FTE capacity reallocated to strategic work</a:t>
+            </a:r>
+          </a:p>
+          <a:p/>
+          <a:p>
+            <a:r>
+              <a:t>**Testing Summary:**</a:t>
+            </a:r>
+          </a:p>
+          <a:p>
+            <a:r>
+              <a:t>- Test Cases Executed: 46 total</a:t>
+            </a:r>
+          </a:p>
+          <a:p>
+            <a:r>
+              <a:t>- Pass Rate: 100%</a:t>
+            </a:r>
+          </a:p>
+          <a:p>
+            <a:r>
+              <a:t>- Test Coverage: 94%</a:t>
+            </a:r>
+          </a:p>
+          <a:p>
+            <a:r>
+              <a:t>- Critical Defects at Go-Live: 0</a:t>
+            </a:r>
+          </a:p>
+          <a:p>
+            <a:r>
+              <a:t>- Defects Found During Hypercare: 3 (all P3, resolved)</a:t>
+            </a:r>
+          </a:p>
+        </p:txBody>
+      </p:sp>
+    </p:spTree>
+  </p:cSld>
+  <p:clrMapOvr>
+    <a:masterClrMapping/>
+  </p:clrMapOvr>
+</p:notes>
+</file>
+
+<file path=ppt/notesSlides/notesSlide5.xml><?xml version="1.0" encoding="utf-8"?>
+<p:notes xmlns:a="http://schemas.openxmlformats.org/drawingml/2006/main" xmlns:p="http://schemas.openxmlformats.org/presentationml/2006/main" xmlns:r="http://schemas.openxmlformats.org/officeDocument/2006/relationships">
+  <p:cSld>
+    <p:spTree>
+      <p:nvGrpSpPr>
+        <p:cNvPr id="1" name=""/>
+        <p:cNvGrpSpPr/>
+        <p:nvPr/>
+      </p:nvGrpSpPr>
+      <p:grpSpPr>
+        <a:xfrm>
+          <a:off x="0" y="0"/>
+          <a:ext cx="0" cy="0"/>
+          <a:chOff x="0" y="0"/>
+          <a:chExt cx="0" cy="0"/>
+        </a:xfrm>
+      </p:grpSpPr>
+      <p:sp>
+        <p:nvSpPr>
+          <p:cNvPr id="2" name="Slide Image Placeholder 1"/>
+          <p:cNvSpPr>
+            <a:spLocks noGrp="1"/>
+          </p:cNvSpPr>
+          <p:nvPr>
+            <p:ph type="sldImg"/>
+          </p:nvPr>
+        </p:nvSpPr>
+        <p:spPr/>
+      </p:sp>
+      <p:sp>
+        <p:nvSpPr>
+          <p:cNvPr id="3" name="Notes Placeholder 2"/>
+          <p:cNvSpPr>
+            <a:spLocks noGrp="1"/>
+          </p:cNvSpPr>
+          <p:nvPr>
+            <p:ph type="body" idx="1"/>
+          </p:nvPr>
+        </p:nvSpPr>
+        <p:spPr/>
+        <p:txBody>
+          <a:bodyPr/>
+          <a:lstStyle/>
+          <a:p>
+            <a:r>
+              <a:t>*Benefits Analysis - Detailed ROI Discussion:*</a:t>
+            </a:r>
+          </a:p>
+          <a:p/>
+          <a:p>
+            <a:r>
+              <a:t>**Provisioning Time Reduction - 82%:**</a:t>
+            </a:r>
+          </a:p>
+          <a:p/>
+          <a:p>
+            <a:r>
+              <a:t>*Before (Manual Process):*</a:t>
+            </a:r>
+          </a:p>
+          <a:p>
+            <a:r>
+              <a:t>- Average time per environment: 5 days</a:t>
+            </a:r>
+          </a:p>
+          <a:p>
+            <a:r>
+              <a:t>- Steps involved:</a:t>
+            </a:r>
+          </a:p>
+          <a:p>
+            <a:r>
+              <a:t>  1. Manual approval chain via email (2-3 days)</a:t>
+            </a:r>
+          </a:p>
+          <a:p>
+            <a:r>
+              <a:t>  2. Terraform OSS execution with local state (1 day)</a:t>
+            </a:r>
+          </a:p>
+          <a:p>
+            <a:r>
+              <a:t>  3. Manual validation and documentation (1 day)</a:t>
+            </a:r>
+          </a:p>
+          <a:p>
+            <a:r>
+              <a:t>- Daily capacity: 1 environment per team</a:t>
+            </a:r>
+          </a:p>
+          <a:p/>
+          <a:p>
+            <a:r>
+              <a:t>*After (Automated Process):*</a:t>
+            </a:r>
+          </a:p>
+          <a:p>
+            <a:r>
+              <a:t>- Average time per environment: 1 day</a:t>
+            </a:r>
+          </a:p>
+          <a:p>
+            <a:r>
+              <a:t>- Self-service standard deployments: 4 hours</a:t>
+            </a:r>
+          </a:p>
+          <a:p>
+            <a:r>
+              <a:t>- 90% fully automated via VCS webhooks</a:t>
+            </a:r>
+          </a:p>
+          <a:p>
+            <a:r>
+              <a:t>- Daily capacity: 5+ environments possible</a:t>
+            </a:r>
+          </a:p>
+          <a:p>
+            <a:r>
+              <a:t>- Staff time per deployment: &lt;20 minutes average</a:t>
+            </a:r>
+          </a:p>
+          <a:p/>
+          <a:p>
+            <a:r>
+              <a:t>**Policy Compliance - 100%:**</a:t>
+            </a:r>
+          </a:p>
+          <a:p/>
+          <a:p>
+            <a:r>
+              <a:t>*Before (Manual Enforcement):*</a:t>
+            </a:r>
+          </a:p>
+          <a:p>
+            <a:r>
+              <a:t>- Compliance rate: ~60% (estimated)</a:t>
+            </a:r>
+          </a:p>
+          <a:p>
+            <a:r>
+              <a:t>- Manual code reviews on each deployment</a:t>
+            </a:r>
+          </a:p>
+          <a:p>
+            <a:r>
+              <a:t>- Inconsistent enforcement across teams</a:t>
+            </a:r>
+          </a:p>
+          <a:p>
+            <a:r>
+              <a:t>- Audit findings: 8 security issues annually</a:t>
+            </a:r>
+          </a:p>
+          <a:p>
+            <a:r>
+              <a:t>- Cost of compliance gaps: $120K annually (per discovery)</a:t>
+            </a:r>
+          </a:p>
+          <a:p/>
+          <a:p>
+            <a:r>
+              <a:t>*After (Automated Sentinel):*</a:t>
+            </a:r>
+          </a:p>
+          <a:p>
+            <a:r>
+              <a:t>- Compliance rate: 100%</a:t>
+            </a:r>
+          </a:p>
+          <a:p>
+            <a:r>
+              <a:t>- 40 policies enforced automatically</a:t>
+            </a:r>
+          </a:p>
+          <a:p>
+            <a:r>
+              <a:t>- Consistent enforcement across all workspaces</a:t>
+            </a:r>
+          </a:p>
+          <a:p>
+            <a:r>
+              <a:t>- Policy violations blocked: 234 in first month</a:t>
+            </a:r>
+          </a:p>
+          <a:p>
+            <a:r>
+              <a:t>- Projected audit findings: Zero</a:t>
+            </a:r>
+          </a:p>
+          <a:p/>
+          <a:p>
+            <a:r>
+              <a:t>**Cost Savings Projection:**</a:t>
+            </a:r>
+          </a:p>
+          <a:p/>
+          <a:p>
+            <a:r>
+              <a:t>*Annual Savings Analysis:*</a:t>
+            </a:r>
+          </a:p>
+          <a:p/>
+          <a:p>
+            <a:r>
+              <a:t>| Category | Before (Annual) | After (Annual) | Savings |</a:t>
+            </a:r>
+          </a:p>
+          <a:p>
+            <a:r>
+              <a:t>|----------|-----------------|----------------|---------|</a:t>
+            </a:r>
+          </a:p>
+          <a:p>
+            <a:r>
+              <a:t>| Labor (2 FTEs) | $192,000 | $64,000* | $128,000 |</a:t>
+            </a:r>
+          </a:p>
+          <a:p>
+            <a:r>
+              <a:t>| Security Incidents | $120,000 | $10,000 | $110,000 |</a:t>
+            </a:r>
+          </a:p>
+          <a:p>
+            <a:r>
+              <a:t>| Compliance Remediation | $35,000 | $5,000 | $30,000 |</a:t>
+            </a:r>
+          </a:p>
+          <a:p>
+            <a:r>
+              <a:t>| **Subtotal Savings** | | | **$268,000** |</a:t>
+            </a:r>
+          </a:p>
+          <a:p>
+            <a:r>
+              <a:t>| Platform Investment | | ($116,576) | |</a:t>
+            </a:r>
+          </a:p>
+          <a:p>
+            <a:r>
+              <a:t>| **Net Annual Savings** | | | **$151,424** |</a:t>
+            </a:r>
+          </a:p>
+          <a:p/>
+          <a:p>
+            <a:r>
+              <a:t>*Note: 1.6 FTEs reallocated to strategic work, 0.4 FTE manages platform</a:t>
+            </a:r>
+          </a:p>
+          <a:p/>
+          <a:p>
+            <a:r>
+              <a:t>**ROI Summary:**</a:t>
+            </a:r>
+          </a:p>
+          <a:p/>
+          <a:p>
+            <a:r>
+              <a:t>| Metric | Value |</a:t>
+            </a:r>
+          </a:p>
+          <a:p>
+            <a:r>
+              <a:t>|--------|-------|</a:t>
+            </a:r>
+          </a:p>
+          <a:p>
+            <a:r>
+              <a:t>| Total Investment (Year 1) | $116,576 |</a:t>
+            </a:r>
+          </a:p>
+          <a:p>
+            <a:r>
+              <a:t>| Year 1 Net Savings | $151,424 |</a:t>
+            </a:r>
+          </a:p>
+          <a:p>
+            <a:r>
+              <a:t>| Year 1 ROI | 130% |</a:t>
+            </a:r>
+          </a:p>
+          <a:p>
+            <a:r>
+              <a:t>| Payback Period | 9.2 months |</a:t>
+            </a:r>
+          </a:p>
+          <a:p>
+            <a:r>
+              <a:t>| 3-Year TCO | $373,728 |</a:t>
+            </a:r>
+          </a:p>
+          <a:p>
+            <a:r>
+              <a:t>| 3-Year Savings | $804,000 |</a:t>
+            </a:r>
+          </a:p>
+          <a:p>
+            <a:r>
+              <a:t>| 3-Year Net Benefit | $430,272 |</a:t>
+            </a:r>
+          </a:p>
+        </p:txBody>
+      </p:sp>
+    </p:spTree>
+  </p:cSld>
+  <p:clrMapOvr>
+    <a:masterClrMapping/>
+  </p:clrMapOvr>
+</p:notes>
+</file>
+
+<file path=ppt/notesSlides/notesSlide6.xml><?xml version="1.0" encoding="utf-8"?>
+<p:notes xmlns:a="http://schemas.openxmlformats.org/drawingml/2006/main" xmlns:p="http://schemas.openxmlformats.org/presentationml/2006/main" xmlns:r="http://schemas.openxmlformats.org/officeDocument/2006/relationships">
+  <p:cSld>
+    <p:spTree>
+      <p:nvGrpSpPr>
+        <p:cNvPr id="1" name=""/>
+        <p:cNvGrpSpPr/>
+        <p:nvPr/>
+      </p:nvGrpSpPr>
+      <p:grpSpPr>
+        <a:xfrm>
+          <a:off x="0" y="0"/>
+          <a:ext cx="0" cy="0"/>
+          <a:chOff x="0" y="0"/>
+          <a:chExt cx="0" cy="0"/>
+        </a:xfrm>
+      </p:grpSpPr>
+      <p:sp>
+        <p:nvSpPr>
+          <p:cNvPr id="2" name="Slide Image Placeholder 1"/>
+          <p:cNvSpPr>
+            <a:spLocks noGrp="1"/>
+          </p:cNvSpPr>
+          <p:nvPr>
+            <p:ph type="sldImg"/>
+          </p:nvPr>
+        </p:nvSpPr>
+        <p:spPr/>
+      </p:sp>
+      <p:sp>
+        <p:nvSpPr>
+          <p:cNvPr id="3" name="Notes Placeholder 2"/>
+          <p:cNvSpPr>
+            <a:spLocks noGrp="1"/>
+          </p:cNvSpPr>
+          <p:nvPr>
+            <p:ph type="body" idx="1"/>
+          </p:nvPr>
+        </p:nvSpPr>
+        <p:spPr/>
+        <p:txBody>
+          <a:bodyPr/>
+          <a:lstStyle/>
+          <a:p>
+            <a:r>
+              <a:t>*Lessons Learned - Comprehensive Review:*</a:t>
+            </a:r>
+          </a:p>
+          <a:p/>
+          <a:p>
+            <a:r>
+              <a:t>**What Worked Well - Details:**</a:t>
+            </a:r>
+          </a:p>
+          <a:p/>
+          <a:p>
+            <a:r>
+              <a:t>*1. Phased Workspace Migration:*</a:t>
+            </a:r>
+          </a:p>
+          <a:p>
+            <a:r>
+              <a:t>- Started with 10 pilot development workspaces in Week 1</a:t>
+            </a:r>
+          </a:p>
+          <a:p>
+            <a:r>
+              <a:t>- Validated state migration, VCS triggers, policy enforcement</a:t>
+            </a:r>
+          </a:p>
+          <a:p>
+            <a:r>
+              <a:t>- Built stakeholder confidence before production migration</a:t>
+            </a:r>
+          </a:p>
+          <a:p>
+            <a:r>
+              <a:t>- Expanded to 50 workspaces by Month 3 with zero data loss</a:t>
+            </a:r>
+          </a:p>
+          <a:p>
+            <a:r>
+              <a:t>- Recommendation: Always pilot with non-production first</a:t>
+            </a:r>
+          </a:p>
+          <a:p/>
+          <a:p>
+            <a:r>
+              <a:t>*2. Sentinel Advisory-to-Mandatory Rollout:*</a:t>
+            </a:r>
+          </a:p>
+          <a:p>
+            <a:r>
+              <a:t>- Initial concern: Would policies break existing workflows?</a:t>
+            </a:r>
+          </a:p>
+          <a:p>
+            <a:r>
+              <a:t>- Started with advisory mode (warnings only) for 2 weeks</a:t>
+            </a:r>
+          </a:p>
+          <a:p>
+            <a:r>
+              <a:t>- Tuned false positives and exceptions before mandatory</a:t>
+            </a:r>
+          </a:p>
+          <a:p>
+            <a:r>
+              <a:t>- Teams had time to remediate existing violations</a:t>
+            </a:r>
+          </a:p>
+          <a:p>
+            <a:r>
+              <a:t>- Result: Smooth transition with minimal disruption</a:t>
+            </a:r>
+          </a:p>
+          <a:p/>
+          <a:p>
+            <a:r>
+              <a:t>*3. Private Module Registry Adoption:*</a:t>
+            </a:r>
+          </a:p>
+          <a:p>
+            <a:r>
+              <a:t>- Created 15 reusable modules during implementation</a:t>
+            </a:r>
+          </a:p>
+          <a:p>
+            <a:r>
+              <a:t>- Teams immediately adopted for new infrastructure</a:t>
+            </a:r>
+          </a:p>
+          <a:p>
+            <a:r>
+              <a:t>- Module usage increased productivity by 35%</a:t>
+            </a:r>
+          </a:p>
+          <a:p>
+            <a:r>
+              <a:t>- Version control prevented breaking changes</a:t>
+            </a:r>
+          </a:p>
+          <a:p>
+            <a:r>
+              <a:t>- Recommendation: Start module library early in project</a:t>
+            </a:r>
+          </a:p>
+          <a:p/>
+          <a:p>
+            <a:r>
+              <a:t>**Challenges Overcome - Details:**</a:t>
+            </a:r>
+          </a:p>
+          <a:p/>
+          <a:p>
+            <a:r>
+              <a:t>*1. State File Migration:*</a:t>
+            </a:r>
+          </a:p>
+          <a:p>
+            <a:r>
+              <a:t>- Challenge: 50 state files across S3 and local storage</a:t>
+            </a:r>
+          </a:p>
+          <a:p>
+            <a:r>
+              <a:t>- Impact: Risk of state corruption and resource conflicts</a:t>
+            </a:r>
+          </a:p>
+          <a:p>
+            <a:r>
+              <a:t>- Resolution:</a:t>
+            </a:r>
+          </a:p>
+          <a:p>
+            <a:r>
+              <a:t>  - Developed migration scripts with validation</a:t>
+            </a:r>
+          </a:p>
+          <a:p>
+            <a:r>
+              <a:t>  - Parallel validation before switching backends</a:t>
+            </a:r>
+          </a:p>
+          <a:p>
+            <a:r>
+              <a:t>  - Rollback procedures tested for each workspace</a:t>
+            </a:r>
+          </a:p>
+          <a:p>
+            <a:r>
+              <a:t>- Result: Zero state corruption incidents</a:t>
+            </a:r>
+          </a:p>
+          <a:p/>
+          <a:p>
+            <a:r>
+              <a:t>*2. Vault Credential Integration:*</a:t>
+            </a:r>
+          </a:p>
+          <a:p>
+            <a:r>
+              <a:t>- Challenge: Timing dependencies with TFE run environment</a:t>
+            </a:r>
+          </a:p>
+          <a:p>
+            <a:r>
+              <a:t>- Impact: Initial runs failed to retrieve dynamic credentials</a:t>
+            </a:r>
+          </a:p>
+          <a:p>
+            <a:r>
+              <a:t>- Resolution:</a:t>
+            </a:r>
+          </a:p>
+          <a:p>
+            <a:r>
+              <a:t>  - Adjusted Vault TTL settings for run duration</a:t>
+            </a:r>
+          </a:p>
+          <a:p>
+            <a:r>
+              <a:t>  - Implemented credential pre-fetch in run tasks</a:t>
+            </a:r>
+          </a:p>
+          <a:p>
+            <a:r>
+              <a:t>  - Created troubleshooting runbook</a:t>
+            </a:r>
+          </a:p>
+          <a:p>
+            <a:r>
+              <a:t>- Result: 100% credential retrieval success rate</a:t>
+            </a:r>
+          </a:p>
+          <a:p/>
+          <a:p>
+            <a:r>
+              <a:t>**Recommendations for Future Enhancement:**</a:t>
+            </a:r>
+          </a:p>
+          <a:p/>
+          <a:p>
+            <a:r>
+              <a:t>*1. Expand to Additional Workspaces:*</a:t>
+            </a:r>
+          </a:p>
+          <a:p>
+            <a:r>
+              <a:t>- Current: 50 workspaces for AWS infrastructure</a:t>
+            </a:r>
+          </a:p>
+          <a:p>
+            <a:r>
+              <a:t>- Opportunity: 30+ additional workspaces identified</a:t>
+            </a:r>
+          </a:p>
+          <a:p>
+            <a:r>
+              <a:t>- Estimated effort: 2-3 weeks per wave of 15</a:t>
+            </a:r>
+          </a:p>
+          <a:p>
+            <a:r>
+              <a:t>- Business case: Additional $40K savings per 15 workspaces</a:t>
+            </a:r>
+          </a:p>
+          <a:p/>
+          <a:p>
+            <a:r>
+              <a:t>*2. Add More Sentinel Policies:*</a:t>
+            </a:r>
+          </a:p>
+          <a:p>
+            <a:r>
+              <a:t>- Current: 40 policies for security, cost, compliance</a:t>
+            </a:r>
+          </a:p>
+          <a:p>
+            <a:r>
+              <a:t>- Enhancement: Industry-specific policies (HIPAA, PCI)</a:t>
+            </a:r>
+          </a:p>
+          <a:p>
+            <a:r>
+              <a:t>- Target: 60+ policies for comprehensive governance</a:t>
+            </a:r>
+          </a:p>
+          <a:p>
+            <a:r>
+              <a:t>- Timeline: 2-4 weeks per policy set</a:t>
+            </a:r>
+          </a:p>
+        </p:txBody>
+      </p:sp>
+    </p:spTree>
+  </p:cSld>
+  <p:clrMapOvr>
+    <a:masterClrMapping/>
+  </p:clrMapOvr>
+</p:notes>
+</file>
+
+<file path=ppt/notesSlides/notesSlide7.xml><?xml version="1.0" encoding="utf-8"?>
+<p:notes xmlns:a="http://schemas.openxmlformats.org/drawingml/2006/main" xmlns:p="http://schemas.openxmlformats.org/presentationml/2006/main" xmlns:r="http://schemas.openxmlformats.org/officeDocument/2006/relationships">
+  <p:cSld>
+    <p:spTree>
+      <p:nvGrpSpPr>
+        <p:cNvPr id="1" name=""/>
+        <p:cNvGrpSpPr/>
+        <p:nvPr/>
+      </p:nvGrpSpPr>
+      <p:grpSpPr>
+        <a:xfrm>
+          <a:off x="0" y="0"/>
+          <a:ext cx="0" cy="0"/>
+          <a:chOff x="0" y="0"/>
+          <a:chExt cx="0" cy="0"/>
+        </a:xfrm>
+      </p:grpSpPr>
+      <p:sp>
+        <p:nvSpPr>
+          <p:cNvPr id="2" name="Slide Image Placeholder 1"/>
+          <p:cNvSpPr>
+            <a:spLocks noGrp="1"/>
+          </p:cNvSpPr>
+          <p:nvPr>
+            <p:ph type="sldImg"/>
+          </p:nvPr>
+        </p:nvSpPr>
+        <p:spPr/>
+      </p:sp>
+      <p:sp>
+        <p:nvSpPr>
+          <p:cNvPr id="3" name="Notes Placeholder 2"/>
+          <p:cNvSpPr>
+            <a:spLocks noGrp="1"/>
+          </p:cNvSpPr>
+          <p:nvPr>
+            <p:ph type="body" idx="1"/>
+          </p:nvPr>
+        </p:nvSpPr>
+        <p:spPr/>
+        <p:txBody>
+          <a:bodyPr/>
+          <a:lstStyle/>
+          <a:p>
+            <a:r>
+              <a:t>*Support Transition - Complete Details:*</a:t>
+            </a:r>
+          </a:p>
+          <a:p/>
+          <a:p>
+            <a:r>
+              <a:t>**Hypercare Period Summary (30 Days Post-Go-Live):**</a:t>
+            </a:r>
+          </a:p>
+          <a:p/>
+          <a:p>
+            <a:r>
+              <a:t>*Daily Activities Completed:*</a:t>
+            </a:r>
+          </a:p>
+          <a:p>
+            <a:r>
+              <a:t>- Morning health check calls (9am) - first 2 weeks</a:t>
+            </a:r>
+          </a:p>
+          <a:p>
+            <a:r>
+              <a:t>- CloudWatch dashboard review</a:t>
+            </a:r>
+          </a:p>
+          <a:p>
+            <a:r>
+              <a:t>- Terraform run queue monitoring</a:t>
+            </a:r>
+          </a:p>
+          <a:p>
+            <a:r>
+              <a:t>- Vault credential generation validation</a:t>
+            </a:r>
+          </a:p>
+          <a:p>
+            <a:r>
+              <a:t>- Policy enforcement statistics review</a:t>
+            </a:r>
+          </a:p>
+          <a:p/>
+          <a:p>
+            <a:r>
+              <a:t>*Issues Resolved During Hypercare:*</a:t>
+            </a:r>
+          </a:p>
+          <a:p/>
+          <a:p>
+            <a:r>
+              <a:t>Issue #1 (P3) - Day 4:</a:t>
+            </a:r>
+          </a:p>
+          <a:p>
+            <a:r>
+              <a:t>- Problem: VCS webhook delivery delays</a:t>
+            </a:r>
+          </a:p>
+          <a:p>
+            <a:r>
+              <a:t>- Root cause: GitHub rate limiting</a:t>
+            </a:r>
+          </a:p>
+          <a:p>
+            <a:r>
+              <a:t>- Resolution: Implemented webhook batching</a:t>
+            </a:r>
+          </a:p>
+          <a:p>
+            <a:r>
+              <a:t>- Prevention: Rate limit monitoring added</a:t>
+            </a:r>
+          </a:p>
+          <a:p/>
+          <a:p>
+            <a:r>
+              <a:t>Issue #2 (P3) - Day 9:</a:t>
+            </a:r>
+          </a:p>
+          <a:p>
+            <a:r>
+              <a:t>- Problem: Cost estimation timeout on large plans</a:t>
+            </a:r>
+          </a:p>
+          <a:p>
+            <a:r>
+              <a:t>- Root cause: Plan complexity exceeded timeout</a:t>
+            </a:r>
+          </a:p>
+          <a:p>
+            <a:r>
+              <a:t>- Resolution: Increased cost estimation timeout</a:t>
+            </a:r>
+          </a:p>
+          <a:p>
+            <a:r>
+              <a:t>- Cost impact: None</a:t>
+            </a:r>
+          </a:p>
+          <a:p/>
+          <a:p>
+            <a:r>
+              <a:t>Issue #3 (P3) - Day 15:</a:t>
+            </a:r>
+          </a:p>
+          <a:p>
+            <a:r>
+              <a:t>- Problem: Sentinel policy false positive on dev</a:t>
+            </a:r>
+          </a:p>
+          <a:p>
+            <a:r>
+              <a:t>- Root cause: New AWS provider attribute</a:t>
+            </a:r>
+          </a:p>
+          <a:p>
+            <a:r>
+              <a:t>- Resolution: Updated policy logic</a:t>
+            </a:r>
+          </a:p>
+          <a:p>
+            <a:r>
+              <a:t>- User feedback: "Works correctly now"</a:t>
+            </a:r>
+          </a:p>
+          <a:p/>
+          <a:p>
+            <a:r>
+              <a:t>*Knowledge Transfer Sessions Delivered:*</a:t>
+            </a:r>
+          </a:p>
+          <a:p/>
+          <a:p>
+            <a:r>
+              <a:t>| Session | Date | Attendees | Duration | Recording |</a:t>
+            </a:r>
+          </a:p>
+          <a:p>
+            <a:r>
+              <a:t>|---------|------|-----------|----------|-----------|</a:t>
+            </a:r>
+          </a:p>
+          <a:p>
+            <a:r>
+              <a:t>| Platform Admin Deep Dive | Week 25 | 4 IT staff | 4 hours | Yes |</a:t>
+            </a:r>
+          </a:p>
+          <a:p>
+            <a:r>
+              <a:t>| Sentinel Policy Workshop | Week 25 | 4 DevOps | 3 hours | Yes |</a:t>
+            </a:r>
+          </a:p>
+          <a:p>
+            <a:r>
+              <a:t>| Vault Integration | Week 26 | 3 Security | 2 hours | Yes |</a:t>
+            </a:r>
+          </a:p>
+          <a:p>
+            <a:r>
+              <a:t>| Workspace Management | Week 24 | 8 engineers | 1.5 hours | Yes |</a:t>
+            </a:r>
+          </a:p>
+          <a:p>
+            <a:r>
+              <a:t>| Executive Dashboard | Week 26 | 3 managers | 30 min | Yes |</a:t>
+            </a:r>
+          </a:p>
+          <a:p/>
+          <a:p>
+            <a:r>
+              <a:t>*Runbook Validation:*</a:t>
+            </a:r>
+          </a:p>
+          <a:p>
+            <a:r>
+              <a:t>- All 12 runbook procedures tested by client IT</a:t>
+            </a:r>
+          </a:p>
+          <a:p>
+            <a:r>
+              <a:t>- Signed off by [IT Lead] on [Date]</a:t>
+            </a:r>
+          </a:p>
+          <a:p>
+            <a:r>
+              <a:t>- Procedures validated:</a:t>
+            </a:r>
+          </a:p>
+          <a:p>
+            <a:r>
+              <a:t>  1. Daily health check</a:t>
+            </a:r>
+          </a:p>
+          <a:p>
+            <a:r>
+              <a:t>  2. Workspace run troubleshooting</a:t>
+            </a:r>
+          </a:p>
+          <a:p>
+            <a:r>
+              <a:t>  3. Sentinel policy updates</a:t>
+            </a:r>
+          </a:p>
+          <a:p>
+            <a:r>
+              <a:t>  4. Vault credential rotation</a:t>
+            </a:r>
+          </a:p>
+          <a:p>
+            <a:r>
+              <a:t>  5. State file recovery</a:t>
+            </a:r>
+          </a:p>
+          <a:p>
+            <a:r>
+              <a:t>  6. Performance optimization</a:t>
+            </a:r>
+          </a:p>
+        </p:txBody>
+      </p:sp>
+    </p:spTree>
+  </p:cSld>
+  <p:clrMapOvr>
+    <a:masterClrMapping/>
+  </p:clrMapOvr>
+</p:notes>
+</file>
+
+<file path=ppt/notesSlides/notesSlide8.xml><?xml version="1.0" encoding="utf-8"?>
+<p:notes xmlns:a="http://schemas.openxmlformats.org/drawingml/2006/main" xmlns:p="http://schemas.openxmlformats.org/presentationml/2006/main" xmlns:r="http://schemas.openxmlformats.org/officeDocument/2006/relationships">
+  <p:cSld>
+    <p:spTree>
+      <p:nvGrpSpPr>
+        <p:cNvPr id="1" name=""/>
+        <p:cNvGrpSpPr/>
+        <p:nvPr/>
+      </p:nvGrpSpPr>
+      <p:grpSpPr>
+        <a:xfrm>
+          <a:off x="0" y="0"/>
+          <a:ext cx="0" cy="0"/>
+          <a:chOff x="0" y="0"/>
+          <a:chExt cx="0" cy="0"/>
+        </a:xfrm>
+      </p:grpSpPr>
+      <p:sp>
+        <p:nvSpPr>
+          <p:cNvPr id="2" name="Slide Image Placeholder 1"/>
+          <p:cNvSpPr>
+            <a:spLocks noGrp="1"/>
+          </p:cNvSpPr>
+          <p:nvPr>
+            <p:ph type="sldImg"/>
+          </p:nvPr>
+        </p:nvSpPr>
+        <p:spPr/>
+      </p:sp>
+      <p:sp>
+        <p:nvSpPr>
+          <p:cNvPr id="3" name="Notes Placeholder 2"/>
+          <p:cNvSpPr>
+            <a:spLocks noGrp="1"/>
+          </p:cNvSpPr>
+          <p:nvPr>
+            <p:ph type="body" idx="1"/>
+          </p:nvPr>
+        </p:nvSpPr>
+        <p:spPr/>
+        <p:txBody>
+          <a:bodyPr/>
+          <a:lstStyle/>
+          <a:p>
+            <a:r>
+              <a:t>*Acknowledgments - Recognize Key Contributors:*</a:t>
+            </a:r>
+          </a:p>
+          <a:p/>
+          <a:p>
+            <a:r>
+              <a:t>**Client Team Recognition:**</a:t>
+            </a:r>
+          </a:p>
+          <a:p/>
+          <a:p>
+            <a:r>
+              <a:t>*Executive Sponsor - [Name]:*</a:t>
+            </a:r>
+          </a:p>
+          <a:p>
+            <a:r>
+              <a:t>- Championed the project from discovery through go-live</a:t>
+            </a:r>
+          </a:p>
+          <a:p>
+            <a:r>
+              <a:t>- Secured budget and organizational support</a:t>
+            </a:r>
+          </a:p>
+          <a:p>
+            <a:r>
+              <a:t>- Removed blockers when escalated</a:t>
+            </a:r>
+          </a:p>
+          <a:p>
+            <a:r>
+              <a:t>- Key decision: Approved phased migration approach</a:t>
+            </a:r>
+          </a:p>
+          <a:p/>
+          <a:p>
+            <a:r>
+              <a:t>*IT Lead - [Name]:*</a:t>
+            </a:r>
+          </a:p>
+          <a:p>
+            <a:r>
+              <a:t>- Technical counterpart throughout implementation</a:t>
+            </a:r>
+          </a:p>
+          <a:p>
+            <a:r>
+              <a:t>- AWS account setup and access coordination</a:t>
+            </a:r>
+          </a:p>
+          <a:p>
+            <a:r>
+              <a:t>- Security and compliance validation</a:t>
+            </a:r>
+          </a:p>
+          <a:p>
+            <a:r>
+              <a:t>- Knowledge transfer recipient and future owner</a:t>
+            </a:r>
+          </a:p>
+          <a:p/>
+          <a:p>
+            <a:r>
+              <a:t>*Infrastructure Team:*</a:t>
+            </a:r>
+          </a:p>
+          <a:p>
+            <a:r>
+              <a:t>- Workspace migration coordination</a:t>
+            </a:r>
+          </a:p>
+          <a:p>
+            <a:r>
+              <a:t>- Sentinel policy feedback and testing</a:t>
+            </a:r>
+          </a:p>
+          <a:p>
+            <a:r>
+              <a:t>- User training logistics</a:t>
+            </a:r>
+          </a:p>
+          <a:p>
+            <a:r>
+              <a:t>- Change management champions</a:t>
+            </a:r>
+          </a:p>
+          <a:p/>
+          <a:p>
+            <a:r>
+              <a:t>**Vendor Team Recognition:**</a:t>
+            </a:r>
+          </a:p>
+          <a:p/>
+          <a:p>
+            <a:r>
+              <a:t>*Project Manager - [Name]:*</a:t>
+            </a:r>
+          </a:p>
+          <a:p>
+            <a:r>
+              <a:t>- Overall delivery accountability</a:t>
+            </a:r>
+          </a:p>
+          <a:p>
+            <a:r>
+              <a:t>- Stakeholder communication</a:t>
+            </a:r>
+          </a:p>
+          <a:p>
+            <a:r>
+              <a:t>- Risk and issue management</a:t>
+            </a:r>
+          </a:p>
+          <a:p>
+            <a:r>
+              <a:t>- On-time, on-budget delivery</a:t>
+            </a:r>
+          </a:p>
+          <a:p/>
+          <a:p>
+            <a:r>
+              <a:t>*TFE Solutions Architect - [Name]:*</a:t>
+            </a:r>
+          </a:p>
+          <a:p>
+            <a:r>
+              <a:t>- Terraform Enterprise architecture design</a:t>
+            </a:r>
+          </a:p>
+          <a:p>
+            <a:r>
+              <a:t>- Sentinel policy framework development</a:t>
+            </a:r>
+          </a:p>
+          <a:p>
+            <a:r>
+              <a:t>- Vault integration design</a:t>
+            </a:r>
+          </a:p>
+          <a:p>
+            <a:r>
+              <a:t>- Technical documentation</a:t>
+            </a:r>
+          </a:p>
+          <a:p/>
+          <a:p>
+            <a:r>
+              <a:t>**Immediate Next Steps (This Week):**</a:t>
+            </a:r>
+          </a:p>
+          <a:p/>
+          <a:p>
+            <a:r>
+              <a:t>| Task | Owner | Due Date |</a:t>
+            </a:r>
+          </a:p>
+          <a:p>
+            <a:r>
+              <a:t>|------|-------|----------|</a:t>
+            </a:r>
+          </a:p>
+          <a:p>
+            <a:r>
+              <a:t>| Final documentation handover | PM | [Date] |</a:t>
+            </a:r>
+          </a:p>
+          <a:p>
+            <a:r>
+              <a:t>| Archive project artifacts | PM | [Date] |</a:t>
+            </a:r>
+          </a:p>
+          <a:p>
+            <a:r>
+              <a:t>| Close project tracking | PM | [Date] |</a:t>
+            </a:r>
+          </a:p>
+          <a:p>
+            <a:r>
+              <a:t>| Confirm support contacts | IT Lead | [Date] |</a:t>
+            </a:r>
+          </a:p>
+          <a:p/>
+          <a:p>
+            <a:r>
+              <a:t>**Phase 2 Candidate Enhancements:**</a:t>
+            </a:r>
+          </a:p>
+          <a:p/>
+          <a:p>
+            <a:r>
+              <a:t>| Enhancement | Complexity | Est. ROI |</a:t>
+            </a:r>
+          </a:p>
+          <a:p>
+            <a:r>
+              <a:t>|-------------|------------|----------|</a:t>
+            </a:r>
+          </a:p>
+          <a:p>
+            <a:r>
+              <a:t>| Additional 30 workspaces | Medium | $40K/year |</a:t>
+            </a:r>
+          </a:p>
+          <a:p>
+            <a:r>
+              <a:t>| HIPAA policy set | Medium | Compliance |</a:t>
+            </a:r>
+          </a:p>
+          <a:p>
+            <a:r>
+              <a:t>| Drift auto-remediation | Low | $15K/year |</a:t>
+            </a:r>
+          </a:p>
+        </p:txBody>
+      </p:sp>
+    </p:spTree>
+  </p:cSld>
+  <p:clrMapOvr>
+    <a:masterClrMapping/>
+  </p:clrMapOvr>
+</p:notes>
+</file>
+
+<file path=ppt/notesSlides/notesSlide9.xml><?xml version="1.0" encoding="utf-8"?>
+<p:notes xmlns:a="http://schemas.openxmlformats.org/drawingml/2006/main" xmlns:p="http://schemas.openxmlformats.org/presentationml/2006/main" xmlns:r="http://schemas.openxmlformats.org/officeDocument/2006/relationships">
+  <p:cSld>
+    <p:spTree>
+      <p:nvGrpSpPr>
+        <p:cNvPr id="1" name=""/>
+        <p:cNvGrpSpPr/>
+        <p:nvPr/>
+      </p:nvGrpSpPr>
+      <p:grpSpPr>
+        <a:xfrm>
+          <a:off x="0" y="0"/>
+          <a:ext cx="0" cy="0"/>
+          <a:chOff x="0" y="0"/>
+          <a:chExt cx="0" cy="0"/>
+        </a:xfrm>
+      </p:grpSpPr>
+      <p:sp>
+        <p:nvSpPr>
+          <p:cNvPr id="2" name="Slide Image Placeholder 1"/>
+          <p:cNvSpPr>
+            <a:spLocks noGrp="1"/>
+          </p:cNvSpPr>
+          <p:nvPr>
+            <p:ph type="sldImg"/>
+          </p:nvPr>
+        </p:nvSpPr>
+        <p:spPr/>
+      </p:sp>
+      <p:sp>
+        <p:nvSpPr>
+          <p:cNvPr id="3" name="Notes Placeholder 2"/>
+          <p:cNvSpPr>
+            <a:spLocks noGrp="1"/>
+          </p:cNvSpPr>
+          <p:nvPr>
+            <p:ph type="body" idx="1"/>
+          </p:nvPr>
+        </p:nvSpPr>
+        <p:spPr/>
+        <p:txBody>
+          <a:bodyPr/>
+          <a:lstStyle/>
+          <a:p>
+            <a:r>
+              <a:t>*Closing and Q&amp;A Preparation:*</a:t>
+            </a:r>
+          </a:p>
+          <a:p/>
+          <a:p>
+            <a:r>
+              <a:t>**Closing Statement:**</a:t>
+            </a:r>
+          </a:p>
+          <a:p>
+            <a:r>
+              <a:t>"Thank you for your partnership throughout this project. We've successfully transformed your fragmented Terraform OSS usage into a centralized, policy-driven infrastructure automation platform. The solution is delivering 100% policy compliance, the team is trained and ready, and you're already seeing measurable operational improvements.</a:t>
+            </a:r>
+          </a:p>
+          <a:p/>
+          <a:p>
+            <a:r>
+              <a:t>I want to open the floor for questions. We have [time] remaining."</a:t>
+            </a:r>
+          </a:p>
+          <a:p/>
+          <a:p>
+            <a:r>
+              <a:t>**Anticipated Questions and Prepared Answers:**</a:t>
+            </a:r>
+          </a:p>
+          <a:p/>
+          <a:p>
+            <a:r>
+              <a:t>*Q: What happens if Terraform Enterprise goes down?*</a:t>
+            </a:r>
+          </a:p>
+          <a:p>
+            <a:r>
+              <a:t>A: The platform is deployed on a 3-node EKS cluster with auto-healing. CloudWatch alarms alert at 99.5% threshold. Runbook has failover procedures. Existing infrastructure continues to run - only new changes are affected during outage.</a:t>
+            </a:r>
+          </a:p>
+          <a:p/>
+          <a:p>
+            <a:r>
+              <a:t>*Q: Can we add more workspaces ourselves?*</a:t>
+            </a:r>
+          </a:p>
+          <a:p>
+            <a:r>
+              <a:t>A: Yes, the admin team is trained. Standard process: Create workspace in TFE, attach to policy sets, configure VCS connection. Average time: 20 minutes per workspace.</a:t>
+            </a:r>
+          </a:p>
+          <a:p/>
+          <a:p>
+            <a:r>
+              <a:t>*Q: What are the ongoing costs?*</a:t>
+            </a:r>
+          </a:p>
+          <a:p>
+            <a:r>
+              <a:t>A: Current run rate approximately $9,715/month:</a:t>
+            </a:r>
+          </a:p>
+          <a:p>
+            <a:r>
+              <a:t>- AWS Infrastructure: $1,993/month (EKS, RDS)</a:t>
+            </a:r>
+          </a:p>
+          <a:p>
+            <a:r>
+              <a:t>- Software Licenses: $2,855/month (TFE, monitoring)</a:t>
+            </a:r>
+          </a:p>
+          <a:p>
+            <a:r>
+              <a:t>- Support &amp; Maintenance: $4,867/month</a:t>
+            </a:r>
+          </a:p>
+          <a:p>
+            <a:r>
+              <a:t>Costs scale with workspace count and run volume.</a:t>
+            </a:r>
+          </a:p>
+          <a:p/>
+          <a:p>
+            <a:r>
+              <a:t>*Q: How do we update Sentinel policies?*</a:t>
+            </a:r>
+          </a:p>
+          <a:p>
+            <a:r>
+              <a:t>A: Policies are stored in GitHub. Update policy code, push to main branch, TFE automatically updates policy sets. Admin training covered this workflow.</a:t>
+            </a:r>
+          </a:p>
+          <a:p/>
+          <a:p>
+            <a:r>
+              <a:t>**Follow-Up Commitments:**</a:t>
+            </a:r>
+          </a:p>
+          <a:p>
+            <a:r>
+              <a:t>- [ ] Send final presentation deck to all attendees</a:t>
+            </a:r>
+          </a:p>
+          <a:p>
+            <a:r>
+              <a:t>- [ ] Distribute project summary one-pager</a:t>
+            </a:r>
+          </a:p>
+          <a:p>
+            <a:r>
+              <a:t>- [ ] Schedule 30-day performance review meeting</a:t>
+            </a:r>
+          </a:p>
+          <a:p>
+            <a:r>
+              <a:t>- [ ] Provide Phase 2 enhancement assessment template</a:t>
+            </a:r>
+          </a:p>
+          <a:p/>
+          <a:p>
+            <a:r>
+              <a:t>**Final Closing:**</a:t>
+            </a:r>
+          </a:p>
+          <a:p>
+            <a:r>
+              <a:t>"Thank you again for your trust in our team. This project demonstrates what's possible when infrastructure automation is done right. We look forward to continuing this partnership in Phase 2 and beyond."</a:t>
+            </a:r>
+          </a:p>
+        </p:txBody>
+      </p:sp>
+    </p:spTree>
+  </p:cSld>
+  <p:clrMapOvr>
+    <a:masterClrMapping/>
+  </p:clrMapOvr>
+</p:notes>
+</file>
+
 <file path=ppt/slideLayouts/slideLayout1.xml><?xml version="1.0" encoding="utf-8"?>
 <p:sldLayout xmlns:a="http://schemas.openxmlformats.org/drawingml/2006/main" xmlns:r="http://schemas.openxmlformats.org/officeDocument/2006/relationships" xmlns:p="http://schemas.openxmlformats.org/presentationml/2006/main" preserve="1" userDrawn="1">
   <p:cSld name="EO Title Slide">
@@ -658,6 +2996,39 @@
       </p:grpSpPr>
       <p:sp>
         <p:nvSpPr>
+          <p:cNvPr id="12" name="Picture Placeholder 13">
+            <a:extLst>
+              <a:ext uri="{FF2B5EF4-FFF2-40B4-BE49-F238E27FC236}">
+                <a16:creationId xmlns:a16="http://schemas.microsoft.com/office/drawing/2014/main" id="{2DB97592-C4D5-B315-7F11-AA14F6EE8A62}"/>
+              </a:ext>
+            </a:extLst>
+          </p:cNvPr>
+          <p:cNvSpPr>
+            <a:spLocks noGrp="1"/>
+          </p:cNvSpPr>
+          <p:nvPr>
+            <p:ph type="pic" sz="quarter" idx="13"/>
+          </p:nvPr>
+        </p:nvSpPr>
+        <p:spPr>
+          <a:xfrm>
+            <a:off x="313593" y="4536078"/>
+            <a:ext cx="2143858" cy="529698"/>
+          </a:xfrm>
+          <a:prstGeom prst="rect">
+            <a:avLst/>
+          </a:prstGeom>
+        </p:spPr>
+        <p:txBody>
+          <a:bodyPr/>
+          <a:lstStyle/>
+          <a:p>
+            <a:endParaRPr lang="en-US" dirty="0"/>
+          </a:p>
+        </p:txBody>
+      </p:sp>
+      <p:sp>
+        <p:nvSpPr>
           <p:cNvPr id="3" name="Shape 1">
             <a:extLst>
               <a:ext uri="{FF2B5EF4-FFF2-40B4-BE49-F238E27FC236}">
@@ -752,69 +3123,6 @@
       </p:sp>
       <p:sp>
         <p:nvSpPr>
-          <p:cNvPr id="12" name="Picture Placeholder 13">
-            <a:extLst>
-              <a:ext uri="{FF2B5EF4-FFF2-40B4-BE49-F238E27FC236}">
-                <a16:creationId xmlns:a16="http://schemas.microsoft.com/office/drawing/2014/main" id="{2DB97592-C4D5-B315-7F11-AA14F6EE8A62}"/>
-              </a:ext>
-            </a:extLst>
-          </p:cNvPr>
-          <p:cNvSpPr>
-            <a:spLocks noGrp="1"/>
-          </p:cNvSpPr>
-          <p:nvPr>
-            <p:ph type="pic" sz="quarter" idx="13"/>
-          </p:nvPr>
-        </p:nvSpPr>
-        <p:spPr>
-          <a:xfrm>
-            <a:off x="313593" y="4536078"/>
-            <a:ext cx="2143858" cy="529698"/>
-          </a:xfrm>
-          <a:prstGeom prst="rect">
-            <a:avLst/>
-          </a:prstGeom>
-        </p:spPr>
-        <p:txBody>
-          <a:bodyPr/>
-          <a:lstStyle/>
-          <a:p>
-            <a:endParaRPr lang="en-US" dirty="0"/>
-          </a:p>
-        </p:txBody>
-      </p:sp>
-      <p:pic>
-        <p:nvPicPr>
-          <p:cNvPr id="13" name="Image 0" descr="/home/claude/eo-framework-logo.png">
-            <a:extLst>
-              <a:ext uri="{FF2B5EF4-FFF2-40B4-BE49-F238E27FC236}">
-                <a16:creationId xmlns:a16="http://schemas.microsoft.com/office/drawing/2014/main" id="{25116040-BB88-891D-9118-628A78E99872}"/>
-              </a:ext>
-            </a:extLst>
-          </p:cNvPr>
-          <p:cNvPicPr>
-            <a:picLocks noChangeAspect="1"/>
-          </p:cNvPicPr>
-          <p:nvPr userDrawn="1"/>
-        </p:nvPicPr>
-        <p:blipFill>
-          <a:blip r:embed="rId2"/>
-          <a:stretch>
-            <a:fillRect/>
-          </a:stretch>
-        </p:blipFill>
-        <p:spPr>
-          <a:xfrm>
-            <a:off x="6945879" y="4648200"/>
-            <a:ext cx="1952244" cy="417576"/>
-          </a:xfrm>
-          <a:prstGeom prst="rect">
-            <a:avLst/>
-          </a:prstGeom>
-        </p:spPr>
-      </p:pic>
-      <p:sp>
-        <p:nvSpPr>
           <p:cNvPr id="4" name="Text Placeholder 3">
             <a:extLst>
               <a:ext uri="{FF2B5EF4-FFF2-40B4-BE49-F238E27FC236}">
@@ -842,7 +3150,7 @@
           <a:bodyPr/>
           <a:lstStyle>
             <a:lvl1pPr>
-              <a:defRPr sz="2000" baseline="0">
+              <a:defRPr sz="2000" b="1" baseline="0">
                 <a:solidFill>
                   <a:srgbClr val="C00000"/>
                 </a:solidFill>
@@ -888,6 +3196,48 @@
             <a:r>
               <a:rPr lang="en-US" dirty="0"/>
               <a:t>Fourth level</a:t>
+            </a:r>
+          </a:p>
+        </p:txBody>
+      </p:sp>
+      <p:sp>
+        <p:nvSpPr>
+          <p:cNvPr id="5" name="Text Placeholder 4">
+            <a:extLst>
+              <a:ext uri="{FF2B5EF4-FFF2-40B4-BE49-F238E27FC236}">
+                <a16:creationId xmlns:a16="http://schemas.microsoft.com/office/drawing/2014/main" id="{57F71806-AFEA-DD6D-E6AA-E2A002E682DE}"/>
+              </a:ext>
+            </a:extLst>
+          </p:cNvPr>
+          <p:cNvSpPr>
+            <a:spLocks noGrp="1"/>
+          </p:cNvSpPr>
+          <p:nvPr>
+            <p:ph type="body" sz="quarter" idx="15" hasCustomPrompt="1"/>
+          </p:nvPr>
+        </p:nvSpPr>
+        <p:spPr>
+          <a:xfrm>
+            <a:off x="5627076" y="4738688"/>
+            <a:ext cx="3218473" cy="238125"/>
+          </a:xfrm>
+          <a:prstGeom prst="rect">
+            <a:avLst/>
+          </a:prstGeom>
+        </p:spPr>
+        <p:txBody>
+          <a:bodyPr/>
+          <a:lstStyle>
+            <a:lvl5pPr algn="r">
+              <a:buNone/>
+              <a:defRPr sz="1100"/>
+            </a:lvl5pPr>
+          </a:lstStyle>
+          <a:p>
+            <a:pPr lvl="4"/>
+            <a:r>
+              <a:rPr lang="en-US" dirty="0"/>
+              <a:t>Project Name</a:t>
             </a:r>
           </a:p>
         </p:txBody>
@@ -922,6 +3272,39 @@
           <a:chExt cx="0" cy="0"/>
         </a:xfrm>
       </p:grpSpPr>
+      <p:sp>
+        <p:nvSpPr>
+          <p:cNvPr id="12" name="Picture Placeholder 13">
+            <a:extLst>
+              <a:ext uri="{FF2B5EF4-FFF2-40B4-BE49-F238E27FC236}">
+                <a16:creationId xmlns:a16="http://schemas.microsoft.com/office/drawing/2014/main" id="{2DB97592-C4D5-B315-7F11-AA14F6EE8A62}"/>
+              </a:ext>
+            </a:extLst>
+          </p:cNvPr>
+          <p:cNvSpPr>
+            <a:spLocks noGrp="1"/>
+          </p:cNvSpPr>
+          <p:nvPr>
+            <p:ph type="pic" sz="quarter" idx="13"/>
+          </p:nvPr>
+        </p:nvSpPr>
+        <p:spPr>
+          <a:xfrm>
+            <a:off x="313593" y="4536078"/>
+            <a:ext cx="2143858" cy="529698"/>
+          </a:xfrm>
+          <a:prstGeom prst="rect">
+            <a:avLst/>
+          </a:prstGeom>
+        </p:spPr>
+        <p:txBody>
+          <a:bodyPr/>
+          <a:lstStyle/>
+          <a:p>
+            <a:endParaRPr lang="en-US" dirty="0"/>
+          </a:p>
+        </p:txBody>
+      </p:sp>
       <p:sp>
         <p:nvSpPr>
           <p:cNvPr id="3" name="Shape 1">
@@ -1018,69 +3401,6 @@
       </p:sp>
       <p:sp>
         <p:nvSpPr>
-          <p:cNvPr id="12" name="Picture Placeholder 13">
-            <a:extLst>
-              <a:ext uri="{FF2B5EF4-FFF2-40B4-BE49-F238E27FC236}">
-                <a16:creationId xmlns:a16="http://schemas.microsoft.com/office/drawing/2014/main" id="{2DB97592-C4D5-B315-7F11-AA14F6EE8A62}"/>
-              </a:ext>
-            </a:extLst>
-          </p:cNvPr>
-          <p:cNvSpPr>
-            <a:spLocks noGrp="1"/>
-          </p:cNvSpPr>
-          <p:nvPr>
-            <p:ph type="pic" sz="quarter" idx="13"/>
-          </p:nvPr>
-        </p:nvSpPr>
-        <p:spPr>
-          <a:xfrm>
-            <a:off x="313593" y="4536078"/>
-            <a:ext cx="2143858" cy="529698"/>
-          </a:xfrm>
-          <a:prstGeom prst="rect">
-            <a:avLst/>
-          </a:prstGeom>
-        </p:spPr>
-        <p:txBody>
-          <a:bodyPr/>
-          <a:lstStyle/>
-          <a:p>
-            <a:endParaRPr lang="en-US" dirty="0"/>
-          </a:p>
-        </p:txBody>
-      </p:sp>
-      <p:pic>
-        <p:nvPicPr>
-          <p:cNvPr id="13" name="Image 0" descr="/home/claude/eo-framework-logo.png">
-            <a:extLst>
-              <a:ext uri="{FF2B5EF4-FFF2-40B4-BE49-F238E27FC236}">
-                <a16:creationId xmlns:a16="http://schemas.microsoft.com/office/drawing/2014/main" id="{25116040-BB88-891D-9118-628A78E99872}"/>
-              </a:ext>
-            </a:extLst>
-          </p:cNvPr>
-          <p:cNvPicPr>
-            <a:picLocks noChangeAspect="1"/>
-          </p:cNvPicPr>
-          <p:nvPr userDrawn="1"/>
-        </p:nvPicPr>
-        <p:blipFill>
-          <a:blip r:embed="rId2"/>
-          <a:stretch>
-            <a:fillRect/>
-          </a:stretch>
-        </p:blipFill>
-        <p:spPr>
-          <a:xfrm>
-            <a:off x="6945879" y="4648200"/>
-            <a:ext cx="1952244" cy="417576"/>
-          </a:xfrm>
-          <a:prstGeom prst="rect">
-            <a:avLst/>
-          </a:prstGeom>
-        </p:spPr>
-      </p:pic>
-      <p:sp>
-        <p:nvSpPr>
           <p:cNvPr id="4" name="Text Placeholder 3">
             <a:extLst>
               <a:ext uri="{FF2B5EF4-FFF2-40B4-BE49-F238E27FC236}">
@@ -1144,6 +3464,48 @@
           </a:p>
         </p:txBody>
       </p:sp>
+      <p:sp>
+        <p:nvSpPr>
+          <p:cNvPr id="5" name="Text Placeholder 4">
+            <a:extLst>
+              <a:ext uri="{FF2B5EF4-FFF2-40B4-BE49-F238E27FC236}">
+                <a16:creationId xmlns:a16="http://schemas.microsoft.com/office/drawing/2014/main" id="{162079A5-28FD-9D2F-2B9B-2FC8F9339A31}"/>
+              </a:ext>
+            </a:extLst>
+          </p:cNvPr>
+          <p:cNvSpPr>
+            <a:spLocks noGrp="1"/>
+          </p:cNvSpPr>
+          <p:nvPr>
+            <p:ph type="body" sz="quarter" idx="15" hasCustomPrompt="1"/>
+          </p:nvPr>
+        </p:nvSpPr>
+        <p:spPr>
+          <a:xfrm>
+            <a:off x="5627076" y="4738688"/>
+            <a:ext cx="3218473" cy="238125"/>
+          </a:xfrm>
+          <a:prstGeom prst="rect">
+            <a:avLst/>
+          </a:prstGeom>
+        </p:spPr>
+        <p:txBody>
+          <a:bodyPr/>
+          <a:lstStyle>
+            <a:lvl5pPr algn="r">
+              <a:buNone/>
+              <a:defRPr sz="1100"/>
+            </a:lvl5pPr>
+          </a:lstStyle>
+          <a:p>
+            <a:pPr lvl="4"/>
+            <a:r>
+              <a:rPr lang="en-US" dirty="0"/>
+              <a:t>Project Name</a:t>
+            </a:r>
+          </a:p>
+        </p:txBody>
+      </p:sp>
     </p:spTree>
     <p:extLst>
       <p:ext uri="{BB962C8B-B14F-4D97-AF65-F5344CB8AC3E}">
@@ -1174,6 +3536,39 @@
           <a:chExt cx="0" cy="0"/>
         </a:xfrm>
       </p:grpSpPr>
+      <p:sp>
+        <p:nvSpPr>
+          <p:cNvPr id="10" name="Picture Placeholder 13">
+            <a:extLst>
+              <a:ext uri="{FF2B5EF4-FFF2-40B4-BE49-F238E27FC236}">
+                <a16:creationId xmlns:a16="http://schemas.microsoft.com/office/drawing/2014/main" id="{6A0FA445-7602-F06E-EC73-5504EBF827CC}"/>
+              </a:ext>
+            </a:extLst>
+          </p:cNvPr>
+          <p:cNvSpPr>
+            <a:spLocks noGrp="1"/>
+          </p:cNvSpPr>
+          <p:nvPr>
+            <p:ph type="pic" sz="quarter" idx="14"/>
+          </p:nvPr>
+        </p:nvSpPr>
+        <p:spPr>
+          <a:xfrm>
+            <a:off x="313592" y="4536078"/>
+            <a:ext cx="2121877" cy="529698"/>
+          </a:xfrm>
+          <a:prstGeom prst="rect">
+            <a:avLst/>
+          </a:prstGeom>
+        </p:spPr>
+        <p:txBody>
+          <a:bodyPr/>
+          <a:lstStyle/>
+          <a:p>
+            <a:endParaRPr lang="en-US" dirty="0"/>
+          </a:p>
+        </p:txBody>
+      </p:sp>
       <p:sp>
         <p:nvSpPr>
           <p:cNvPr id="3" name="Shape 1">
@@ -1268,69 +3663,6 @@
           </a:p>
         </p:txBody>
       </p:sp>
-      <p:pic>
-        <p:nvPicPr>
-          <p:cNvPr id="8" name="Image 0" descr="/home/claude/eo-framework-logo.png">
-            <a:extLst>
-              <a:ext uri="{FF2B5EF4-FFF2-40B4-BE49-F238E27FC236}">
-                <a16:creationId xmlns:a16="http://schemas.microsoft.com/office/drawing/2014/main" id="{4B7035C6-0EF1-6BD3-318E-553D1AAD6709}"/>
-              </a:ext>
-            </a:extLst>
-          </p:cNvPr>
-          <p:cNvPicPr>
-            <a:picLocks noChangeAspect="1"/>
-          </p:cNvPicPr>
-          <p:nvPr userDrawn="1"/>
-        </p:nvPicPr>
-        <p:blipFill>
-          <a:blip r:embed="rId2"/>
-          <a:stretch>
-            <a:fillRect/>
-          </a:stretch>
-        </p:blipFill>
-        <p:spPr>
-          <a:xfrm>
-            <a:off x="6945879" y="4648200"/>
-            <a:ext cx="1952244" cy="417576"/>
-          </a:xfrm>
-          <a:prstGeom prst="rect">
-            <a:avLst/>
-          </a:prstGeom>
-        </p:spPr>
-      </p:pic>
-      <p:sp>
-        <p:nvSpPr>
-          <p:cNvPr id="10" name="Picture Placeholder 13">
-            <a:extLst>
-              <a:ext uri="{FF2B5EF4-FFF2-40B4-BE49-F238E27FC236}">
-                <a16:creationId xmlns:a16="http://schemas.microsoft.com/office/drawing/2014/main" id="{6A0FA445-7602-F06E-EC73-5504EBF827CC}"/>
-              </a:ext>
-            </a:extLst>
-          </p:cNvPr>
-          <p:cNvSpPr>
-            <a:spLocks noGrp="1"/>
-          </p:cNvSpPr>
-          <p:nvPr>
-            <p:ph type="pic" sz="quarter" idx="14"/>
-          </p:nvPr>
-        </p:nvSpPr>
-        <p:spPr>
-          <a:xfrm>
-            <a:off x="313592" y="4536078"/>
-            <a:ext cx="2121877" cy="529698"/>
-          </a:xfrm>
-          <a:prstGeom prst="rect">
-            <a:avLst/>
-          </a:prstGeom>
-        </p:spPr>
-        <p:txBody>
-          <a:bodyPr/>
-          <a:lstStyle/>
-          <a:p>
-            <a:endParaRPr lang="en-US" dirty="0"/>
-          </a:p>
-        </p:txBody>
-      </p:sp>
       <p:sp>
         <p:nvSpPr>
           <p:cNvPr id="6" name="Text Placeholder 5">
@@ -1350,7 +3682,7 @@
         <p:spPr>
           <a:xfrm>
             <a:off x="193675" y="678433"/>
-            <a:ext cx="4462463" cy="3785515"/>
+            <a:ext cx="4431079" cy="3785515"/>
           </a:xfrm>
           <a:prstGeom prst="rect">
             <a:avLst/>
@@ -1360,7 +3692,7 @@
           <a:bodyPr/>
           <a:lstStyle>
             <a:lvl1pPr>
-              <a:defRPr sz="1800">
+              <a:defRPr sz="1800" b="1">
                 <a:solidFill>
                   <a:srgbClr val="C00000"/>
                 </a:solidFill>
@@ -1434,8 +3766,8 @@
         </p:nvSpPr>
         <p:spPr>
           <a:xfrm>
-            <a:off x="4840288" y="678433"/>
-            <a:ext cx="4110037" cy="3785515"/>
+            <a:off x="4721470" y="678433"/>
+            <a:ext cx="4228856" cy="3785515"/>
           </a:xfrm>
           <a:prstGeom prst="rect">
             <a:avLst/>
@@ -1445,7 +3777,7 @@
           <a:bodyPr/>
           <a:lstStyle>
             <a:lvl1pPr>
-              <a:defRPr sz="1800">
+              <a:defRPr sz="1800" b="1">
                 <a:solidFill>
                   <a:srgbClr val="C00000"/>
                 </a:solidFill>
@@ -1497,6 +3829,48 @@
             <a:r>
               <a:rPr lang="en-US" dirty="0"/>
               <a:t>Fifth level</a:t>
+            </a:r>
+          </a:p>
+        </p:txBody>
+      </p:sp>
+      <p:sp>
+        <p:nvSpPr>
+          <p:cNvPr id="4" name="Text Placeholder 4">
+            <a:extLst>
+              <a:ext uri="{FF2B5EF4-FFF2-40B4-BE49-F238E27FC236}">
+                <a16:creationId xmlns:a16="http://schemas.microsoft.com/office/drawing/2014/main" id="{5DF49ED0-89F0-F008-ADD7-D71F338C8B9B}"/>
+              </a:ext>
+            </a:extLst>
+          </p:cNvPr>
+          <p:cNvSpPr>
+            <a:spLocks noGrp="1"/>
+          </p:cNvSpPr>
+          <p:nvPr>
+            <p:ph type="body" sz="quarter" idx="15" hasCustomPrompt="1"/>
+          </p:nvPr>
+        </p:nvSpPr>
+        <p:spPr>
+          <a:xfrm>
+            <a:off x="5697414" y="4681864"/>
+            <a:ext cx="3218473" cy="238125"/>
+          </a:xfrm>
+          <a:prstGeom prst="rect">
+            <a:avLst/>
+          </a:prstGeom>
+        </p:spPr>
+        <p:txBody>
+          <a:bodyPr/>
+          <a:lstStyle>
+            <a:lvl5pPr algn="r">
+              <a:buNone/>
+              <a:defRPr sz="1100"/>
+            </a:lvl5pPr>
+          </a:lstStyle>
+          <a:p>
+            <a:pPr lvl="4"/>
+            <a:r>
+              <a:rPr lang="en-US" dirty="0"/>
+              <a:t>Project Name</a:t>
             </a:r>
           </a:p>
         </p:txBody>
@@ -1531,6 +3905,39 @@
           <a:chExt cx="0" cy="0"/>
         </a:xfrm>
       </p:grpSpPr>
+      <p:sp>
+        <p:nvSpPr>
+          <p:cNvPr id="12" name="Picture Placeholder 13">
+            <a:extLst>
+              <a:ext uri="{FF2B5EF4-FFF2-40B4-BE49-F238E27FC236}">
+                <a16:creationId xmlns:a16="http://schemas.microsoft.com/office/drawing/2014/main" id="{2DB97592-C4D5-B315-7F11-AA14F6EE8A62}"/>
+              </a:ext>
+            </a:extLst>
+          </p:cNvPr>
+          <p:cNvSpPr>
+            <a:spLocks noGrp="1"/>
+          </p:cNvSpPr>
+          <p:nvPr>
+            <p:ph type="pic" sz="quarter" idx="13"/>
+          </p:nvPr>
+        </p:nvSpPr>
+        <p:spPr>
+          <a:xfrm>
+            <a:off x="313592" y="4536078"/>
+            <a:ext cx="2126273" cy="529698"/>
+          </a:xfrm>
+          <a:prstGeom prst="rect">
+            <a:avLst/>
+          </a:prstGeom>
+        </p:spPr>
+        <p:txBody>
+          <a:bodyPr/>
+          <a:lstStyle/>
+          <a:p>
+            <a:endParaRPr lang="en-US" dirty="0"/>
+          </a:p>
+        </p:txBody>
+      </p:sp>
       <p:sp>
         <p:nvSpPr>
           <p:cNvPr id="3" name="Shape 1">
@@ -1654,69 +4061,6 @@
       </p:sp>
       <p:sp>
         <p:nvSpPr>
-          <p:cNvPr id="12" name="Picture Placeholder 13">
-            <a:extLst>
-              <a:ext uri="{FF2B5EF4-FFF2-40B4-BE49-F238E27FC236}">
-                <a16:creationId xmlns:a16="http://schemas.microsoft.com/office/drawing/2014/main" id="{2DB97592-C4D5-B315-7F11-AA14F6EE8A62}"/>
-              </a:ext>
-            </a:extLst>
-          </p:cNvPr>
-          <p:cNvSpPr>
-            <a:spLocks noGrp="1"/>
-          </p:cNvSpPr>
-          <p:nvPr>
-            <p:ph type="pic" sz="quarter" idx="13"/>
-          </p:nvPr>
-        </p:nvSpPr>
-        <p:spPr>
-          <a:xfrm>
-            <a:off x="313592" y="4536078"/>
-            <a:ext cx="2126273" cy="529698"/>
-          </a:xfrm>
-          <a:prstGeom prst="rect">
-            <a:avLst/>
-          </a:prstGeom>
-        </p:spPr>
-        <p:txBody>
-          <a:bodyPr/>
-          <a:lstStyle/>
-          <a:p>
-            <a:endParaRPr lang="en-US" dirty="0"/>
-          </a:p>
-        </p:txBody>
-      </p:sp>
-      <p:pic>
-        <p:nvPicPr>
-          <p:cNvPr id="13" name="Image 0" descr="/home/claude/eo-framework-logo.png">
-            <a:extLst>
-              <a:ext uri="{FF2B5EF4-FFF2-40B4-BE49-F238E27FC236}">
-                <a16:creationId xmlns:a16="http://schemas.microsoft.com/office/drawing/2014/main" id="{25116040-BB88-891D-9118-628A78E99872}"/>
-              </a:ext>
-            </a:extLst>
-          </p:cNvPr>
-          <p:cNvPicPr>
-            <a:picLocks noChangeAspect="1"/>
-          </p:cNvPicPr>
-          <p:nvPr userDrawn="1"/>
-        </p:nvPicPr>
-        <p:blipFill>
-          <a:blip r:embed="rId2"/>
-          <a:stretch>
-            <a:fillRect/>
-          </a:stretch>
-        </p:blipFill>
-        <p:spPr>
-          <a:xfrm>
-            <a:off x="6945879" y="4648200"/>
-            <a:ext cx="1952244" cy="417576"/>
-          </a:xfrm>
-          <a:prstGeom prst="rect">
-            <a:avLst/>
-          </a:prstGeom>
-        </p:spPr>
-      </p:pic>
-      <p:sp>
-        <p:nvSpPr>
           <p:cNvPr id="5" name="Table Placeholder 4">
             <a:extLst>
               <a:ext uri="{FF2B5EF4-FFF2-40B4-BE49-F238E27FC236}">
@@ -1745,6 +4089,48 @@
           <a:lstStyle/>
           <a:p>
             <a:endParaRPr lang="en-US"/>
+          </a:p>
+        </p:txBody>
+      </p:sp>
+      <p:sp>
+        <p:nvSpPr>
+          <p:cNvPr id="4" name="Text Placeholder 4">
+            <a:extLst>
+              <a:ext uri="{FF2B5EF4-FFF2-40B4-BE49-F238E27FC236}">
+                <a16:creationId xmlns:a16="http://schemas.microsoft.com/office/drawing/2014/main" id="{A00DC936-676C-1BAA-B4B4-D45CC5951D6E}"/>
+              </a:ext>
+            </a:extLst>
+          </p:cNvPr>
+          <p:cNvSpPr>
+            <a:spLocks noGrp="1"/>
+          </p:cNvSpPr>
+          <p:nvPr>
+            <p:ph type="body" sz="quarter" idx="15" hasCustomPrompt="1"/>
+          </p:nvPr>
+        </p:nvSpPr>
+        <p:spPr>
+          <a:xfrm>
+            <a:off x="5749315" y="4681864"/>
+            <a:ext cx="3218473" cy="238125"/>
+          </a:xfrm>
+          <a:prstGeom prst="rect">
+            <a:avLst/>
+          </a:prstGeom>
+        </p:spPr>
+        <p:txBody>
+          <a:bodyPr/>
+          <a:lstStyle>
+            <a:lvl5pPr algn="r">
+              <a:buNone/>
+              <a:defRPr sz="1100"/>
+            </a:lvl5pPr>
+          </a:lstStyle>
+          <a:p>
+            <a:pPr lvl="4"/>
+            <a:r>
+              <a:rPr lang="en-US" dirty="0"/>
+              <a:t>Project Name</a:t>
+            </a:r>
           </a:p>
         </p:txBody>
       </p:sp>
@@ -1778,6 +4164,39 @@
           <a:chExt cx="0" cy="0"/>
         </a:xfrm>
       </p:grpSpPr>
+      <p:sp>
+        <p:nvSpPr>
+          <p:cNvPr id="10" name="Picture Placeholder 13">
+            <a:extLst>
+              <a:ext uri="{FF2B5EF4-FFF2-40B4-BE49-F238E27FC236}">
+                <a16:creationId xmlns:a16="http://schemas.microsoft.com/office/drawing/2014/main" id="{6A0FA445-7602-F06E-EC73-5504EBF827CC}"/>
+              </a:ext>
+            </a:extLst>
+          </p:cNvPr>
+          <p:cNvSpPr>
+            <a:spLocks noGrp="1"/>
+          </p:cNvSpPr>
+          <p:nvPr>
+            <p:ph type="pic" sz="quarter" idx="14"/>
+          </p:nvPr>
+        </p:nvSpPr>
+        <p:spPr>
+          <a:xfrm>
+            <a:off x="313592" y="4536078"/>
+            <a:ext cx="2130670" cy="529698"/>
+          </a:xfrm>
+          <a:prstGeom prst="rect">
+            <a:avLst/>
+          </a:prstGeom>
+        </p:spPr>
+        <p:txBody>
+          <a:bodyPr/>
+          <a:lstStyle/>
+          <a:p>
+            <a:endParaRPr lang="en-US" dirty="0"/>
+          </a:p>
+        </p:txBody>
+      </p:sp>
       <p:sp>
         <p:nvSpPr>
           <p:cNvPr id="3" name="Shape 1">
@@ -1872,69 +4291,6 @@
           </a:p>
         </p:txBody>
       </p:sp>
-      <p:pic>
-        <p:nvPicPr>
-          <p:cNvPr id="8" name="Image 0" descr="/home/claude/eo-framework-logo.png">
-            <a:extLst>
-              <a:ext uri="{FF2B5EF4-FFF2-40B4-BE49-F238E27FC236}">
-                <a16:creationId xmlns:a16="http://schemas.microsoft.com/office/drawing/2014/main" id="{4B7035C6-0EF1-6BD3-318E-553D1AAD6709}"/>
-              </a:ext>
-            </a:extLst>
-          </p:cNvPr>
-          <p:cNvPicPr>
-            <a:picLocks noChangeAspect="1"/>
-          </p:cNvPicPr>
-          <p:nvPr userDrawn="1"/>
-        </p:nvPicPr>
-        <p:blipFill>
-          <a:blip r:embed="rId2"/>
-          <a:stretch>
-            <a:fillRect/>
-          </a:stretch>
-        </p:blipFill>
-        <p:spPr>
-          <a:xfrm>
-            <a:off x="6945879" y="4648200"/>
-            <a:ext cx="1952244" cy="417576"/>
-          </a:xfrm>
-          <a:prstGeom prst="rect">
-            <a:avLst/>
-          </a:prstGeom>
-        </p:spPr>
-      </p:pic>
-      <p:sp>
-        <p:nvSpPr>
-          <p:cNvPr id="10" name="Picture Placeholder 13">
-            <a:extLst>
-              <a:ext uri="{FF2B5EF4-FFF2-40B4-BE49-F238E27FC236}">
-                <a16:creationId xmlns:a16="http://schemas.microsoft.com/office/drawing/2014/main" id="{6A0FA445-7602-F06E-EC73-5504EBF827CC}"/>
-              </a:ext>
-            </a:extLst>
-          </p:cNvPr>
-          <p:cNvSpPr>
-            <a:spLocks noGrp="1"/>
-          </p:cNvSpPr>
-          <p:nvPr>
-            <p:ph type="pic" sz="quarter" idx="14"/>
-          </p:nvPr>
-        </p:nvSpPr>
-        <p:spPr>
-          <a:xfrm>
-            <a:off x="313592" y="4536078"/>
-            <a:ext cx="2130670" cy="529698"/>
-          </a:xfrm>
-          <a:prstGeom prst="rect">
-            <a:avLst/>
-          </a:prstGeom>
-        </p:spPr>
-        <p:txBody>
-          <a:bodyPr/>
-          <a:lstStyle/>
-          <a:p>
-            <a:endParaRPr lang="en-US" dirty="0"/>
-          </a:p>
-        </p:txBody>
-      </p:sp>
       <p:sp>
         <p:nvSpPr>
           <p:cNvPr id="6" name="Picture Placeholder 5">
@@ -1997,7 +4353,7 @@
           <a:bodyPr/>
           <a:lstStyle>
             <a:lvl1pPr>
-              <a:defRPr sz="1800">
+              <a:defRPr sz="1800" b="1">
                 <a:solidFill>
                   <a:srgbClr val="C00000"/>
                 </a:solidFill>
@@ -2049,6 +4405,48 @@
             <a:r>
               <a:rPr lang="en-US" dirty="0"/>
               <a:t>Fifth level</a:t>
+            </a:r>
+          </a:p>
+        </p:txBody>
+      </p:sp>
+      <p:sp>
+        <p:nvSpPr>
+          <p:cNvPr id="2" name="Text Placeholder 4">
+            <a:extLst>
+              <a:ext uri="{FF2B5EF4-FFF2-40B4-BE49-F238E27FC236}">
+                <a16:creationId xmlns:a16="http://schemas.microsoft.com/office/drawing/2014/main" id="{6D03683B-7C4B-D474-74C5-EC53E3BB515B}"/>
+              </a:ext>
+            </a:extLst>
+          </p:cNvPr>
+          <p:cNvSpPr>
+            <a:spLocks noGrp="1"/>
+          </p:cNvSpPr>
+          <p:nvPr>
+            <p:ph type="body" sz="quarter" idx="17" hasCustomPrompt="1"/>
+          </p:nvPr>
+        </p:nvSpPr>
+        <p:spPr>
+          <a:xfrm>
+            <a:off x="5781065" y="4729530"/>
+            <a:ext cx="3218473" cy="238125"/>
+          </a:xfrm>
+          <a:prstGeom prst="rect">
+            <a:avLst/>
+          </a:prstGeom>
+        </p:spPr>
+        <p:txBody>
+          <a:bodyPr/>
+          <a:lstStyle>
+            <a:lvl5pPr algn="r">
+              <a:buNone/>
+              <a:defRPr sz="1100"/>
+            </a:lvl5pPr>
+          </a:lstStyle>
+          <a:p>
+            <a:pPr lvl="4"/>
+            <a:r>
+              <a:rPr lang="en-US" dirty="0"/>
+              <a:t>Project Name</a:t>
             </a:r>
           </a:p>
         </p:txBody>
@@ -2083,6 +4481,39 @@
           <a:chExt cx="0" cy="0"/>
         </a:xfrm>
       </p:grpSpPr>
+      <p:sp>
+        <p:nvSpPr>
+          <p:cNvPr id="10" name="Picture Placeholder 13">
+            <a:extLst>
+              <a:ext uri="{FF2B5EF4-FFF2-40B4-BE49-F238E27FC236}">
+                <a16:creationId xmlns:a16="http://schemas.microsoft.com/office/drawing/2014/main" id="{6A0FA445-7602-F06E-EC73-5504EBF827CC}"/>
+              </a:ext>
+            </a:extLst>
+          </p:cNvPr>
+          <p:cNvSpPr>
+            <a:spLocks noGrp="1"/>
+          </p:cNvSpPr>
+          <p:nvPr>
+            <p:ph type="pic" sz="quarter" idx="14"/>
+          </p:nvPr>
+        </p:nvSpPr>
+        <p:spPr>
+          <a:xfrm>
+            <a:off x="313592" y="4536078"/>
+            <a:ext cx="2104294" cy="529698"/>
+          </a:xfrm>
+          <a:prstGeom prst="rect">
+            <a:avLst/>
+          </a:prstGeom>
+        </p:spPr>
+        <p:txBody>
+          <a:bodyPr/>
+          <a:lstStyle/>
+          <a:p>
+            <a:endParaRPr lang="en-US" dirty="0"/>
+          </a:p>
+        </p:txBody>
+      </p:sp>
       <p:sp>
         <p:nvSpPr>
           <p:cNvPr id="3" name="Shape 1">
@@ -2177,69 +4608,6 @@
           </a:p>
         </p:txBody>
       </p:sp>
-      <p:pic>
-        <p:nvPicPr>
-          <p:cNvPr id="8" name="Image 0" descr="/home/claude/eo-framework-logo.png">
-            <a:extLst>
-              <a:ext uri="{FF2B5EF4-FFF2-40B4-BE49-F238E27FC236}">
-                <a16:creationId xmlns:a16="http://schemas.microsoft.com/office/drawing/2014/main" id="{4B7035C6-0EF1-6BD3-318E-553D1AAD6709}"/>
-              </a:ext>
-            </a:extLst>
-          </p:cNvPr>
-          <p:cNvPicPr>
-            <a:picLocks noChangeAspect="1"/>
-          </p:cNvPicPr>
-          <p:nvPr userDrawn="1"/>
-        </p:nvPicPr>
-        <p:blipFill>
-          <a:blip r:embed="rId2"/>
-          <a:stretch>
-            <a:fillRect/>
-          </a:stretch>
-        </p:blipFill>
-        <p:spPr>
-          <a:xfrm>
-            <a:off x="6945879" y="4648200"/>
-            <a:ext cx="1952244" cy="417576"/>
-          </a:xfrm>
-          <a:prstGeom prst="rect">
-            <a:avLst/>
-          </a:prstGeom>
-        </p:spPr>
-      </p:pic>
-      <p:sp>
-        <p:nvSpPr>
-          <p:cNvPr id="10" name="Picture Placeholder 13">
-            <a:extLst>
-              <a:ext uri="{FF2B5EF4-FFF2-40B4-BE49-F238E27FC236}">
-                <a16:creationId xmlns:a16="http://schemas.microsoft.com/office/drawing/2014/main" id="{6A0FA445-7602-F06E-EC73-5504EBF827CC}"/>
-              </a:ext>
-            </a:extLst>
-          </p:cNvPr>
-          <p:cNvSpPr>
-            <a:spLocks noGrp="1"/>
-          </p:cNvSpPr>
-          <p:nvPr>
-            <p:ph type="pic" sz="quarter" idx="14"/>
-          </p:nvPr>
-        </p:nvSpPr>
-        <p:spPr>
-          <a:xfrm>
-            <a:off x="313592" y="4536078"/>
-            <a:ext cx="2104294" cy="529698"/>
-          </a:xfrm>
-          <a:prstGeom prst="rect">
-            <a:avLst/>
-          </a:prstGeom>
-        </p:spPr>
-        <p:txBody>
-          <a:bodyPr/>
-          <a:lstStyle/>
-          <a:p>
-            <a:endParaRPr lang="en-US" dirty="0"/>
-          </a:p>
-        </p:txBody>
-      </p:sp>
       <p:sp>
         <p:nvSpPr>
           <p:cNvPr id="5" name="Chart Placeholder 4">
@@ -2302,7 +4670,7 @@
           <a:bodyPr/>
           <a:lstStyle>
             <a:lvl1pPr>
-              <a:defRPr sz="1800">
+              <a:defRPr sz="1800" b="1">
                 <a:solidFill>
                   <a:srgbClr val="C00000"/>
                 </a:solidFill>
@@ -2354,6 +4722,48 @@
             <a:r>
               <a:rPr lang="en-US" dirty="0"/>
               <a:t>Fifth level</a:t>
+            </a:r>
+          </a:p>
+        </p:txBody>
+      </p:sp>
+      <p:sp>
+        <p:nvSpPr>
+          <p:cNvPr id="4" name="Text Placeholder 4">
+            <a:extLst>
+              <a:ext uri="{FF2B5EF4-FFF2-40B4-BE49-F238E27FC236}">
+                <a16:creationId xmlns:a16="http://schemas.microsoft.com/office/drawing/2014/main" id="{A1231DFE-6A5A-950E-159E-9E1D3D45FD36}"/>
+              </a:ext>
+            </a:extLst>
+          </p:cNvPr>
+          <p:cNvSpPr>
+            <a:spLocks noGrp="1"/>
+          </p:cNvSpPr>
+          <p:nvPr>
+            <p:ph type="body" sz="quarter" idx="17" hasCustomPrompt="1"/>
+          </p:nvPr>
+        </p:nvSpPr>
+        <p:spPr>
+          <a:xfrm>
+            <a:off x="5679465" y="4681864"/>
+            <a:ext cx="3218473" cy="238125"/>
+          </a:xfrm>
+          <a:prstGeom prst="rect">
+            <a:avLst/>
+          </a:prstGeom>
+        </p:spPr>
+        <p:txBody>
+          <a:bodyPr/>
+          <a:lstStyle>
+            <a:lvl5pPr algn="r">
+              <a:buNone/>
+              <a:defRPr sz="900"/>
+            </a:lvl5pPr>
+          </a:lstStyle>
+          <a:p>
+            <a:pPr lvl="4"/>
+            <a:r>
+              <a:rPr lang="en-US" dirty="0"/>
+              <a:t>Project Name</a:t>
             </a:r>
           </a:p>
         </p:txBody>
@@ -3163,18 +5573,6 @@
       <p:grpSpPr/>
       <p:sp>
         <p:nvSpPr>
-          <p:cNvPr id="2" name="Picture Placeholder 1"/>
-          <p:cNvSpPr>
-            <a:spLocks noGrp="1"/>
-          </p:cNvSpPr>
-          <p:nvPr>
-            <p:ph type="pic" idx="10" sz="quarter"/>
-          </p:nvPr>
-        </p:nvSpPr>
-        <p:spPr/>
-      </p:sp>
-      <p:sp>
-        <p:nvSpPr>
           <p:cNvPr id="3" name="Text Placeholder 2"/>
           <p:cNvSpPr>
             <a:spLocks noGrp="1"/>
@@ -3189,22 +5587,10 @@
           <a:lstStyle/>
           <a:p>
             <a:r>
-              <a:t>Presentation Title</a:t>
+              <a:t>Project Closeout</a:t>
             </a:r>
           </a:p>
         </p:txBody>
-      </p:sp>
-      <p:sp>
-        <p:nvSpPr>
-          <p:cNvPr id="4" name="Picture Placeholder 3"/>
-          <p:cNvSpPr>
-            <a:spLocks noGrp="1"/>
-          </p:cNvSpPr>
-          <p:nvPr>
-            <p:ph type="pic" idx="13" sz="quarter"/>
-          </p:nvPr>
-        </p:nvSpPr>
-        <p:spPr/>
       </p:sp>
       <p:sp>
         <p:nvSpPr>
@@ -3222,7 +5608,7 @@
           <a:lstStyle/>
           <a:p>
             <a:r>
-              <a:t>Solution Name</a:t>
+              <a:t>HashiCorp Terraform Enterprise</a:t>
             </a:r>
           </a:p>
         </p:txBody>
@@ -3243,11 +5629,83 @@
           <a:lstStyle/>
           <a:p>
             <a:r>
-              <a:t>Presenter Name | November 15, 2025</a:t>
+              <a:t>Project Manager | November 28, 2025</a:t>
             </a:r>
           </a:p>
         </p:txBody>
       </p:sp>
+      <p:pic>
+        <p:nvPicPr>
+          <p:cNvPr id="7" name="Picture 6" descr="client_logo.png"/>
+          <p:cNvPicPr>
+            <a:picLocks noChangeAspect="1"/>
+          </p:cNvPicPr>
+          <p:nvPr/>
+        </p:nvPicPr>
+        <p:blipFill>
+          <a:blip r:embed="rId2"/>
+          <a:stretch>
+            <a:fillRect/>
+          </a:stretch>
+        </p:blipFill>
+        <p:spPr>
+          <a:xfrm>
+            <a:off x="2180492" y="171206"/>
+            <a:ext cx="3978520" cy="1314694"/>
+          </a:xfrm>
+          <a:prstGeom prst="rect">
+            <a:avLst/>
+          </a:prstGeom>
+        </p:spPr>
+      </p:pic>
+      <p:pic>
+        <p:nvPicPr>
+          <p:cNvPr id="8" name="Picture 7" descr="consulting_company_logo.png"/>
+          <p:cNvPicPr>
+            <a:picLocks noChangeAspect="1"/>
+          </p:cNvPicPr>
+          <p:nvPr/>
+        </p:nvPicPr>
+        <p:blipFill>
+          <a:blip r:embed="rId3"/>
+          <a:stretch>
+            <a:fillRect/>
+          </a:stretch>
+        </p:blipFill>
+        <p:spPr>
+          <a:xfrm>
+            <a:off x="313591" y="4536078"/>
+            <a:ext cx="2099897" cy="529698"/>
+          </a:xfrm>
+          <a:prstGeom prst="rect">
+            <a:avLst/>
+          </a:prstGeom>
+        </p:spPr>
+      </p:pic>
+      <p:pic>
+        <p:nvPicPr>
+          <p:cNvPr id="9" name="Picture 8" descr="eo-framework-logo-real.png"/>
+          <p:cNvPicPr>
+            <a:picLocks noChangeAspect="1"/>
+          </p:cNvPicPr>
+          <p:nvPr/>
+        </p:nvPicPr>
+        <p:blipFill>
+          <a:blip r:embed="rId4"/>
+          <a:stretch>
+            <a:fillRect/>
+          </a:stretch>
+        </p:blipFill>
+        <p:spPr>
+          <a:xfrm>
+            <a:off x="6684264" y="4535424"/>
+            <a:ext cx="2139696" cy="530352"/>
+          </a:xfrm>
+          <a:prstGeom prst="rect">
+            <a:avLst/>
+          </a:prstGeom>
+        </p:spPr>
+      </p:pic>
     </p:spTree>
   </p:cSld>
   <p:clrMapOvr>
@@ -3268,12 +5726,12 @@
       <p:grpSpPr/>
       <p:sp>
         <p:nvSpPr>
-          <p:cNvPr id="2" name="Text Placeholder 1"/>
+          <p:cNvPr id="3" name="Text Placeholder 2"/>
           <p:cNvSpPr>
             <a:spLocks noGrp="1"/>
           </p:cNvSpPr>
           <p:nvPr>
-            <p:ph type="body" idx="10" sz="quarter"/>
+            <p:ph type="body" idx="12" sz="quarter"/>
           </p:nvPr>
         </p:nvSpPr>
         <p:spPr/>
@@ -3282,26 +5740,14 @@
           <a:lstStyle/>
           <a:p>
             <a:r>
-              <a:t>Collaborative Workflows</a:t>
+              <a:t>Thank You</a:t>
             </a:r>
           </a:p>
         </p:txBody>
       </p:sp>
       <p:sp>
         <p:nvSpPr>
-          <p:cNvPr id="3" name="Picture Placeholder 2"/>
-          <p:cNvSpPr>
-            <a:spLocks noGrp="1"/>
-          </p:cNvSpPr>
-          <p:nvPr>
-            <p:ph type="pic" idx="13" sz="quarter"/>
-          </p:nvPr>
-        </p:nvSpPr>
-        <p:spPr/>
-      </p:sp>
-      <p:sp>
-        <p:nvSpPr>
-          <p:cNvPr id="4" name="Text Placeholder 3"/>
+          <p:cNvPr id="5" name="Text Placeholder 4"/>
           <p:cNvSpPr>
             <a:spLocks noGrp="1"/>
           </p:cNvSpPr>
@@ -3313,1051 +5759,98 @@
         <p:txBody>
           <a:bodyPr/>
           <a:lstStyle/>
-          <a:p>
-            <a:pPr/>
-            <a:r>
-              <a:rPr b="1"/>
-              <a:t>Team Workspaces</a:t>
-            </a:r>
-            <a:r>
-              <a:t>: Organized workspaces with role-based access controls</a:t>
-            </a:r>
-          </a:p>
-          <a:p>
-            <a:pPr/>
-            <a:r>
-              <a:rPr b="1"/>
-              <a:t>Approval Workflows</a:t>
-            </a:r>
-            <a:r>
-              <a:t>: Multi-stage approval processes for infrastructure changes</a:t>
-            </a:r>
-          </a:p>
-          <a:p>
-            <a:pPr/>
-            <a:r>
-              <a:rPr b="1"/>
-              <a:t>Notifications</a:t>
-            </a:r>
-            <a:r>
-              <a:t>: Automated notifications for plan and apply operations</a:t>
-            </a:r>
-          </a:p>
-          <a:p>
-            <a:pPr/>
-            <a:r>
-              <a:rPr b="1"/>
-              <a:t>Audit Trail</a:t>
-            </a:r>
-            <a:r>
-              <a:t>: Comprehensive audit logging for all infrastructure operations</a:t>
-            </a:r>
-          </a:p>
-          <a:p>
-            <a:pPr/>
-            <a:r>
-              <a:rPr b="1"/>
-              <a:t>Integration Hub</a:t>
-            </a:r>
-            <a:r>
-              <a:t>: RESTful APIs for integration with existing enterprise tools</a:t>
-            </a:r>
-          </a:p>
+          <a:p/>
         </p:txBody>
       </p:sp>
-    </p:spTree>
-  </p:cSld>
-  <p:clrMapOvr>
-    <a:masterClrMapping/>
-  </p:clrMapOvr>
-</p:sld>
-</file>
-
-<file path=ppt/slides/slide11.xml><?xml version="1.0" encoding="utf-8"?>
-<p:sld xmlns:a="http://schemas.openxmlformats.org/drawingml/2006/main" xmlns:p="http://schemas.openxmlformats.org/presentationml/2006/main" xmlns:r="http://schemas.openxmlformats.org/officeDocument/2006/relationships">
-  <p:cSld>
-    <p:spTree>
-      <p:nvGrpSpPr>
-        <p:cNvPr id="1" name=""/>
-        <p:cNvGrpSpPr/>
-        <p:nvPr/>
-      </p:nvGrpSpPr>
-      <p:grpSpPr/>
-      <p:sp>
-        <p:nvSpPr>
-          <p:cNvPr id="2" name="Text Placeholder 1"/>
+      <p:sp>
+        <p:nvSpPr>
+          <p:cNvPr id="6" name="Text Placeholder 5"/>
           <p:cNvSpPr>
             <a:spLocks noGrp="1"/>
           </p:cNvSpPr>
           <p:nvPr>
-            <p:ph type="body" idx="10" sz="quarter"/>
+            <p:ph type="body" idx="15" sz="quarter"/>
           </p:nvPr>
         </p:nvSpPr>
         <p:spPr/>
         <p:txBody>
           <a:bodyPr/>
           <a:lstStyle/>
-          <a:p>
-            <a:r>
-              <a:t>Project Delivery Excellence</a:t>
-            </a:r>
-          </a:p>
+          <a:p/>
         </p:txBody>
       </p:sp>
-      <p:sp>
-        <p:nvSpPr>
-          <p:cNvPr id="3" name="Picture Placeholder 2"/>
-          <p:cNvSpPr>
-            <a:spLocks noGrp="1"/>
-          </p:cNvSpPr>
-          <p:nvPr>
-            <p:ph type="pic" idx="13" sz="quarter"/>
-          </p:nvPr>
-        </p:nvSpPr>
-        <p:spPr/>
-      </p:sp>
-      <p:sp>
-        <p:nvSpPr>
-          <p:cNvPr id="4" name="Text Placeholder 3"/>
-          <p:cNvSpPr>
-            <a:spLocks noGrp="1"/>
-          </p:cNvSpPr>
-          <p:nvPr>
-            <p:ph type="body" idx="14" sz="quarter"/>
-          </p:nvPr>
-        </p:nvSpPr>
-        <p:spPr/>
-        <p:txBody>
-          <a:bodyPr/>
-          <a:lstStyle/>
-          <a:p>
-            <a:pPr/>
-            <a:r>
-              <a:rPr b="1"/>
-              <a:t>Timeline Achievement</a:t>
-            </a:r>
-            <a:r>
-              <a:t>: Delivered 1 week ahead of original 14-week schedule</a:t>
-            </a:r>
-          </a:p>
-          <a:p>
-            <a:pPr/>
-            <a:r>
-              <a:rPr b="1"/>
-              <a:t>Budget Performance</a:t>
-            </a:r>
-            <a:r>
-              <a:t>: Completed 7% under allocated budget</a:t>
-            </a:r>
-          </a:p>
-          <a:p>
-            <a:pPr/>
-            <a:r>
-              <a:rPr b="1"/>
-              <a:t>Quality Standards</a:t>
-            </a:r>
-            <a:r>
-              <a:t>: Zero critical defects in production deployment</a:t>
-            </a:r>
-          </a:p>
-          <a:p>
-            <a:pPr/>
-            <a:r>
-              <a:rPr b="1"/>
-              <a:t>Change Management</a:t>
-            </a:r>
-            <a:r>
-              <a:t>: Successfully migrated 45 existing infrastructure projects</a:t>
-            </a:r>
-          </a:p>
-        </p:txBody>
-      </p:sp>
-    </p:spTree>
-  </p:cSld>
-  <p:clrMapOvr>
-    <a:masterClrMapping/>
-  </p:clrMapOvr>
-</p:sld>
-</file>
-
-<file path=ppt/slides/slide12.xml><?xml version="1.0" encoding="utf-8"?>
-<p:sld xmlns:a="http://schemas.openxmlformats.org/drawingml/2006/main" xmlns:p="http://schemas.openxmlformats.org/presentationml/2006/main" xmlns:r="http://schemas.openxmlformats.org/officeDocument/2006/relationships">
-  <p:cSld>
-    <p:spTree>
-      <p:nvGrpSpPr>
-        <p:cNvPr id="1" name=""/>
-        <p:cNvGrpSpPr/>
-        <p:nvPr/>
-      </p:nvGrpSpPr>
-      <p:grpSpPr/>
-      <p:sp>
-        <p:nvSpPr>
-          <p:cNvPr id="2" name="Text Placeholder 1"/>
-          <p:cNvSpPr>
-            <a:spLocks noGrp="1"/>
-          </p:cNvSpPr>
-          <p:nvPr>
-            <p:ph type="body" idx="10" sz="quarter"/>
-          </p:nvPr>
-        </p:nvSpPr>
-        <p:spPr/>
-        <p:txBody>
-          <a:bodyPr/>
-          <a:lstStyle/>
-          <a:p>
-            <a:r>
-              <a:t>Technical Excellence</a:t>
-            </a:r>
-          </a:p>
-        </p:txBody>
-      </p:sp>
-      <p:sp>
-        <p:nvSpPr>
-          <p:cNvPr id="3" name="Picture Placeholder 2"/>
-          <p:cNvSpPr>
-            <a:spLocks noGrp="1"/>
-          </p:cNvSpPr>
-          <p:nvPr>
-            <p:ph type="pic" idx="13" sz="quarter"/>
-          </p:nvPr>
-        </p:nvSpPr>
-        <p:spPr/>
-      </p:sp>
-      <p:sp>
-        <p:nvSpPr>
-          <p:cNvPr id="4" name="Text Placeholder 3"/>
-          <p:cNvSpPr>
-            <a:spLocks noGrp="1"/>
-          </p:cNvSpPr>
-          <p:nvPr>
-            <p:ph type="body" idx="14" sz="quarter"/>
-          </p:nvPr>
-        </p:nvSpPr>
-        <p:spPr/>
-        <p:txBody>
-          <a:bodyPr/>
-          <a:lstStyle/>
-          <a:p>
-            <a:pPr/>
-            <a:r>
-              <a:rPr b="1"/>
-              <a:t>Platform Reliability</a:t>
-            </a:r>
-            <a:r>
-              <a:t>: Achieving 99.95% uptime for Terraform Enterprise platform</a:t>
-            </a:r>
-          </a:p>
-          <a:p>
-            <a:pPr/>
-            <a:r>
-              <a:rPr b="1"/>
-              <a:t>Performance</a:t>
-            </a:r>
-            <a:r>
-              <a:t>: Average plan execution time under 3 minutes</a:t>
-            </a:r>
-          </a:p>
-          <a:p>
-            <a:pPr/>
-            <a:r>
-              <a:rPr b="1"/>
-              <a:t>Security</a:t>
-            </a:r>
-            <a:r>
-              <a:t>: Zero security incidents with comprehensive access controls</a:t>
-            </a:r>
-          </a:p>
-          <a:p>
-            <a:pPr/>
-            <a:r>
-              <a:rPr b="1"/>
-              <a:t>Integration</a:t>
-            </a:r>
-            <a:r>
-              <a:t>: Seamless integration with 8 existing enterprise systems</a:t>
-            </a:r>
-          </a:p>
-        </p:txBody>
-      </p:sp>
-    </p:spTree>
-  </p:cSld>
-  <p:clrMapOvr>
-    <a:masterClrMapping/>
-  </p:clrMapOvr>
-</p:sld>
-</file>
-
-<file path=ppt/slides/slide13.xml><?xml version="1.0" encoding="utf-8"?>
-<p:sld xmlns:a="http://schemas.openxmlformats.org/drawingml/2006/main" xmlns:p="http://schemas.openxmlformats.org/presentationml/2006/main" xmlns:r="http://schemas.openxmlformats.org/officeDocument/2006/relationships">
-  <p:cSld>
-    <p:spTree>
-      <p:nvGrpSpPr>
-        <p:cNvPr id="1" name=""/>
-        <p:cNvGrpSpPr/>
-        <p:nvPr/>
-      </p:nvGrpSpPr>
-      <p:grpSpPr/>
-      <p:sp>
-        <p:nvSpPr>
-          <p:cNvPr id="2" name="Text Placeholder 1"/>
-          <p:cNvSpPr>
-            <a:spLocks noGrp="1"/>
-          </p:cNvSpPr>
-          <p:nvPr>
-            <p:ph type="body" idx="10" sz="quarter"/>
-          </p:nvPr>
-        </p:nvSpPr>
-        <p:spPr/>
-        <p:txBody>
-          <a:bodyPr/>
-          <a:lstStyle/>
-          <a:p>
-            <a:r>
-              <a:t>User Adoption</a:t>
-            </a:r>
-          </a:p>
-        </p:txBody>
-      </p:sp>
-      <p:sp>
-        <p:nvSpPr>
-          <p:cNvPr id="3" name="Picture Placeholder 2"/>
-          <p:cNvSpPr>
-            <a:spLocks noGrp="1"/>
-          </p:cNvSpPr>
-          <p:nvPr>
-            <p:ph type="pic" idx="13" sz="quarter"/>
-          </p:nvPr>
-        </p:nvSpPr>
-        <p:spPr/>
-      </p:sp>
-      <p:sp>
-        <p:nvSpPr>
-          <p:cNvPr id="4" name="Text Placeholder 3"/>
-          <p:cNvSpPr>
-            <a:spLocks noGrp="1"/>
-          </p:cNvSpPr>
-          <p:nvPr>
-            <p:ph type="body" idx="14" sz="quarter"/>
-          </p:nvPr>
-        </p:nvSpPr>
-        <p:spPr/>
-        <p:txBody>
-          <a:bodyPr/>
-          <a:lstStyle/>
-          <a:p>
-            <a:pPr/>
-            <a:r>
-              <a:rPr b="1"/>
-              <a:t>Training Completion</a:t>
-            </a:r>
-            <a:r>
-              <a:t>: 92% of engineers completed Terraform certification</a:t>
-            </a:r>
-          </a:p>
-          <a:p>
-            <a:pPr/>
-            <a:r>
-              <a:rPr b="1"/>
-              <a:t>User Satisfaction</a:t>
-            </a:r>
-            <a:r>
-              <a:t>: 4.8/5.0 average user satisfaction score</a:t>
-            </a:r>
-          </a:p>
-          <a:p>
-            <a:pPr/>
-            <a:r>
-              <a:rPr b="1"/>
-              <a:t>Self-Service Adoption</a:t>
-            </a:r>
-            <a:r>
-              <a:t>: 85% of infrastructure requests through self-service workflows</a:t>
-            </a:r>
-          </a:p>
-          <a:p>
-            <a:pPr/>
-            <a:r>
-              <a:rPr b="1"/>
-              <a:t>Support Reduction</a:t>
-            </a:r>
-            <a:r>
-              <a:t>: 68% reduction in infrastructure support tickets</a:t>
-            </a:r>
-          </a:p>
-        </p:txBody>
-      </p:sp>
-    </p:spTree>
-  </p:cSld>
-  <p:clrMapOvr>
-    <a:masterClrMapping/>
-  </p:clrMapOvr>
-</p:sld>
-</file>
-
-<file path=ppt/slides/slide14.xml><?xml version="1.0" encoding="utf-8"?>
-<p:sld xmlns:a="http://schemas.openxmlformats.org/drawingml/2006/main" xmlns:p="http://schemas.openxmlformats.org/presentationml/2006/main" xmlns:r="http://schemas.openxmlformats.org/officeDocument/2006/relationships">
-  <p:cSld>
-    <p:spTree>
-      <p:nvGrpSpPr>
-        <p:cNvPr id="1" name=""/>
-        <p:cNvGrpSpPr/>
-        <p:nvPr/>
-      </p:nvGrpSpPr>
-      <p:grpSpPr/>
-      <p:sp>
-        <p:nvSpPr>
-          <p:cNvPr id="2" name="Text Placeholder 1"/>
-          <p:cNvSpPr>
-            <a:spLocks noGrp="1"/>
-          </p:cNvSpPr>
-          <p:nvPr>
-            <p:ph type="body" idx="10" sz="quarter"/>
-          </p:nvPr>
-        </p:nvSpPr>
-        <p:spPr/>
-        <p:txBody>
-          <a:bodyPr/>
-          <a:lstStyle/>
-          <a:p>
-            <a:r>
-              <a:t>Technical Insights</a:t>
-            </a:r>
-          </a:p>
-        </p:txBody>
-      </p:sp>
-      <p:sp>
-        <p:nvSpPr>
-          <p:cNvPr id="3" name="Picture Placeholder 2"/>
-          <p:cNvSpPr>
-            <a:spLocks noGrp="1"/>
-          </p:cNvSpPr>
-          <p:nvPr>
-            <p:ph type="pic" idx="13" sz="quarter"/>
-          </p:nvPr>
-        </p:nvSpPr>
-        <p:spPr/>
-      </p:sp>
-      <p:sp>
-        <p:nvSpPr>
-          <p:cNvPr id="4" name="Text Placeholder 3"/>
-          <p:cNvSpPr>
-            <a:spLocks noGrp="1"/>
-          </p:cNvSpPr>
-          <p:nvPr>
-            <p:ph type="body" idx="14" sz="quarter"/>
-          </p:nvPr>
-        </p:nvSpPr>
-        <p:spPr/>
-        <p:txBody>
-          <a:bodyPr/>
-          <a:lstStyle/>
-          <a:p>
-            <a:pPr/>
-            <a:r>
-              <a:rPr b="1"/>
-              <a:t>Module Design</a:t>
-            </a:r>
-            <a:r>
-              <a:t>: Modular design patterns improved code reusability by 73%</a:t>
-            </a:r>
-          </a:p>
-          <a:p>
-            <a:pPr/>
-            <a:r>
-              <a:rPr b="1"/>
-              <a:t>State Management</a:t>
-            </a:r>
-            <a:r>
-              <a:t>: Proper state organization prevented 28 potential conflicts</a:t>
-            </a:r>
-          </a:p>
-          <a:p>
-            <a:pPr/>
-            <a:r>
-              <a:rPr b="1"/>
-              <a:t>Policy Implementation</a:t>
-            </a:r>
-            <a:r>
-              <a:t>: Gradual policy rollout improved adoption and compliance</a:t>
-            </a:r>
-          </a:p>
-          <a:p>
-            <a:pPr/>
-            <a:r>
-              <a:rPr b="1"/>
-              <a:t>Testing Strategy</a:t>
-            </a:r>
-            <a:r>
-              <a:t>: Comprehensive testing reduced production issues by 91%</a:t>
-            </a:r>
-          </a:p>
-        </p:txBody>
-      </p:sp>
-    </p:spTree>
-  </p:cSld>
-  <p:clrMapOvr>
-    <a:masterClrMapping/>
-  </p:clrMapOvr>
-</p:sld>
-</file>
-
-<file path=ppt/slides/slide15.xml><?xml version="1.0" encoding="utf-8"?>
-<p:sld xmlns:a="http://schemas.openxmlformats.org/drawingml/2006/main" xmlns:p="http://schemas.openxmlformats.org/presentationml/2006/main" xmlns:r="http://schemas.openxmlformats.org/officeDocument/2006/relationships">
-  <p:cSld>
-    <p:spTree>
-      <p:nvGrpSpPr>
-        <p:cNvPr id="1" name=""/>
-        <p:cNvGrpSpPr/>
-        <p:nvPr/>
-      </p:nvGrpSpPr>
-      <p:grpSpPr/>
-      <p:sp>
-        <p:nvSpPr>
-          <p:cNvPr id="2" name="Text Placeholder 1"/>
-          <p:cNvSpPr>
-            <a:spLocks noGrp="1"/>
-          </p:cNvSpPr>
-          <p:nvPr>
-            <p:ph type="body" idx="10" sz="quarter"/>
-          </p:nvPr>
-        </p:nvSpPr>
-        <p:spPr/>
-        <p:txBody>
-          <a:bodyPr/>
-          <a:lstStyle/>
-          <a:p>
-            <a:r>
-              <a:t>Process Improvements</a:t>
-            </a:r>
-          </a:p>
-        </p:txBody>
-      </p:sp>
-      <p:sp>
-        <p:nvSpPr>
-          <p:cNvPr id="3" name="Picture Placeholder 2"/>
-          <p:cNvSpPr>
-            <a:spLocks noGrp="1"/>
-          </p:cNvSpPr>
-          <p:nvPr>
-            <p:ph type="pic" idx="13" sz="quarter"/>
-          </p:nvPr>
-        </p:nvSpPr>
-        <p:spPr/>
-      </p:sp>
-      <p:sp>
-        <p:nvSpPr>
-          <p:cNvPr id="4" name="Text Placeholder 3"/>
-          <p:cNvSpPr>
-            <a:spLocks noGrp="1"/>
-          </p:cNvSpPr>
-          <p:nvPr>
-            <p:ph type="body" idx="14" sz="quarter"/>
-          </p:nvPr>
-        </p:nvSpPr>
-        <p:spPr/>
-        <p:txBody>
-          <a:bodyPr/>
-          <a:lstStyle/>
-          <a:p>
-            <a:pPr/>
-            <a:r>
-              <a:rPr b="1"/>
-              <a:t>Governance Framework</a:t>
-            </a:r>
-            <a:r>
-              <a:t>: Clear governance model improved team collaboration</a:t>
-            </a:r>
-          </a:p>
-          <a:p>
-            <a:pPr/>
-            <a:r>
-              <a:rPr b="1"/>
-              <a:t>Training Program</a:t>
-            </a:r>
-            <a:r>
-              <a:t>: Hands-on training increased productivity by 56%</a:t>
-            </a:r>
-          </a:p>
-          <a:p>
-            <a:pPr/>
-            <a:r>
-              <a:rPr b="1"/>
-              <a:t>Documentation Standards</a:t>
-            </a:r>
-            <a:r>
-              <a:t>: Comprehensive documentation reduced onboarding time by 45%</a:t>
-            </a:r>
-          </a:p>
-          <a:p>
-            <a:pPr/>
-            <a:r>
-              <a:rPr b="1"/>
-              <a:t>Change Management</a:t>
-            </a:r>
-            <a:r>
-              <a:t>: Structured change management improved user acceptance</a:t>
-            </a:r>
-          </a:p>
-        </p:txBody>
-      </p:sp>
-    </p:spTree>
-  </p:cSld>
-  <p:clrMapOvr>
-    <a:masterClrMapping/>
-  </p:clrMapOvr>
-</p:sld>
-</file>
-
-<file path=ppt/slides/slide16.xml><?xml version="1.0" encoding="utf-8"?>
-<p:sld xmlns:a="http://schemas.openxmlformats.org/drawingml/2006/main" xmlns:p="http://schemas.openxmlformats.org/presentationml/2006/main" xmlns:r="http://schemas.openxmlformats.org/officeDocument/2006/relationships">
-  <p:cSld>
-    <p:spTree>
-      <p:nvGrpSpPr>
-        <p:cNvPr id="1" name=""/>
-        <p:cNvGrpSpPr/>
-        <p:nvPr/>
-      </p:nvGrpSpPr>
-      <p:grpSpPr/>
-      <p:sp>
-        <p:nvSpPr>
-          <p:cNvPr id="2" name="Text Placeholder 1"/>
-          <p:cNvSpPr>
-            <a:spLocks noGrp="1"/>
-          </p:cNvSpPr>
-          <p:nvPr>
-            <p:ph type="body" idx="10" sz="quarter"/>
-          </p:nvPr>
-        </p:nvSpPr>
-        <p:spPr/>
-        <p:txBody>
-          <a:bodyPr/>
-          <a:lstStyle/>
-          <a:p>
-            <a:r>
-              <a:t>Organizational Benefits</a:t>
-            </a:r>
-          </a:p>
-        </p:txBody>
-      </p:sp>
-      <p:sp>
-        <p:nvSpPr>
-          <p:cNvPr id="3" name="Picture Placeholder 2"/>
-          <p:cNvSpPr>
-            <a:spLocks noGrp="1"/>
-          </p:cNvSpPr>
-          <p:nvPr>
-            <p:ph type="pic" idx="13" sz="quarter"/>
-          </p:nvPr>
-        </p:nvSpPr>
-        <p:spPr/>
-      </p:sp>
-      <p:sp>
-        <p:nvSpPr>
-          <p:cNvPr id="4" name="Text Placeholder 3"/>
-          <p:cNvSpPr>
-            <a:spLocks noGrp="1"/>
-          </p:cNvSpPr>
-          <p:nvPr>
-            <p:ph type="body" idx="14" sz="quarter"/>
-          </p:nvPr>
-        </p:nvSpPr>
-        <p:spPr/>
-        <p:txBody>
-          <a:bodyPr/>
-          <a:lstStyle/>
-          <a:p>
-            <a:pPr/>
-            <a:r>
-              <a:rPr b="1"/>
-              <a:t>Skills Development</a:t>
-            </a:r>
-            <a:r>
-              <a:t>: 78 team members achieved HashiCorp certifications</a:t>
-            </a:r>
-          </a:p>
-          <a:p>
-            <a:pPr/>
-            <a:r>
-              <a:rPr b="1"/>
-              <a:t>Process Standardization</a:t>
-            </a:r>
-            <a:r>
-              <a:t>: Established repeatable patterns for infrastructure automation</a:t>
-            </a:r>
-          </a:p>
-          <a:p>
-            <a:pPr/>
-            <a:r>
-              <a:rPr b="1"/>
-              <a:t>Knowledge Sharing</a:t>
-            </a:r>
-            <a:r>
-              <a:t>: Created center of excellence for IaC best practices</a:t>
-            </a:r>
-          </a:p>
-          <a:p>
-            <a:pPr/>
-            <a:r>
-              <a:rPr b="1"/>
-              <a:t>Innovation Culture</a:t>
-            </a:r>
-            <a:r>
-              <a:t>: Demonstrated value of automation and infrastructure as code</a:t>
-            </a:r>
-          </a:p>
-        </p:txBody>
-      </p:sp>
-    </p:spTree>
-  </p:cSld>
-  <p:clrMapOvr>
-    <a:masterClrMapping/>
-  </p:clrMapOvr>
-</p:sld>
-</file>
-
-<file path=ppt/slides/slide17.xml><?xml version="1.0" encoding="utf-8"?>
-<p:sld xmlns:a="http://schemas.openxmlformats.org/drawingml/2006/main" xmlns:p="http://schemas.openxmlformats.org/presentationml/2006/main" xmlns:r="http://schemas.openxmlformats.org/officeDocument/2006/relationships">
-  <p:cSld>
-    <p:spTree>
-      <p:nvGrpSpPr>
-        <p:cNvPr id="1" name=""/>
-        <p:cNvGrpSpPr/>
-        <p:nvPr/>
-      </p:nvGrpSpPr>
-      <p:grpSpPr/>
-      <p:sp>
-        <p:nvSpPr>
-          <p:cNvPr id="2" name="Text Placeholder 1"/>
-          <p:cNvSpPr>
-            <a:spLocks noGrp="1"/>
-          </p:cNvSpPr>
-          <p:nvPr>
-            <p:ph type="body" idx="10" sz="quarter"/>
-          </p:nvPr>
-        </p:nvSpPr>
-        <p:spPr/>
-        <p:txBody>
-          <a:bodyPr/>
-          <a:lstStyle/>
-          <a:p>
-            <a:r>
-              <a:t>Security Controls Implementation</a:t>
-            </a:r>
-          </a:p>
-        </p:txBody>
-      </p:sp>
-      <p:sp>
-        <p:nvSpPr>
-          <p:cNvPr id="3" name="Picture Placeholder 2"/>
-          <p:cNvSpPr>
-            <a:spLocks noGrp="1"/>
-          </p:cNvSpPr>
-          <p:nvPr>
-            <p:ph type="pic" idx="13" sz="quarter"/>
-          </p:nvPr>
-        </p:nvSpPr>
-        <p:spPr/>
-      </p:sp>
-      <p:sp>
-        <p:nvSpPr>
-          <p:cNvPr id="4" name="Text Placeholder 3"/>
-          <p:cNvSpPr>
-            <a:spLocks noGrp="1"/>
-          </p:cNvSpPr>
-          <p:nvPr>
-            <p:ph type="body" idx="14" sz="quarter"/>
-          </p:nvPr>
-        </p:nvSpPr>
-        <p:spPr/>
-        <p:txBody>
-          <a:bodyPr/>
-          <a:lstStyle/>
-          <a:p>
-            <a:pPr/>
-            <a:r>
-              <a:rPr b="1"/>
-              <a:t>Access Management</a:t>
-            </a:r>
-            <a:r>
-              <a:t>: Role-based access controls with principle of least privilege</a:t>
-            </a:r>
-          </a:p>
-          <a:p>
-            <a:pPr/>
-            <a:r>
-              <a:rPr b="1"/>
-              <a:t>Credential Security</a:t>
-            </a:r>
-            <a:r>
-              <a:t>: Integration with HashiCorp Vault for secure credential management</a:t>
-            </a:r>
-          </a:p>
-          <a:p>
-            <a:pPr/>
-            <a:r>
-              <a:rPr b="1"/>
-              <a:t>Network Security</a:t>
-            </a:r>
-            <a:r>
-              <a:t>: Private connectivity to cloud providers with secure communication</a:t>
-            </a:r>
-          </a:p>
-          <a:p>
-            <a:pPr/>
-            <a:r>
-              <a:rPr b="1"/>
-              <a:t>Audit Logging</a:t>
-            </a:r>
-            <a:r>
-              <a:t>: Comprehensive logging of all platform activities and changes</a:t>
-            </a:r>
-          </a:p>
-          <a:p>
-            <a:pPr/>
-            <a:r>
-              <a:rPr b="1"/>
-              <a:t>Encryption</a:t>
-            </a:r>
-            <a:r>
-              <a:t>: Encryption at rest and in transit for all sensitive data</a:t>
-            </a:r>
-          </a:p>
-        </p:txBody>
-      </p:sp>
-    </p:spTree>
-  </p:cSld>
-  <p:clrMapOvr>
-    <a:masterClrMapping/>
-  </p:clrMapOvr>
-</p:sld>
-</file>
-
-<file path=ppt/slides/slide18.xml><?xml version="1.0" encoding="utf-8"?>
-<p:sld xmlns:a="http://schemas.openxmlformats.org/drawingml/2006/main" xmlns:p="http://schemas.openxmlformats.org/presentationml/2006/main" xmlns:r="http://schemas.openxmlformats.org/officeDocument/2006/relationships">
-  <p:cSld>
-    <p:spTree>
-      <p:nvGrpSpPr>
-        <p:cNvPr id="1" name=""/>
-        <p:cNvGrpSpPr/>
-        <p:nvPr/>
-      </p:nvGrpSpPr>
-      <p:grpSpPr/>
-      <p:sp>
-        <p:nvSpPr>
-          <p:cNvPr id="2" name="Text Placeholder 1"/>
-          <p:cNvSpPr>
-            <a:spLocks noGrp="1"/>
-          </p:cNvSpPr>
-          <p:nvPr>
-            <p:ph type="body" idx="10" sz="quarter"/>
-          </p:nvPr>
-        </p:nvSpPr>
-        <p:spPr/>
-        <p:txBody>
-          <a:bodyPr/>
-          <a:lstStyle/>
-          <a:p>
-            <a:r>
-              <a:t>Compliance Achievements</a:t>
-            </a:r>
-          </a:p>
-        </p:txBody>
-      </p:sp>
-      <p:sp>
-        <p:nvSpPr>
-          <p:cNvPr id="3" name="Picture Placeholder 2"/>
-          <p:cNvSpPr>
-            <a:spLocks noGrp="1"/>
-          </p:cNvSpPr>
-          <p:nvPr>
-            <p:ph type="pic" idx="13" sz="quarter"/>
-          </p:nvPr>
-        </p:nvSpPr>
-        <p:spPr/>
-      </p:sp>
-      <p:sp>
-        <p:nvSpPr>
-          <p:cNvPr id="4" name="Text Placeholder 3"/>
-          <p:cNvSpPr>
-            <a:spLocks noGrp="1"/>
-          </p:cNvSpPr>
-          <p:nvPr>
-            <p:ph type="body" idx="14" sz="quarter"/>
-          </p:nvPr>
-        </p:nvSpPr>
-        <p:spPr/>
-        <p:txBody>
-          <a:bodyPr/>
-          <a:lstStyle/>
-          <a:p>
-            <a:pPr/>
-            <a:r>
-              <a:rPr b="1"/>
-              <a:t>SOC 2 Type II</a:t>
-            </a:r>
-            <a:r>
-              <a:t>: Achieved certification for security and availability controls</a:t>
-            </a:r>
-          </a:p>
-          <a:p>
-            <a:pPr/>
-            <a:r>
-              <a:rPr b="1"/>
-              <a:t>ISO 27001</a:t>
-            </a:r>
-            <a:r>
-              <a:t>: Implemented information security management system controls</a:t>
-            </a:r>
-          </a:p>
-          <a:p>
-            <a:pPr/>
-            <a:r>
-              <a:rPr b="1"/>
-              <a:t>Cloud Security</a:t>
-            </a:r>
-            <a:r>
-              <a:t>: Implemented cloud security best practices across all providers</a:t>
-            </a:r>
-          </a:p>
-          <a:p>
-            <a:pPr/>
-            <a:r>
-              <a:rPr b="1"/>
-              <a:t>Change Control</a:t>
-            </a:r>
-            <a:r>
-              <a:t>: Formal change control processes with approval workflows</a:t>
-            </a:r>
-          </a:p>
-          <a:p>
-            <a:pPr/>
-            <a:r>
-              <a:rPr b="1"/>
-              <a:t>Data Governance</a:t>
-            </a:r>
-            <a:r>
-              <a:t>: Comprehensive data classification and protection controls</a:t>
-            </a:r>
-          </a:p>
-        </p:txBody>
-      </p:sp>
-    </p:spTree>
-  </p:cSld>
-  <p:clrMapOvr>
-    <a:masterClrMapping/>
-  </p:clrMapOvr>
-</p:sld>
-</file>
-
-<file path=ppt/slides/slide19.xml><?xml version="1.0" encoding="utf-8"?>
-<p:sld xmlns:a="http://schemas.openxmlformats.org/drawingml/2006/main" xmlns:p="http://schemas.openxmlformats.org/presentationml/2006/main" xmlns:r="http://schemas.openxmlformats.org/officeDocument/2006/relationships">
-  <p:cSld>
-    <p:spTree>
-      <p:nvGrpSpPr>
-        <p:cNvPr id="1" name=""/>
-        <p:cNvGrpSpPr/>
-        <p:nvPr/>
-      </p:nvGrpSpPr>
-      <p:grpSpPr/>
-      <p:sp>
-        <p:nvSpPr>
-          <p:cNvPr id="2" name="Text Placeholder 1"/>
-          <p:cNvSpPr>
-            <a:spLocks noGrp="1"/>
-          </p:cNvSpPr>
-          <p:nvPr>
-            <p:ph type="body" idx="10" sz="quarter"/>
-          </p:nvPr>
-        </p:nvSpPr>
-        <p:spPr/>
-        <p:txBody>
-          <a:bodyPr/>
-          <a:lstStyle/>
-          <a:p>
-            <a:r>
-              <a:t>Policy as Code</a:t>
-            </a:r>
-          </a:p>
-        </p:txBody>
-      </p:sp>
-      <p:sp>
-        <p:nvSpPr>
-          <p:cNvPr id="3" name="Picture Placeholder 2"/>
-          <p:cNvSpPr>
-            <a:spLocks noGrp="1"/>
-          </p:cNvSpPr>
-          <p:nvPr>
-            <p:ph type="pic" idx="13" sz="quarter"/>
-          </p:nvPr>
-        </p:nvSpPr>
-        <p:spPr/>
-      </p:sp>
-      <p:sp>
-        <p:nvSpPr>
-          <p:cNvPr id="4" name="Text Placeholder 3"/>
-          <p:cNvSpPr>
-            <a:spLocks noGrp="1"/>
-          </p:cNvSpPr>
-          <p:nvPr>
-            <p:ph type="body" idx="14" sz="quarter"/>
-          </p:nvPr>
-        </p:nvSpPr>
-        <p:spPr/>
-        <p:txBody>
-          <a:bodyPr/>
-          <a:lstStyle/>
-          <a:p>
-            <a:pPr/>
-            <a:r>
-              <a:rPr b="1"/>
-              <a:t>Sentinel Policies</a:t>
-            </a:r>
-            <a:r>
-              <a:t>: 45+ policies enforcing security, compliance, and cost controls</a:t>
-            </a:r>
-          </a:p>
-          <a:p>
-            <a:pPr/>
-            <a:r>
-              <a:rPr b="1"/>
-              <a:t>Automated Enforcement</a:t>
-            </a:r>
-            <a:r>
-              <a:t>: Real-time policy enforcement during infrastructure planning</a:t>
-            </a:r>
-          </a:p>
-          <a:p>
-            <a:pPr/>
-            <a:r>
-              <a:rPr b="1"/>
-              <a:t>Policy Testing</a:t>
-            </a:r>
-            <a:r>
-              <a:t>: Comprehensive testing framework for policy validation</a:t>
-            </a:r>
-          </a:p>
-          <a:p>
-            <a:pPr/>
-            <a:r>
-              <a:rPr b="1"/>
-              <a:t>Exception Handling</a:t>
-            </a:r>
-            <a:r>
-              <a:t>: Controlled exception processes for legitimate policy violations</a:t>
-            </a:r>
-          </a:p>
-          <a:p>
-            <a:pPr/>
-            <a:r>
-              <a:rPr b="1"/>
-              <a:t>Compliance Reporting</a:t>
-            </a:r>
-            <a:r>
-              <a:t>: Automated compliance reporting with policy violation tracking</a:t>
-            </a:r>
-          </a:p>
-        </p:txBody>
-      </p:sp>
+      <p:pic>
+        <p:nvPicPr>
+          <p:cNvPr id="7" name="Picture 6" descr="client_logo.png"/>
+          <p:cNvPicPr>
+            <a:picLocks noChangeAspect="1"/>
+          </p:cNvPicPr>
+          <p:nvPr/>
+        </p:nvPicPr>
+        <p:blipFill>
+          <a:blip r:embed="rId3"/>
+          <a:stretch>
+            <a:fillRect/>
+          </a:stretch>
+        </p:blipFill>
+        <p:spPr>
+          <a:xfrm>
+            <a:off x="2180492" y="171206"/>
+            <a:ext cx="3978520" cy="1314694"/>
+          </a:xfrm>
+          <a:prstGeom prst="rect">
+            <a:avLst/>
+          </a:prstGeom>
+        </p:spPr>
+      </p:pic>
+      <p:pic>
+        <p:nvPicPr>
+          <p:cNvPr id="8" name="Picture 7" descr="consulting_company_logo.png"/>
+          <p:cNvPicPr>
+            <a:picLocks noChangeAspect="1"/>
+          </p:cNvPicPr>
+          <p:nvPr/>
+        </p:nvPicPr>
+        <p:blipFill>
+          <a:blip r:embed="rId4"/>
+          <a:stretch>
+            <a:fillRect/>
+          </a:stretch>
+        </p:blipFill>
+        <p:spPr>
+          <a:xfrm>
+            <a:off x="313592" y="4536078"/>
+            <a:ext cx="2164114" cy="529698"/>
+          </a:xfrm>
+          <a:prstGeom prst="rect">
+            <a:avLst/>
+          </a:prstGeom>
+        </p:spPr>
+      </p:pic>
+      <p:pic>
+        <p:nvPicPr>
+          <p:cNvPr id="9" name="Picture 8" descr="eo-framework-logo-real.png"/>
+          <p:cNvPicPr>
+            <a:picLocks noChangeAspect="1"/>
+          </p:cNvPicPr>
+          <p:nvPr/>
+        </p:nvPicPr>
+        <p:blipFill>
+          <a:blip r:embed="rId5"/>
+          <a:stretch>
+            <a:fillRect/>
+          </a:stretch>
+        </p:blipFill>
+        <p:spPr>
+          <a:xfrm>
+            <a:off x="6684264" y="4535424"/>
+            <a:ext cx="2139696" cy="530352"/>
+          </a:xfrm>
+          <a:prstGeom prst="rect">
+            <a:avLst/>
+          </a:prstGeom>
+        </p:spPr>
+      </p:pic>
     </p:spTree>
   </p:cSld>
   <p:clrMapOvr>
@@ -4378,7 +5871,7 @@
       <p:grpSpPr/>
       <p:sp>
         <p:nvSpPr>
-          <p:cNvPr id="2" name="Text Placeholder 1"/>
+          <p:cNvPr id="3" name="Text Placeholder 2"/>
           <p:cNvSpPr>
             <a:spLocks noGrp="1"/>
           </p:cNvSpPr>
@@ -4391,23 +5884,12 @@
           <a:bodyPr/>
           <a:lstStyle/>
           <a:p>
-            <a:r>
-              <a:t>Project Objectives Achievement</a:t>
+            <a:pPr algn="l"/>
+            <a:r>
+              <a:t>Executive Summary</a:t>
             </a:r>
           </a:p>
         </p:txBody>
-      </p:sp>
-      <p:sp>
-        <p:nvSpPr>
-          <p:cNvPr id="3" name="Picture Placeholder 2"/>
-          <p:cNvSpPr>
-            <a:spLocks noGrp="1"/>
-          </p:cNvSpPr>
-          <p:nvPr>
-            <p:ph type="pic" idx="13" sz="quarter"/>
-          </p:nvPr>
-        </p:nvSpPr>
-        <p:spPr/>
       </p:sp>
       <p:sp>
         <p:nvSpPr>
@@ -4427,80 +5909,82 @@
             <a:pPr/>
             <a:r>
               <a:rPr b="1"/>
-              <a:t>Infrastructure Automation</a:t>
-            </a:r>
-            <a:r>
-              <a:t>: Achieved 95% infrastructure automation across all cloud platforms</a:t>
+              <a:t>Project Duration:</a:t>
+            </a:r>
+            <a:r>
+              <a:t> 6 months, on schedule</a:t>
             </a:r>
           </a:p>
           <a:p>
             <a:pPr/>
             <a:r>
               <a:rPr b="1"/>
-              <a:t>Governance Implementation</a:t>
-            </a:r>
-            <a:r>
-              <a:t>: Deployed Sentinel policies with 100% compliance enforcement</a:t>
+              <a:t>Budget:</a:t>
+            </a:r>
+            <a:r>
+              <a:t> $116,576 Year 1 delivered on budget</a:t>
             </a:r>
           </a:p>
           <a:p>
             <a:pPr/>
             <a:r>
               <a:rPr b="1"/>
-              <a:t>Team Collaboration</a:t>
-            </a:r>
-            <a:r>
-              <a:t>: Enabled 150+ engineers across 25 teams with centralized IaC workflows</a:t>
+              <a:t>Go-Live Date:</a:t>
+            </a:r>
+            <a:r>
+              <a:t> Month 6 as planned</a:t>
             </a:r>
           </a:p>
           <a:p>
             <a:pPr/>
             <a:r>
               <a:rPr b="1"/>
-              <a:t>Multi-Cloud Management</a:t>
-            </a:r>
-            <a:r>
-              <a:t>: Unified infrastructure management across AWS, Azure, and GCP</a:t>
+              <a:t>Quality:</a:t>
+            </a:r>
+            <a:r>
+              <a:t> Zero critical defects at launch</a:t>
             </a:r>
           </a:p>
           <a:p>
             <a:pPr/>
             <a:r>
               <a:rPr b="1"/>
-              <a:t>Cost Optimization</a:t>
-            </a:r>
-            <a:r>
-              <a:t>: Delivered 42% reduction in infrastructure provisioning costs</a:t>
+              <a:t>Provisioning Time:</a:t>
+            </a:r>
+            <a:r>
+              <a:t> 82% reduction achieved</a:t>
+            </a:r>
+          </a:p>
+          <a:p>
+            <a:pPr/>
+            <a:r>
+              <a:rPr b="1"/>
+              <a:t>Policy Compliance:</a:t>
+            </a:r>
+            <a:r>
+              <a:t> 100% (target: 100%)</a:t>
+            </a:r>
+          </a:p>
+          <a:p>
+            <a:pPr/>
+            <a:r>
+              <a:rPr b="1"/>
+              <a:t>ROI Status:</a:t>
+            </a:r>
+            <a:r>
+              <a:t> On track for 12-month payback</a:t>
             </a:r>
           </a:p>
         </p:txBody>
       </p:sp>
-    </p:spTree>
-  </p:cSld>
-  <p:clrMapOvr>
-    <a:masterClrMapping/>
-  </p:clrMapOvr>
-</p:sld>
-</file>
-
-<file path=ppt/slides/slide20.xml><?xml version="1.0" encoding="utf-8"?>
-<p:sld xmlns:a="http://schemas.openxmlformats.org/drawingml/2006/main" xmlns:p="http://schemas.openxmlformats.org/presentationml/2006/main" xmlns:r="http://schemas.openxmlformats.org/officeDocument/2006/relationships">
-  <p:cSld>
-    <p:spTree>
-      <p:nvGrpSpPr>
-        <p:cNvPr id="1" name=""/>
-        <p:cNvGrpSpPr/>
-        <p:nvPr/>
-      </p:nvGrpSpPr>
-      <p:grpSpPr/>
-      <p:sp>
-        <p:nvSpPr>
-          <p:cNvPr id="2" name="Text Placeholder 1"/>
+      <p:sp>
+        <p:nvSpPr>
+          <p:cNvPr id="5" name="Text Placeholder 4"/>
           <p:cNvSpPr>
             <a:spLocks noGrp="1"/>
           </p:cNvSpPr>
           <p:nvPr>
-            <p:ph type="body" idx="10" sz="quarter"/>
+            <p:ph type="body" idx="15" sz="quarter"/>
           </p:nvPr>
         </p:nvSpPr>
         <p:spPr/>
@@ -4508,1014 +5992,44 @@
           <a:bodyPr/>
           <a:lstStyle/>
           <a:p>
-            <a:r>
-              <a:t>Cost Management Strategy</a:t>
+            <a:pPr algn="r">
+              <a:buNone/>
+            </a:pPr>
+            <a:r>
+              <a:rPr sz="1100">
+                <a:solidFill>
+                  <a:srgbClr val="CC0000"/>
+                </a:solidFill>
+              </a:rPr>
+              <a:t>HashiCorp Terraform Enterprise</a:t>
             </a:r>
           </a:p>
         </p:txBody>
       </p:sp>
-      <p:sp>
-        <p:nvSpPr>
-          <p:cNvPr id="3" name="Picture Placeholder 2"/>
-          <p:cNvSpPr>
-            <a:spLocks noGrp="1"/>
-          </p:cNvSpPr>
-          <p:nvPr>
-            <p:ph type="pic" idx="14" sz="quarter"/>
-          </p:nvPr>
-        </p:nvSpPr>
-        <p:spPr/>
-      </p:sp>
-      <p:sp>
-        <p:nvSpPr>
-          <p:cNvPr id="4" name="Chart Placeholder 3"/>
-          <p:cNvSpPr>
-            <a:spLocks noGrp="1"/>
-          </p:cNvSpPr>
-          <p:nvPr>
-            <p:ph type="chart" idx="15" sz="quarter"/>
-          </p:nvPr>
-        </p:nvSpPr>
-        <p:spPr/>
-      </p:sp>
-      <p:sp>
-        <p:nvSpPr>
-          <p:cNvPr id="5" name="Content Placeholder 4"/>
-          <p:cNvSpPr>
-            <a:spLocks noGrp="1"/>
-          </p:cNvSpPr>
-          <p:nvPr>
-            <p:ph idx="16" sz="quarter"/>
-          </p:nvPr>
-        </p:nvSpPr>
-        <p:spPr/>
-        <p:txBody>
-          <a:bodyPr/>
-          <a:lstStyle/>
-          <a:p/>
-        </p:txBody>
-      </p:sp>
-    </p:spTree>
-  </p:cSld>
-  <p:clrMapOvr>
-    <a:masterClrMapping/>
-  </p:clrMapOvr>
-</p:sld>
-</file>
-
-<file path=ppt/slides/slide21.xml><?xml version="1.0" encoding="utf-8"?>
-<p:sld xmlns:a="http://schemas.openxmlformats.org/drawingml/2006/main" xmlns:p="http://schemas.openxmlformats.org/presentationml/2006/main" xmlns:r="http://schemas.openxmlformats.org/officeDocument/2006/relationships">
-  <p:cSld>
-    <p:spTree>
-      <p:nvGrpSpPr>
-        <p:cNvPr id="1" name=""/>
-        <p:cNvGrpSpPr/>
-        <p:nvPr/>
-      </p:nvGrpSpPr>
-      <p:grpSpPr/>
-      <p:sp>
-        <p:nvSpPr>
-          <p:cNvPr id="2" name="Text Placeholder 1"/>
-          <p:cNvSpPr>
-            <a:spLocks noGrp="1"/>
-          </p:cNvSpPr>
-          <p:nvPr>
-            <p:ph type="body" idx="10" sz="quarter"/>
-          </p:nvPr>
-        </p:nvSpPr>
-        <p:spPr/>
-        <p:txBody>
-          <a:bodyPr/>
-          <a:lstStyle/>
-          <a:p>
-            <a:r>
-              <a:t>Financial Governance</a:t>
-            </a:r>
-          </a:p>
-        </p:txBody>
-      </p:sp>
-      <p:sp>
-        <p:nvSpPr>
-          <p:cNvPr id="3" name="Picture Placeholder 2"/>
-          <p:cNvSpPr>
-            <a:spLocks noGrp="1"/>
-          </p:cNvSpPr>
-          <p:nvPr>
-            <p:ph type="pic" idx="13" sz="quarter"/>
-          </p:nvPr>
-        </p:nvSpPr>
-        <p:spPr/>
-      </p:sp>
-      <p:sp>
-        <p:nvSpPr>
-          <p:cNvPr id="4" name="Text Placeholder 3"/>
-          <p:cNvSpPr>
-            <a:spLocks noGrp="1"/>
-          </p:cNvSpPr>
-          <p:nvPr>
-            <p:ph type="body" idx="14" sz="quarter"/>
-          </p:nvPr>
-        </p:nvSpPr>
-        <p:spPr/>
-        <p:txBody>
-          <a:bodyPr/>
-          <a:lstStyle/>
-          <a:p>
-            <a:pPr/>
-            <a:r>
-              <a:rPr b="1"/>
-              <a:t>Budget Management</a:t>
-            </a:r>
-            <a:r>
-              <a:t>: Project and team-level budgets with automated enforcement</a:t>
-            </a:r>
-          </a:p>
-          <a:p>
-            <a:pPr/>
-            <a:r>
-              <a:rPr b="1"/>
-              <a:t>Cost Forecasting</a:t>
-            </a:r>
-            <a:r>
-              <a:t>: Predictive analytics for infrastructure cost planning</a:t>
-            </a:r>
-          </a:p>
-          <a:p>
-            <a:pPr/>
-            <a:r>
-              <a:rPr b="1"/>
-              <a:t>Spend Analysis</a:t>
-            </a:r>
-            <a:r>
-              <a:t>: Detailed spend analysis with optimization recommendations</a:t>
-            </a:r>
-          </a:p>
-          <a:p>
-            <a:pPr/>
-            <a:r>
-              <a:rPr b="1"/>
-              <a:t>Chargebacks</a:t>
-            </a:r>
-            <a:r>
-              <a:t>: Automated chargeback system with accurate cost attribution</a:t>
-            </a:r>
-          </a:p>
-          <a:p>
-            <a:pPr/>
-            <a:r>
-              <a:rPr b="1"/>
-              <a:t>Financial Reporting</a:t>
-            </a:r>
-            <a:r>
-              <a:t>: Executive dashboards with real-time cost and usage metrics</a:t>
-            </a:r>
-          </a:p>
-        </p:txBody>
-      </p:sp>
-    </p:spTree>
-  </p:cSld>
-  <p:clrMapOvr>
-    <a:masterClrMapping/>
-  </p:clrMapOvr>
-</p:sld>
-</file>
-
-<file path=ppt/slides/slide22.xml><?xml version="1.0" encoding="utf-8"?>
-<p:sld xmlns:a="http://schemas.openxmlformats.org/drawingml/2006/main" xmlns:p="http://schemas.openxmlformats.org/presentationml/2006/main" xmlns:r="http://schemas.openxmlformats.org/officeDocument/2006/relationships">
-  <p:cSld>
-    <p:spTree>
-      <p:nvGrpSpPr>
-        <p:cNvPr id="1" name=""/>
-        <p:cNvGrpSpPr/>
-        <p:nvPr/>
-      </p:nvGrpSpPr>
-      <p:grpSpPr/>
-      <p:sp>
-        <p:nvSpPr>
-          <p:cNvPr id="2" name="Text Placeholder 1"/>
-          <p:cNvSpPr>
-            <a:spLocks noGrp="1"/>
-          </p:cNvSpPr>
-          <p:nvPr>
-            <p:ph type="body" idx="10" sz="quarter"/>
-          </p:nvPr>
-        </p:nvSpPr>
-        <p:spPr/>
-        <p:txBody>
-          <a:bodyPr/>
-          <a:lstStyle/>
-          <a:p>
-            <a:r>
-              <a:t>Operational Excellence</a:t>
-            </a:r>
-          </a:p>
-        </p:txBody>
-      </p:sp>
-      <p:sp>
-        <p:nvSpPr>
-          <p:cNvPr id="3" name="Picture Placeholder 2"/>
-          <p:cNvSpPr>
-            <a:spLocks noGrp="1"/>
-          </p:cNvSpPr>
-          <p:nvPr>
-            <p:ph type="pic" idx="13" sz="quarter"/>
-          </p:nvPr>
-        </p:nvSpPr>
-        <p:spPr/>
-      </p:sp>
-      <p:sp>
-        <p:nvSpPr>
-          <p:cNvPr id="4" name="Text Placeholder 3"/>
-          <p:cNvSpPr>
-            <a:spLocks noGrp="1"/>
-          </p:cNvSpPr>
-          <p:nvPr>
-            <p:ph type="body" idx="14" sz="quarter"/>
-          </p:nvPr>
-        </p:nvSpPr>
-        <p:spPr/>
-        <p:txBody>
-          <a:bodyPr/>
-          <a:lstStyle/>
-          <a:p>
-            <a:pPr/>
-            <a:r>
-              <a:rPr b="1"/>
-              <a:t>24/7 Monitoring</a:t>
-            </a:r>
-            <a:r>
-              <a:t>: Comprehensive monitoring with intelligent alerting</a:t>
-            </a:r>
-          </a:p>
-          <a:p>
-            <a:pPr/>
-            <a:r>
-              <a:rPr b="1"/>
-              <a:t>Backup and Recovery</a:t>
-            </a:r>
-            <a:r>
-              <a:t>: Automated backup with 4-hour recovery capabilities</a:t>
-            </a:r>
-          </a:p>
-          <a:p>
-            <a:pPr/>
-            <a:r>
-              <a:rPr b="1"/>
-              <a:t>Capacity Management</a:t>
-            </a:r>
-            <a:r>
-              <a:t>: Proactive capacity planning based on usage trends</a:t>
-            </a:r>
-          </a:p>
-          <a:p>
-            <a:pPr/>
-            <a:r>
-              <a:rPr b="1"/>
-              <a:t>Performance Optimization</a:t>
-            </a:r>
-            <a:r>
-              <a:t>: Continuous performance tuning and optimization</a:t>
-            </a:r>
-          </a:p>
-          <a:p>
-            <a:pPr/>
-            <a:r>
-              <a:rPr b="1"/>
-              <a:t>Security Updates</a:t>
-            </a:r>
-            <a:r>
-              <a:t>: Automated security patching with minimal downtime</a:t>
-            </a:r>
-          </a:p>
-        </p:txBody>
-      </p:sp>
-    </p:spTree>
-  </p:cSld>
-  <p:clrMapOvr>
-    <a:masterClrMapping/>
-  </p:clrMapOvr>
-</p:sld>
-</file>
-
-<file path=ppt/slides/slide23.xml><?xml version="1.0" encoding="utf-8"?>
-<p:sld xmlns:a="http://schemas.openxmlformats.org/drawingml/2006/main" xmlns:p="http://schemas.openxmlformats.org/presentationml/2006/main" xmlns:r="http://schemas.openxmlformats.org/officeDocument/2006/relationships">
-  <p:cSld>
-    <p:spTree>
-      <p:nvGrpSpPr>
-        <p:cNvPr id="1" name=""/>
-        <p:cNvGrpSpPr/>
-        <p:nvPr/>
-      </p:nvGrpSpPr>
-      <p:grpSpPr/>
-      <p:sp>
-        <p:nvSpPr>
-          <p:cNvPr id="2" name="Text Placeholder 1"/>
-          <p:cNvSpPr>
-            <a:spLocks noGrp="1"/>
-          </p:cNvSpPr>
-          <p:nvPr>
-            <p:ph type="body" idx="10" sz="quarter"/>
-          </p:nvPr>
-        </p:nvSpPr>
-        <p:spPr/>
-        <p:txBody>
-          <a:bodyPr/>
-          <a:lstStyle/>
-          <a:p>
-            <a:r>
-              <a:t>Support Framework</a:t>
-            </a:r>
-          </a:p>
-        </p:txBody>
-      </p:sp>
-      <p:sp>
-        <p:nvSpPr>
-          <p:cNvPr id="3" name="Picture Placeholder 2"/>
-          <p:cNvSpPr>
-            <a:spLocks noGrp="1"/>
-          </p:cNvSpPr>
-          <p:nvPr>
-            <p:ph type="pic" idx="13" sz="quarter"/>
-          </p:nvPr>
-        </p:nvSpPr>
-        <p:spPr/>
-      </p:sp>
-      <p:sp>
-        <p:nvSpPr>
-          <p:cNvPr id="4" name="Text Placeholder 3"/>
-          <p:cNvSpPr>
-            <a:spLocks noGrp="1"/>
-          </p:cNvSpPr>
-          <p:nvPr>
-            <p:ph type="body" idx="14" sz="quarter"/>
-          </p:nvPr>
-        </p:nvSpPr>
-        <p:spPr/>
-        <p:txBody>
-          <a:bodyPr/>
-          <a:lstStyle/>
-          <a:p>
-            <a:pPr/>
-            <a:r>
-              <a:rPr b="1"/>
-              <a:t>Technical Support</a:t>
-            </a:r>
-            <a:r>
-              <a:t>: Dedicated HashiCorp support with 4-hour response SLA</a:t>
-            </a:r>
-          </a:p>
-          <a:p>
-            <a:pPr/>
-            <a:r>
-              <a:rPr b="1"/>
-              <a:t>Expert Services</a:t>
-            </a:r>
-            <a:r>
-              <a:t>: Access to HashiCorp Professional Services for complex scenarios</a:t>
-            </a:r>
-          </a:p>
-          <a:p>
-            <a:pPr/>
-            <a:r>
-              <a:rPr b="1"/>
-              <a:t>Documentation</a:t>
-            </a:r>
-            <a:r>
-              <a:t>: Comprehensive operational runbooks and troubleshooting guides</a:t>
-            </a:r>
-          </a:p>
-          <a:p>
-            <a:pPr/>
-            <a:r>
-              <a:rPr b="1"/>
-              <a:t>Training Program</a:t>
-            </a:r>
-            <a:r>
-              <a:t>: Ongoing certification program for platform administrators</a:t>
-            </a:r>
-          </a:p>
-          <a:p>
-            <a:pPr/>
-            <a:r>
-              <a:rPr b="1"/>
-              <a:t>Community Engagement</a:t>
-            </a:r>
-            <a:r>
-              <a:t>: Active participation in HashiCorp user community</a:t>
-            </a:r>
-          </a:p>
-        </p:txBody>
-      </p:sp>
-    </p:spTree>
-  </p:cSld>
-  <p:clrMapOvr>
-    <a:masterClrMapping/>
-  </p:clrMapOvr>
-</p:sld>
-</file>
-
-<file path=ppt/slides/slide24.xml><?xml version="1.0" encoding="utf-8"?>
-<p:sld xmlns:a="http://schemas.openxmlformats.org/drawingml/2006/main" xmlns:p="http://schemas.openxmlformats.org/presentationml/2006/main" xmlns:r="http://schemas.openxmlformats.org/officeDocument/2006/relationships">
-  <p:cSld>
-    <p:spTree>
-      <p:nvGrpSpPr>
-        <p:cNvPr id="1" name=""/>
-        <p:cNvGrpSpPr/>
-        <p:nvPr/>
-      </p:nvGrpSpPr>
-      <p:grpSpPr/>
-      <p:sp>
-        <p:nvSpPr>
-          <p:cNvPr id="2" name="Text Placeholder 1"/>
-          <p:cNvSpPr>
-            <a:spLocks noGrp="1"/>
-          </p:cNvSpPr>
-          <p:nvPr>
-            <p:ph type="body" idx="10" sz="quarter"/>
-          </p:nvPr>
-        </p:nvSpPr>
-        <p:spPr/>
-        <p:txBody>
-          <a:bodyPr/>
-          <a:lstStyle/>
-          <a:p>
-            <a:pPr algn="l"/>
-            <a:r>
-              <a:rPr b="1"/>
-              <a:t>Future Enhancement Roadmap</a:t>
-            </a:r>
-          </a:p>
-        </p:txBody>
-      </p:sp>
-      <p:sp>
-        <p:nvSpPr>
-          <p:cNvPr id="3" name="Picture Placeholder 2"/>
-          <p:cNvSpPr>
-            <a:spLocks noGrp="1"/>
-          </p:cNvSpPr>
-          <p:nvPr>
-            <p:ph type="pic" idx="13" sz="quarter"/>
-          </p:nvPr>
-        </p:nvSpPr>
-        <p:spPr/>
-      </p:sp>
-      <p:sp>
-        <p:nvSpPr>
-          <p:cNvPr id="4" name="Table Placeholder 3"/>
-          <p:cNvSpPr>
-            <a:spLocks noGrp="1"/>
-          </p:cNvSpPr>
-          <p:nvPr>
-            <p:ph type="tbl" idx="14" sz="quarter"/>
-          </p:nvPr>
-        </p:nvSpPr>
-        <p:spPr/>
-      </p:sp>
-    </p:spTree>
-  </p:cSld>
-  <p:clrMapOvr>
-    <a:masterClrMapping/>
-  </p:clrMapOvr>
-</p:sld>
-</file>
-
-<file path=ppt/slides/slide25.xml><?xml version="1.0" encoding="utf-8"?>
-<p:sld xmlns:a="http://schemas.openxmlformats.org/drawingml/2006/main" xmlns:p="http://schemas.openxmlformats.org/presentationml/2006/main" xmlns:r="http://schemas.openxmlformats.org/officeDocument/2006/relationships">
-  <p:cSld>
-    <p:spTree>
-      <p:nvGrpSpPr>
-        <p:cNvPr id="1" name=""/>
-        <p:cNvGrpSpPr/>
-        <p:nvPr/>
-      </p:nvGrpSpPr>
-      <p:grpSpPr/>
-      <p:sp>
-        <p:nvSpPr>
-          <p:cNvPr id="2" name="Text Placeholder 1"/>
-          <p:cNvSpPr>
-            <a:spLocks noGrp="1"/>
-          </p:cNvSpPr>
-          <p:nvPr>
-            <p:ph type="body" idx="10" sz="quarter"/>
-          </p:nvPr>
-        </p:nvSpPr>
-        <p:spPr/>
-        <p:txBody>
-          <a:bodyPr/>
-          <a:lstStyle/>
-          <a:p>
-            <a:r>
-              <a:t>Operational Risk Controls</a:t>
-            </a:r>
-          </a:p>
-        </p:txBody>
-      </p:sp>
-      <p:sp>
-        <p:nvSpPr>
-          <p:cNvPr id="3" name="Picture Placeholder 2"/>
-          <p:cNvSpPr>
-            <a:spLocks noGrp="1"/>
-          </p:cNvSpPr>
-          <p:nvPr>
-            <p:ph type="pic" idx="13" sz="quarter"/>
-          </p:nvPr>
-        </p:nvSpPr>
-        <p:spPr/>
-      </p:sp>
-      <p:sp>
-        <p:nvSpPr>
-          <p:cNvPr id="4" name="Text Placeholder 3"/>
-          <p:cNvSpPr>
-            <a:spLocks noGrp="1"/>
-          </p:cNvSpPr>
-          <p:nvPr>
-            <p:ph type="body" idx="14" sz="quarter"/>
-          </p:nvPr>
-        </p:nvSpPr>
-        <p:spPr/>
-        <p:txBody>
-          <a:bodyPr/>
-          <a:lstStyle/>
-          <a:p>
-            <a:pPr/>
-            <a:r>
-              <a:rPr b="1"/>
-              <a:t>Change Management</a:t>
-            </a:r>
-            <a:r>
-              <a:t>: Rigorous change control with automated testing and rollback</a:t>
-            </a:r>
-          </a:p>
-          <a:p>
-            <a:pPr/>
-            <a:r>
-              <a:rPr b="1"/>
-              <a:t>Access Management</a:t>
-            </a:r>
-            <a:r>
-              <a:t>: Regular access reviews with automated deprovisioning</a:t>
-            </a:r>
-          </a:p>
-          <a:p>
-            <a:pPr/>
-            <a:r>
-              <a:rPr b="1"/>
-              <a:t>Disaster Recovery</a:t>
-            </a:r>
-            <a:r>
-              <a:t>: Multi-region deployment with automated failover capabilities</a:t>
-            </a:r>
-          </a:p>
-          <a:p>
-            <a:pPr/>
-            <a:r>
-              <a:rPr b="1"/>
-              <a:t>Business Continuity</a:t>
-            </a:r>
-            <a:r>
-              <a:t>: Comprehensive business continuity planning with regular testing</a:t>
-            </a:r>
-          </a:p>
-        </p:txBody>
-      </p:sp>
-    </p:spTree>
-  </p:cSld>
-  <p:clrMapOvr>
-    <a:masterClrMapping/>
-  </p:clrMapOvr>
-</p:sld>
-</file>
-
-<file path=ppt/slides/slide26.xml><?xml version="1.0" encoding="utf-8"?>
-<p:sld xmlns:a="http://schemas.openxmlformats.org/drawingml/2006/main" xmlns:p="http://schemas.openxmlformats.org/presentationml/2006/main" xmlns:r="http://schemas.openxmlformats.org/officeDocument/2006/relationships">
-  <p:cSld>
-    <p:spTree>
-      <p:nvGrpSpPr>
-        <p:cNvPr id="1" name=""/>
-        <p:cNvGrpSpPr/>
-        <p:nvPr/>
-      </p:nvGrpSpPr>
-      <p:grpSpPr/>
-      <p:sp>
-        <p:nvSpPr>
-          <p:cNvPr id="2" name="Text Placeholder 1"/>
-          <p:cNvSpPr>
-            <a:spLocks noGrp="1"/>
-          </p:cNvSpPr>
-          <p:nvPr>
-            <p:ph type="body" idx="10" sz="quarter"/>
-          </p:nvPr>
-        </p:nvSpPr>
-        <p:spPr/>
-        <p:txBody>
-          <a:bodyPr/>
-          <a:lstStyle/>
-          <a:p>
-            <a:r>
-              <a:t>Technology Risk Management</a:t>
-            </a:r>
-          </a:p>
-        </p:txBody>
-      </p:sp>
-      <p:sp>
-        <p:nvSpPr>
-          <p:cNvPr id="3" name="Picture Placeholder 2"/>
-          <p:cNvSpPr>
-            <a:spLocks noGrp="1"/>
-          </p:cNvSpPr>
-          <p:nvPr>
-            <p:ph type="pic" idx="13" sz="quarter"/>
-          </p:nvPr>
-        </p:nvSpPr>
-        <p:spPr/>
-      </p:sp>
-      <p:sp>
-        <p:nvSpPr>
-          <p:cNvPr id="4" name="Text Placeholder 3"/>
-          <p:cNvSpPr>
-            <a:spLocks noGrp="1"/>
-          </p:cNvSpPr>
-          <p:nvPr>
-            <p:ph type="body" idx="14" sz="quarter"/>
-          </p:nvPr>
-        </p:nvSpPr>
-        <p:spPr/>
-        <p:txBody>
-          <a:bodyPr/>
-          <a:lstStyle/>
-          <a:p>
-            <a:pPr/>
-            <a:r>
-              <a:rPr b="1"/>
-              <a:t>Vendor Management</a:t>
-            </a:r>
-            <a:r>
-              <a:t>: Diversified automation strategy reducing vendor dependency</a:t>
-            </a:r>
-          </a:p>
-          <a:p>
-            <a:pPr/>
-            <a:r>
-              <a:rPr b="1"/>
-              <a:t>Technology Currency</a:t>
-            </a:r>
-            <a:r>
-              <a:t>: Regular platform updates maintaining current versions</a:t>
-            </a:r>
-          </a:p>
-          <a:p>
-            <a:pPr/>
-            <a:r>
-              <a:rPr b="1"/>
-              <a:t>Security Monitoring</a:t>
-            </a:r>
-            <a:r>
-              <a:t>: Continuous security monitoring with threat intelligence</a:t>
-            </a:r>
-          </a:p>
-          <a:p>
-            <a:pPr/>
-            <a:r>
-              <a:rPr b="1"/>
-              <a:t>Compliance Monitoring</a:t>
-            </a:r>
-            <a:r>
-              <a:t>: Automated compliance monitoring with exception reporting</a:t>
-            </a:r>
-          </a:p>
-        </p:txBody>
-      </p:sp>
-    </p:spTree>
-  </p:cSld>
-  <p:clrMapOvr>
-    <a:masterClrMapping/>
-  </p:clrMapOvr>
-</p:sld>
-</file>
-
-<file path=ppt/slides/slide27.xml><?xml version="1.0" encoding="utf-8"?>
-<p:sld xmlns:a="http://schemas.openxmlformats.org/drawingml/2006/main" xmlns:p="http://schemas.openxmlformats.org/presentationml/2006/main" xmlns:r="http://schemas.openxmlformats.org/officeDocument/2006/relationships">
-  <p:cSld>
-    <p:spTree>
-      <p:nvGrpSpPr>
-        <p:cNvPr id="1" name=""/>
-        <p:cNvGrpSpPr/>
-        <p:nvPr/>
-      </p:nvGrpSpPr>
-      <p:grpSpPr/>
-      <p:sp>
-        <p:nvSpPr>
-          <p:cNvPr id="2" name="Text Placeholder 1"/>
-          <p:cNvSpPr>
-            <a:spLocks noGrp="1"/>
-          </p:cNvSpPr>
-          <p:nvPr>
-            <p:ph type="body" idx="10" sz="quarter"/>
-          </p:nvPr>
-        </p:nvSpPr>
-        <p:spPr/>
-        <p:txBody>
-          <a:bodyPr/>
-          <a:lstStyle/>
-          <a:p>
-            <a:r>
-              <a:t>Skills Development Program</a:t>
-            </a:r>
-          </a:p>
-        </p:txBody>
-      </p:sp>
-      <p:sp>
-        <p:nvSpPr>
-          <p:cNvPr id="3" name="Picture Placeholder 2"/>
-          <p:cNvSpPr>
-            <a:spLocks noGrp="1"/>
-          </p:cNvSpPr>
-          <p:nvPr>
-            <p:ph type="pic" idx="13" sz="quarter"/>
-          </p:nvPr>
-        </p:nvSpPr>
-        <p:spPr/>
-      </p:sp>
-      <p:sp>
-        <p:nvSpPr>
-          <p:cNvPr id="4" name="Text Placeholder 3"/>
-          <p:cNvSpPr>
-            <a:spLocks noGrp="1"/>
-          </p:cNvSpPr>
-          <p:nvPr>
-            <p:ph type="body" idx="14" sz="quarter"/>
-          </p:nvPr>
-        </p:nvSpPr>
-        <p:spPr/>
-        <p:txBody>
-          <a:bodyPr/>
-          <a:lstStyle/>
-          <a:p>
-            <a:pPr/>
-            <a:r>
-              <a:rPr b="1"/>
-              <a:t>Certification Program</a:t>
-            </a:r>
-            <a:r>
-              <a:t>: Comprehensive HashiCorp certification program for team members</a:t>
-            </a:r>
-          </a:p>
-          <a:p>
-            <a:pPr/>
-            <a:r>
-              <a:rPr b="1"/>
-              <a:t>Training Curriculum</a:t>
-            </a:r>
-            <a:r>
-              <a:t>: Structured learning path from beginner to advanced levels</a:t>
-            </a:r>
-          </a:p>
-          <a:p>
-            <a:pPr/>
-            <a:r>
-              <a:rPr b="1"/>
-              <a:t>Hands-On Labs</a:t>
-            </a:r>
-            <a:r>
-              <a:t>: Practical lab environment for skill development and testing</a:t>
-            </a:r>
-          </a:p>
-          <a:p>
-            <a:pPr/>
-            <a:r>
-              <a:rPr b="1"/>
-              <a:t>Mentorship Program</a:t>
-            </a:r>
-            <a:r>
-              <a:t>: Senior engineer mentorship for new team members</a:t>
-            </a:r>
-          </a:p>
-          <a:p>
-            <a:pPr/>
-            <a:r>
-              <a:rPr b="1"/>
-              <a:t>Knowledge Sharing</a:t>
-            </a:r>
-            <a:r>
-              <a:t>: Regular tech talks and best practice sharing sessions</a:t>
-            </a:r>
-          </a:p>
-        </p:txBody>
-      </p:sp>
-    </p:spTree>
-  </p:cSld>
-  <p:clrMapOvr>
-    <a:masterClrMapping/>
-  </p:clrMapOvr>
-</p:sld>
-</file>
-
-<file path=ppt/slides/slide28.xml><?xml version="1.0" encoding="utf-8"?>
-<p:sld xmlns:a="http://schemas.openxmlformats.org/drawingml/2006/main" xmlns:p="http://schemas.openxmlformats.org/presentationml/2006/main" xmlns:r="http://schemas.openxmlformats.org/officeDocument/2006/relationships">
-  <p:cSld>
-    <p:spTree>
-      <p:nvGrpSpPr>
-        <p:cNvPr id="1" name=""/>
-        <p:cNvGrpSpPr/>
-        <p:nvPr/>
-      </p:nvGrpSpPr>
-      <p:grpSpPr/>
-      <p:sp>
-        <p:nvSpPr>
-          <p:cNvPr id="2" name="Text Placeholder 1"/>
-          <p:cNvSpPr>
-            <a:spLocks noGrp="1"/>
-          </p:cNvSpPr>
-          <p:nvPr>
-            <p:ph type="body" idx="10" sz="quarter"/>
-          </p:nvPr>
-        </p:nvSpPr>
-        <p:spPr/>
-        <p:txBody>
-          <a:bodyPr/>
-          <a:lstStyle/>
-          <a:p>
-            <a:r>
-              <a:t>Center of Excellence</a:t>
-            </a:r>
-          </a:p>
-        </p:txBody>
-      </p:sp>
-      <p:sp>
-        <p:nvSpPr>
-          <p:cNvPr id="3" name="Picture Placeholder 2"/>
-          <p:cNvSpPr>
-            <a:spLocks noGrp="1"/>
-          </p:cNvSpPr>
-          <p:nvPr>
-            <p:ph type="pic" idx="13" sz="quarter"/>
-          </p:nvPr>
-        </p:nvSpPr>
-        <p:spPr/>
-      </p:sp>
-      <p:sp>
-        <p:nvSpPr>
-          <p:cNvPr id="4" name="Text Placeholder 3"/>
-          <p:cNvSpPr>
-            <a:spLocks noGrp="1"/>
-          </p:cNvSpPr>
-          <p:nvPr>
-            <p:ph type="body" idx="14" sz="quarter"/>
-          </p:nvPr>
-        </p:nvSpPr>
-        <p:spPr/>
-        <p:txBody>
-          <a:bodyPr/>
-          <a:lstStyle/>
-          <a:p>
-            <a:pPr/>
-            <a:r>
-              <a:rPr b="1"/>
-              <a:t>Best Practices</a:t>
-            </a:r>
-            <a:r>
-              <a:t>: Documented best practices for infrastructure automation</a:t>
-            </a:r>
-          </a:p>
-          <a:p>
-            <a:pPr/>
-            <a:r>
-              <a:rPr b="1"/>
-              <a:t>Reference Architectures</a:t>
-            </a:r>
-            <a:r>
-              <a:t>: Standard reference architectures for common patterns</a:t>
-            </a:r>
-          </a:p>
-          <a:p>
-            <a:pPr/>
-            <a:r>
-              <a:rPr b="1"/>
-              <a:t>Code Libraries</a:t>
-            </a:r>
-            <a:r>
-              <a:t>: Comprehensive library of tested and validated modules</a:t>
-            </a:r>
-          </a:p>
-          <a:p>
-            <a:pPr/>
-            <a:r>
-              <a:rPr b="1"/>
-              <a:t>Governance Framework</a:t>
-            </a:r>
-            <a:r>
-              <a:t>: Clear governance model for infrastructure as code</a:t>
-            </a:r>
-          </a:p>
-          <a:p>
-            <a:pPr/>
-            <a:r>
-              <a:rPr b="1"/>
-              <a:t>Innovation Lab</a:t>
-            </a:r>
-            <a:r>
-              <a:t>: Dedicated environment for evaluating new technologies and patterns</a:t>
-            </a:r>
-          </a:p>
-        </p:txBody>
-      </p:sp>
-    </p:spTree>
-  </p:cSld>
-  <p:clrMapOvr>
-    <a:masterClrMapping/>
-  </p:clrMapOvr>
-</p:sld>
-</file>
-
-<file path=ppt/slides/slide29.xml><?xml version="1.0" encoding="utf-8"?>
-<p:sld xmlns:a="http://schemas.openxmlformats.org/drawingml/2006/main" xmlns:p="http://schemas.openxmlformats.org/presentationml/2006/main" xmlns:r="http://schemas.openxmlformats.org/officeDocument/2006/relationships">
-  <p:cSld>
-    <p:spTree>
-      <p:nvGrpSpPr>
-        <p:cNvPr id="1" name=""/>
-        <p:cNvGrpSpPr/>
-        <p:nvPr/>
-      </p:nvGrpSpPr>
-      <p:grpSpPr/>
-      <p:sp>
-        <p:nvSpPr>
-          <p:cNvPr id="2" name="Text Placeholder 1"/>
-          <p:cNvSpPr>
-            <a:spLocks noGrp="1"/>
-          </p:cNvSpPr>
-          <p:nvPr>
-            <p:ph type="body" idx="10" sz="quarter"/>
-          </p:nvPr>
-        </p:nvSpPr>
-        <p:spPr/>
-        <p:txBody>
-          <a:bodyPr/>
-          <a:lstStyle/>
-          <a:p>
-            <a:r>
-              <a:t>Executive Endorsements</a:t>
-            </a:r>
-          </a:p>
-        </p:txBody>
-      </p:sp>
-      <p:sp>
-        <p:nvSpPr>
-          <p:cNvPr id="3" name="Picture Placeholder 2"/>
-          <p:cNvSpPr>
-            <a:spLocks noGrp="1"/>
-          </p:cNvSpPr>
-          <p:nvPr>
-            <p:ph type="pic" idx="13" sz="quarter"/>
-          </p:nvPr>
-        </p:nvSpPr>
-        <p:spPr/>
-      </p:sp>
-      <p:sp>
-        <p:nvSpPr>
-          <p:cNvPr id="4" name="Text Placeholder 3"/>
-          <p:cNvSpPr>
-            <a:spLocks noGrp="1"/>
-          </p:cNvSpPr>
-          <p:nvPr>
-            <p:ph type="body" idx="14" sz="quarter"/>
-          </p:nvPr>
-        </p:nvSpPr>
-        <p:spPr/>
-        <p:txBody>
-          <a:bodyPr/>
-          <a:lstStyle/>
-          <a:p>
-            <a:pPr/>
-            <a:r>
-              <a:rPr b="1"/>
-              <a:t>CEO</a:t>
-            </a:r>
-            <a:r>
-              <a:t>: "This platform has revolutionized our infrastructure management capabilities"</a:t>
-            </a:r>
-          </a:p>
-          <a:p>
-            <a:pPr/>
-            <a:r>
-              <a:rPr b="1"/>
-              <a:t>CTO</a:t>
-            </a:r>
-            <a:r>
-              <a:t>: "Outstanding implementation demonstrating the power of infrastructure automation"</a:t>
-            </a:r>
-          </a:p>
-          <a:p>
-            <a:pPr/>
-            <a:r>
-              <a:rPr b="1"/>
-              <a:t>CFO</a:t>
-            </a:r>
-            <a:r>
-              <a:t>: "Exceptional ROI with measurable cost savings and efficiency improvements"</a:t>
-            </a:r>
-          </a:p>
-        </p:txBody>
-      </p:sp>
+      <p:pic>
+        <p:nvPicPr>
+          <p:cNvPr id="6" name="Picture 5" descr="consulting_company_logo.png"/>
+          <p:cNvPicPr>
+            <a:picLocks noChangeAspect="1"/>
+          </p:cNvPicPr>
+          <p:nvPr/>
+        </p:nvPicPr>
+        <p:blipFill>
+          <a:blip r:embed="rId3"/>
+          <a:stretch>
+            <a:fillRect/>
+          </a:stretch>
+        </p:blipFill>
+        <p:spPr>
+          <a:xfrm>
+            <a:off x="313593" y="4536078"/>
+            <a:ext cx="2143858" cy="529698"/>
+          </a:xfrm>
+          <a:prstGeom prst="rect">
+            <a:avLst/>
+          </a:prstGeom>
+        </p:spPr>
+      </p:pic>
     </p:spTree>
   </p:cSld>
   <p:clrMapOvr>
@@ -5536,7 +6050,7 @@
       <p:grpSpPr/>
       <p:sp>
         <p:nvSpPr>
-          <p:cNvPr id="2" name="Text Placeholder 1"/>
+          <p:cNvPr id="3" name="Text Placeholder 2"/>
           <p:cNvSpPr>
             <a:spLocks noGrp="1"/>
           </p:cNvSpPr>
@@ -5549,32 +6063,112 @@
           <a:bodyPr/>
           <a:lstStyle/>
           <a:p>
-            <a:r>
-              <a:t>Core Terraform Enterprise Components</a:t>
+            <a:pPr algn="l"/>
+            <a:r>
+              <a:t>Solution Architecture</a:t>
             </a:r>
           </a:p>
         </p:txBody>
       </p:sp>
       <p:sp>
         <p:nvSpPr>
-          <p:cNvPr id="3" name="Picture Placeholder 2"/>
+          <p:cNvPr id="5" name="Text Placeholder 4"/>
           <p:cNvSpPr>
             <a:spLocks noGrp="1"/>
           </p:cNvSpPr>
           <p:nvPr>
-            <p:ph type="pic" idx="13" sz="quarter"/>
+            <p:ph type="body" idx="16" sz="quarter"/>
           </p:nvPr>
         </p:nvSpPr>
         <p:spPr/>
-      </p:sp>
-      <p:sp>
-        <p:nvSpPr>
-          <p:cNvPr id="4" name="Text Placeholder 3"/>
+        <p:txBody>
+          <a:bodyPr/>
+          <a:lstStyle/>
+          <a:p>
+            <a:pPr/>
+            <a:r>
+              <a:rPr b="1"/>
+              <a:t>Terraform Enterprise</a:t>
+            </a:r>
+          </a:p>
+          <a:p>
+            <a:pPr lvl="1"/>
+            <a:r>
+              <a:t>Kubernetes on AWS EKS (HA)</a:t>
+            </a:r>
+          </a:p>
+          <a:p>
+            <a:pPr lvl="1"/>
+            <a:r>
+              <a:t>PostgreSQL RDS state backend</a:t>
+            </a:r>
+          </a:p>
+          <a:p>
+            <a:pPr lvl="1"/>
+            <a:r>
+              <a:t>50 workspaces across AWS</a:t>
+            </a:r>
+          </a:p>
+          <a:p>
+            <a:pPr/>
+            <a:r>
+              <a:rPr b="1"/>
+              <a:t>Governance</a:t>
+            </a:r>
+          </a:p>
+          <a:p>
+            <a:pPr lvl="1"/>
+            <a:r>
+              <a:t>40 Sentinel policies enforced</a:t>
+            </a:r>
+          </a:p>
+          <a:p>
+            <a:pPr lvl="1"/>
+            <a:r>
+              <a:t>VCS integration with GitHub</a:t>
+            </a:r>
+          </a:p>
+          <a:p>
+            <a:pPr lvl="1"/>
+            <a:r>
+              <a:t>Self-service with approvals</a:t>
+            </a:r>
+          </a:p>
+          <a:p>
+            <a:pPr/>
+            <a:r>
+              <a:rPr b="1"/>
+              <a:t>Operations</a:t>
+            </a:r>
+          </a:p>
+          <a:p>
+            <a:pPr lvl="1"/>
+            <a:r>
+              <a:t>CloudWatch monitoring</a:t>
+            </a:r>
+          </a:p>
+          <a:p>
+            <a:pPr lvl="1"/>
+            <a:r>
+              <a:t>10 concurrent runs supported</a:t>
+            </a:r>
+          </a:p>
+          <a:p>
+            <a:pPr lvl="1"/>
+            <a:r>
+              <a:t>Vault dynamic credentials</a:t>
+            </a:r>
+          </a:p>
+        </p:txBody>
+      </p:sp>
+      <p:sp>
+        <p:nvSpPr>
+          <p:cNvPr id="6" name="Text Placeholder 5"/>
           <p:cNvSpPr>
             <a:spLocks noGrp="1"/>
           </p:cNvSpPr>
           <p:nvPr>
-            <p:ph type="body" idx="14" sz="quarter"/>
+            <p:ph type="body" idx="17" sz="quarter"/>
           </p:nvPr>
         </p:nvSpPr>
         <p:spPr/>
@@ -5582,398 +6176,74 @@
           <a:bodyPr/>
           <a:lstStyle/>
           <a:p>
-            <a:pPr/>
-            <a:r>
-              <a:rPr b="1"/>
-              <a:t>Terraform Enterprise Platform</a:t>
-            </a:r>
-            <a:r>
-              <a:t>: Centralized platform for infrastructure automation and collaboration</a:t>
-            </a:r>
-          </a:p>
-          <a:p>
-            <a:pPr/>
-            <a:r>
-              <a:rPr b="1"/>
-              <a:t>Workspace Management</a:t>
-            </a:r>
-            <a:r>
-              <a:t>: Organized workspaces for different environments and teams</a:t>
-            </a:r>
-          </a:p>
-          <a:p>
-            <a:pPr/>
-            <a:r>
-              <a:rPr b="1"/>
-              <a:t>State Management</a:t>
-            </a:r>
-            <a:r>
-              <a:t>: Secure, centralized state storage with locking and versioning</a:t>
-            </a:r>
-          </a:p>
-          <a:p>
-            <a:pPr/>
-            <a:r>
-              <a:rPr b="1"/>
-              <a:t>Sentinel Policy Engine</a:t>
-            </a:r>
-            <a:r>
-              <a:t>: Policy as code enforcement for governance and compliance</a:t>
-            </a:r>
-          </a:p>
-          <a:p>
-            <a:pPr/>
-            <a:r>
-              <a:rPr b="1"/>
-              <a:t>Private Module Registry</a:t>
-            </a:r>
-            <a:r>
-              <a:t>: Centralized repository for reusable infrastructure modules</a:t>
-            </a:r>
-          </a:p>
-          <a:p>
-            <a:pPr/>
-            <a:r>
-              <a:rPr b="1"/>
-              <a:t>VCS Integration</a:t>
-            </a:r>
-            <a:r>
-              <a:t>: Integration with GitLab, GitHub, and Bitbucket for version control</a:t>
-            </a:r>
-          </a:p>
-          <a:p>
-            <a:pPr/>
-            <a:r>
-              <a:rPr b="1"/>
-              <a:t>Run Environment</a:t>
-            </a:r>
-            <a:r>
-              <a:t>: Isolated execution environments for Terraform operations</a:t>
-            </a:r>
-          </a:p>
-          <a:p>
-            <a:pPr/>
-            <a:r>
-              <a:rPr b="1"/>
-              <a:t>API Integration</a:t>
-            </a:r>
-            <a:r>
-              <a:t>: RESTful APIs for programmatic access and integration</a:t>
+            <a:pPr algn="r">
+              <a:buNone/>
+            </a:pPr>
+            <a:r>
+              <a:rPr sz="1100">
+                <a:solidFill>
+                  <a:srgbClr val="CC0000"/>
+                </a:solidFill>
+              </a:rPr>
+              <a:t>HashiCorp Terraform Enterprise</a:t>
             </a:r>
           </a:p>
         </p:txBody>
       </p:sp>
-    </p:spTree>
-  </p:cSld>
-  <p:clrMapOvr>
-    <a:masterClrMapping/>
-  </p:clrMapOvr>
-</p:sld>
-</file>
-
-<file path=ppt/slides/slide30.xml><?xml version="1.0" encoding="utf-8"?>
-<p:sld xmlns:a="http://schemas.openxmlformats.org/drawingml/2006/main" xmlns:p="http://schemas.openxmlformats.org/presentationml/2006/main" xmlns:r="http://schemas.openxmlformats.org/officeDocument/2006/relationships">
-  <p:cSld>
-    <p:spTree>
-      <p:nvGrpSpPr>
-        <p:cNvPr id="1" name=""/>
-        <p:cNvGrpSpPr/>
-        <p:nvPr/>
-      </p:nvGrpSpPr>
-      <p:grpSpPr/>
-      <p:sp>
-        <p:nvSpPr>
-          <p:cNvPr id="2" name="Text Placeholder 1"/>
-          <p:cNvSpPr>
-            <a:spLocks noGrp="1"/>
-          </p:cNvSpPr>
-          <p:nvPr>
-            <p:ph type="body" idx="10" sz="quarter"/>
-          </p:nvPr>
-        </p:nvSpPr>
-        <p:spPr/>
-        <p:txBody>
-          <a:bodyPr/>
-          <a:lstStyle/>
-          <a:p>
-            <a:r>
-              <a:t>Industry Recognition</a:t>
-            </a:r>
-          </a:p>
-        </p:txBody>
-      </p:sp>
-      <p:sp>
-        <p:nvSpPr>
-          <p:cNvPr id="3" name="Picture Placeholder 2"/>
-          <p:cNvSpPr>
-            <a:spLocks noGrp="1"/>
-          </p:cNvSpPr>
-          <p:nvPr>
-            <p:ph type="pic" idx="13" sz="quarter"/>
-          </p:nvPr>
-        </p:nvSpPr>
-        <p:spPr/>
-      </p:sp>
-      <p:sp>
-        <p:nvSpPr>
-          <p:cNvPr id="4" name="Text Placeholder 3"/>
-          <p:cNvSpPr>
-            <a:spLocks noGrp="1"/>
-          </p:cNvSpPr>
-          <p:nvPr>
-            <p:ph type="body" idx="14" sz="quarter"/>
-          </p:nvPr>
-        </p:nvSpPr>
-        <p:spPr/>
-        <p:txBody>
-          <a:bodyPr/>
-          <a:lstStyle/>
-          <a:p>
-            <a:pPr/>
-            <a:r>
-              <a:rPr b="1"/>
-              <a:t>HashiCorp Partner Award</a:t>
-            </a:r>
-            <a:r>
-              <a:t>: Recognized as exemplary Terraform Enterprise implementation</a:t>
-            </a:r>
-          </a:p>
-          <a:p>
-            <a:pPr/>
-            <a:r>
-              <a:rPr b="1"/>
-              <a:t>Industry Benchmarks</a:t>
-            </a:r>
-            <a:r>
-              <a:t>: Infrastructure automation practices in top 5% of industry</a:t>
-            </a:r>
-          </a:p>
-          <a:p>
-            <a:pPr/>
-            <a:r>
-              <a:rPr b="1"/>
-              <a:t>Security Certification</a:t>
-            </a:r>
-            <a:r>
-              <a:t>: Achieved HashiCorp security specialization recognition</a:t>
-            </a:r>
-          </a:p>
-        </p:txBody>
-      </p:sp>
-    </p:spTree>
-  </p:cSld>
-  <p:clrMapOvr>
-    <a:masterClrMapping/>
-  </p:clrMapOvr>
-</p:sld>
-</file>
-
-<file path=ppt/slides/slide31.xml><?xml version="1.0" encoding="utf-8"?>
-<p:sld xmlns:a="http://schemas.openxmlformats.org/drawingml/2006/main" xmlns:p="http://schemas.openxmlformats.org/presentationml/2006/main" xmlns:r="http://schemas.openxmlformats.org/officeDocument/2006/relationships">
-  <p:cSld>
-    <p:spTree>
-      <p:nvGrpSpPr>
-        <p:cNvPr id="1" name=""/>
-        <p:cNvGrpSpPr/>
-        <p:nvPr/>
-      </p:nvGrpSpPr>
-      <p:grpSpPr/>
-      <p:sp>
-        <p:nvSpPr>
-          <p:cNvPr id="2" name="Text Placeholder 1"/>
-          <p:cNvSpPr>
-            <a:spLocks noGrp="1"/>
-          </p:cNvSpPr>
-          <p:nvPr>
-            <p:ph type="body" idx="10" sz="quarter"/>
-          </p:nvPr>
-        </p:nvSpPr>
-        <p:spPr/>
-        <p:txBody>
-          <a:bodyPr/>
-          <a:lstStyle/>
-          <a:p>
-            <a:r>
-              <a:t>Key Success Factors for Replication</a:t>
-            </a:r>
-          </a:p>
-        </p:txBody>
-      </p:sp>
-      <p:sp>
-        <p:nvSpPr>
-          <p:cNvPr id="3" name="Picture Placeholder 2"/>
-          <p:cNvSpPr>
-            <a:spLocks noGrp="1"/>
-          </p:cNvSpPr>
-          <p:nvPr>
-            <p:ph type="pic" idx="13" sz="quarter"/>
-          </p:nvPr>
-        </p:nvSpPr>
-        <p:spPr/>
-      </p:sp>
-      <p:sp>
-        <p:nvSpPr>
-          <p:cNvPr id="4" name="Text Placeholder 3"/>
-          <p:cNvSpPr>
-            <a:spLocks noGrp="1"/>
-          </p:cNvSpPr>
-          <p:nvPr>
-            <p:ph type="body" idx="14" sz="quarter"/>
-          </p:nvPr>
-        </p:nvSpPr>
-        <p:spPr/>
-        <p:txBody>
-          <a:bodyPr/>
-          <a:lstStyle/>
-          <a:p>
-            <a:pPr/>
-            <a:r>
-              <a:t>Executive Sponsorship: Strong leadership support for automation transformation</a:t>
-            </a:r>
-          </a:p>
-          <a:p>
-            <a:pPr/>
-            <a:r>
-              <a:t>Comprehensive Training: Investment in team skills and certification programs</a:t>
-            </a:r>
-          </a:p>
-          <a:p>
-            <a:pPr/>
-            <a:r>
-              <a:t>Governance First: Early implementation of policies and governance controls</a:t>
-            </a:r>
-          </a:p>
-          <a:p>
-            <a:pPr/>
-            <a:r>
-              <a:t>Iterative Approach: Phased implementation with continuous feedback and improvement</a:t>
-            </a:r>
-          </a:p>
-          <a:p>
-            <a:pPr/>
-            <a:r>
-              <a:t>Community Building: Establishment of center of excellence and knowledge sharing</a:t>
-            </a:r>
-          </a:p>
-        </p:txBody>
-      </p:sp>
-    </p:spTree>
-  </p:cSld>
-  <p:clrMapOvr>
-    <a:masterClrMapping/>
-  </p:clrMapOvr>
-</p:sld>
-</file>
-
-<file path=ppt/slides/slide32.xml><?xml version="1.0" encoding="utf-8"?>
-<p:sld xmlns:a="http://schemas.openxmlformats.org/drawingml/2006/main" xmlns:p="http://schemas.openxmlformats.org/presentationml/2006/main" xmlns:r="http://schemas.openxmlformats.org/officeDocument/2006/relationships">
-  <p:cSld>
-    <p:spTree>
-      <p:nvGrpSpPr>
-        <p:cNvPr id="1" name=""/>
-        <p:cNvGrpSpPr/>
-        <p:nvPr/>
-      </p:nvGrpSpPr>
-      <p:grpSpPr/>
-      <p:sp>
-        <p:nvSpPr>
-          <p:cNvPr id="2" name="Text Placeholder 1"/>
-          <p:cNvSpPr>
-            <a:spLocks noGrp="1"/>
-          </p:cNvSpPr>
-          <p:nvPr>
-            <p:ph type="body" idx="10" sz="quarter"/>
-          </p:nvPr>
-        </p:nvSpPr>
-        <p:spPr/>
-        <p:txBody>
-          <a:bodyPr/>
-          <a:lstStyle/>
-          <a:p>
-            <a:r>
-              <a:t>Strategic Recommendations</a:t>
-            </a:r>
-          </a:p>
-        </p:txBody>
-      </p:sp>
-      <p:sp>
-        <p:nvSpPr>
-          <p:cNvPr id="3" name="Picture Placeholder 2"/>
-          <p:cNvSpPr>
-            <a:spLocks noGrp="1"/>
-          </p:cNvSpPr>
-          <p:nvPr>
-            <p:ph type="pic" idx="13" sz="quarter"/>
-          </p:nvPr>
-        </p:nvSpPr>
-        <p:spPr/>
-      </p:sp>
-      <p:sp>
-        <p:nvSpPr>
-          <p:cNvPr id="4" name="Text Placeholder 3"/>
-          <p:cNvSpPr>
-            <a:spLocks noGrp="1"/>
-          </p:cNvSpPr>
-          <p:nvPr>
-            <p:ph type="body" idx="14" sz="quarter"/>
-          </p:nvPr>
-        </p:nvSpPr>
-        <p:spPr/>
-        <p:txBody>
-          <a:bodyPr/>
-          <a:lstStyle/>
-          <a:p>
-            <a:pPr/>
-            <a:r>
-              <a:rPr b="1"/>
-              <a:t>Advanced Automation</a:t>
-            </a:r>
-            <a:r>
-              <a:t>: Implement advanced automation patterns with service mesh integration</a:t>
-            </a:r>
-          </a:p>
-          <a:p>
-            <a:pPr/>
-            <a:r>
-              <a:rPr b="1"/>
-              <a:t>ML/AI Integration</a:t>
-            </a:r>
-            <a:r>
-              <a:t>: Leverage machine learning for intelligent infrastructure optimization</a:t>
-            </a:r>
-          </a:p>
-          <a:p>
-            <a:pPr/>
-            <a:r>
-              <a:rPr b="1"/>
-              <a:t>Edge Computing</a:t>
-            </a:r>
-            <a:r>
-              <a:t>: Extend automation capabilities to edge computing environments</a:t>
-            </a:r>
-          </a:p>
-          <a:p>
-            <a:pPr/>
-            <a:r>
-              <a:rPr b="1"/>
-              <a:t>Application Integration</a:t>
-            </a:r>
-            <a:r>
-              <a:t>: Deeper integration with application deployment pipelines</a:t>
-            </a:r>
-          </a:p>
-          <a:p>
-            <a:pPr/>
-            <a:r>
-              <a:rPr b="1"/>
-              <a:t>Global Expansion</a:t>
-            </a:r>
-            <a:r>
-              <a:t>: Extend platform capabilities to additional geographic regions</a:t>
-            </a:r>
-          </a:p>
-        </p:txBody>
-      </p:sp>
+      <p:pic>
+        <p:nvPicPr>
+          <p:cNvPr id="7" name="Picture 6" descr="architecture-diagram.png"/>
+          <p:cNvPicPr>
+            <a:picLocks noChangeAspect="1"/>
+          </p:cNvPicPr>
+          <p:nvPr/>
+        </p:nvPicPr>
+        <p:blipFill>
+          <a:blip r:embed="rId2"/>
+          <a:stretch>
+            <a:fillRect/>
+          </a:stretch>
+        </p:blipFill>
+        <p:spPr>
+          <a:xfrm>
+            <a:off x="4662488" y="685799"/>
+            <a:ext cx="4337050" cy="3815859"/>
+          </a:xfrm>
+          <a:prstGeom prst="rect">
+            <a:avLst/>
+          </a:prstGeom>
+          <a:ln w="12700">
+            <a:solidFill>
+              <a:srgbClr val="C0C0C0"/>
+            </a:solidFill>
+            <a:prstDash val="solid"/>
+          </a:ln>
+        </p:spPr>
+      </p:pic>
+      <p:pic>
+        <p:nvPicPr>
+          <p:cNvPr id="8" name="Picture 7" descr="consulting_company_logo.png"/>
+          <p:cNvPicPr>
+            <a:picLocks noChangeAspect="1"/>
+          </p:cNvPicPr>
+          <p:nvPr/>
+        </p:nvPicPr>
+        <p:blipFill>
+          <a:blip r:embed="rId4"/>
+          <a:stretch>
+            <a:fillRect/>
+          </a:stretch>
+        </p:blipFill>
+        <p:spPr>
+          <a:xfrm>
+            <a:off x="313592" y="4536078"/>
+            <a:ext cx="2130670" cy="529698"/>
+          </a:xfrm>
+          <a:prstGeom prst="rect">
+            <a:avLst/>
+          </a:prstGeom>
+        </p:spPr>
+      </p:pic>
     </p:spTree>
   </p:cSld>
   <p:clrMapOvr>
@@ -5994,7 +6264,7 @@
       <p:grpSpPr/>
       <p:sp>
         <p:nvSpPr>
-          <p:cNvPr id="2" name="Text Placeholder 1"/>
+          <p:cNvPr id="3" name="Text Placeholder 2"/>
           <p:cNvSpPr>
             <a:spLocks noGrp="1"/>
           </p:cNvSpPr>
@@ -6007,32 +6277,539 @@
           <a:bodyPr/>
           <a:lstStyle/>
           <a:p>
-            <a:r>
-              <a:t>Multi-Cloud Provider Support</a:t>
+            <a:pPr algn="l"/>
+            <a:r>
+              <a:t>Deliverables Inventory</a:t>
             </a:r>
           </a:p>
         </p:txBody>
       </p:sp>
-      <p:sp>
-        <p:nvSpPr>
-          <p:cNvPr id="3" name="Picture Placeholder 2"/>
+      <p:graphicFrame>
+        <p:nvGraphicFramePr>
+          <p:cNvPr id="4" name="Table Placeholder 3"/>
+          <p:cNvGraphicFramePr>
+            <a:graphicFrameLocks noGrp="1"/>
+          </p:cNvGraphicFramePr>
+          <p:nvPr>
+            <p:ph type="tbl" idx="14" sz="quarter"/>
+          </p:nvPr>
+        </p:nvGraphicFramePr>
+        <p:xfrm>
+          <a:off x="256855" y="677011"/>
+          <a:ext cx="8710931" cy="3337560"/>
+        </p:xfrm>
+        <a:graphic>
+          <a:graphicData uri="http://schemas.openxmlformats.org/drawingml/2006/table">
+            <a:tbl>
+              <a:tblPr firstRow="1" bandRow="1">
+                <a:tableStyleId>{5C22544A-7EE6-4342-B048-85BDC9FD1C3A}</a:tableStyleId>
+              </a:tblPr>
+              <a:tblGrid>
+                <a:gridCol w="2613279"/>
+                <a:gridCol w="3919919"/>
+                <a:gridCol w="2177733"/>
+              </a:tblGrid>
+              <a:tr h="370840">
+                <a:tc>
+                  <a:txBody>
+                    <a:bodyPr/>
+                    <a:lstStyle/>
+                    <a:p>
+                      <a:r>
+                        <a:rPr sz="1400">
+                          <a:solidFill>
+                            <a:srgbClr val="FFFFFF"/>
+                          </a:solidFill>
+                        </a:rPr>
+                        <a:t>Deliverable</a:t>
+                      </a:r>
+                    </a:p>
+                  </a:txBody>
+                  <a:tcPr>
+                    <a:solidFill>
+                      <a:srgbClr val="A01C02"/>
+                    </a:solidFill>
+                  </a:tcPr>
+                </a:tc>
+                <a:tc>
+                  <a:txBody>
+                    <a:bodyPr/>
+                    <a:lstStyle/>
+                    <a:p>
+                      <a:r>
+                        <a:rPr sz="1400">
+                          <a:solidFill>
+                            <a:srgbClr val="FFFFFF"/>
+                          </a:solidFill>
+                        </a:rPr>
+                        <a:t>Purpose</a:t>
+                      </a:r>
+                    </a:p>
+                  </a:txBody>
+                  <a:tcPr>
+                    <a:solidFill>
+                      <a:srgbClr val="A01C02"/>
+                    </a:solidFill>
+                  </a:tcPr>
+                </a:tc>
+                <a:tc>
+                  <a:txBody>
+                    <a:bodyPr/>
+                    <a:lstStyle/>
+                    <a:p>
+                      <a:r>
+                        <a:rPr sz="1400">
+                          <a:solidFill>
+                            <a:srgbClr val="FFFFFF"/>
+                          </a:solidFill>
+                        </a:rPr>
+                        <a:t>Location</a:t>
+                      </a:r>
+                    </a:p>
+                  </a:txBody>
+                  <a:tcPr>
+                    <a:solidFill>
+                      <a:srgbClr val="A01C02"/>
+                    </a:solidFill>
+                  </a:tcPr>
+                </a:tc>
+              </a:tr>
+              <a:tr h="370840">
+                <a:tc>
+                  <a:txBody>
+                    <a:bodyPr/>
+                    <a:lstStyle/>
+                    <a:p>
+                      <a:r>
+                        <a:rPr b="1" sz="1100"/>
+                        <a:t>TFE Architecture Document</a:t>
+                      </a:r>
+                    </a:p>
+                  </a:txBody>
+                  <a:tcPr>
+                    <a:solidFill>
+                      <a:srgbClr val="E7E6E6"/>
+                    </a:solidFill>
+                  </a:tcPr>
+                </a:tc>
+                <a:tc>
+                  <a:txBody>
+                    <a:bodyPr/>
+                    <a:lstStyle/>
+                    <a:p>
+                      <a:r>
+                        <a:rPr sz="1100"/>
+                        <a:t>Platform design, Kubernetes config, RDS setup</a:t>
+                      </a:r>
+                    </a:p>
+                  </a:txBody>
+                  <a:tcPr>
+                    <a:solidFill>
+                      <a:srgbClr val="E7E6E6"/>
+                    </a:solidFill>
+                  </a:tcPr>
+                </a:tc>
+                <a:tc>
+                  <a:txBody>
+                    <a:bodyPr/>
+                    <a:lstStyle/>
+                    <a:p>
+                      <a:r>
+                        <a:rPr sz="1100"/>
+                        <a:t>`/delivery/detailed-design.docx`</a:t>
+                      </a:r>
+                    </a:p>
+                  </a:txBody>
+                  <a:tcPr>
+                    <a:solidFill>
+                      <a:srgbClr val="E7E6E6"/>
+                    </a:solidFill>
+                  </a:tcPr>
+                </a:tc>
+              </a:tr>
+              <a:tr h="370840">
+                <a:tc>
+                  <a:txBody>
+                    <a:bodyPr/>
+                    <a:lstStyle/>
+                    <a:p>
+                      <a:r>
+                        <a:rPr b="1" sz="1100"/>
+                        <a:t>Implementation Guide</a:t>
+                      </a:r>
+                    </a:p>
+                  </a:txBody>
+                  <a:tcPr>
+                    <a:solidFill>
+                      <a:srgbClr val="E7E6E6"/>
+                    </a:solidFill>
+                  </a:tcPr>
+                </a:tc>
+                <a:tc>
+                  <a:txBody>
+                    <a:bodyPr/>
+                    <a:lstStyle/>
+                    <a:p>
+                      <a:r>
+                        <a:rPr sz="1100"/>
+                        <a:t>Step-by-step deployment with Terraform</a:t>
+                      </a:r>
+                    </a:p>
+                  </a:txBody>
+                  <a:tcPr>
+                    <a:solidFill>
+                      <a:srgbClr val="E7E6E6"/>
+                    </a:solidFill>
+                  </a:tcPr>
+                </a:tc>
+                <a:tc>
+                  <a:txBody>
+                    <a:bodyPr/>
+                    <a:lstStyle/>
+                    <a:p>
+                      <a:r>
+                        <a:rPr sz="1100"/>
+                        <a:t>`/delivery/implementation-guide.docx`</a:t>
+                      </a:r>
+                    </a:p>
+                  </a:txBody>
+                  <a:tcPr>
+                    <a:solidFill>
+                      <a:srgbClr val="E7E6E6"/>
+                    </a:solidFill>
+                  </a:tcPr>
+                </a:tc>
+              </a:tr>
+              <a:tr h="370840">
+                <a:tc>
+                  <a:txBody>
+                    <a:bodyPr/>
+                    <a:lstStyle/>
+                    <a:p>
+                      <a:r>
+                        <a:rPr b="1" sz="1100"/>
+                        <a:t>Project Plan</a:t>
+                      </a:r>
+                    </a:p>
+                  </a:txBody>
+                  <a:tcPr>
+                    <a:solidFill>
+                      <a:srgbClr val="E7E6E6"/>
+                    </a:solidFill>
+                  </a:tcPr>
+                </a:tc>
+                <a:tc>
+                  <a:txBody>
+                    <a:bodyPr/>
+                    <a:lstStyle/>
+                    <a:p>
+                      <a:r>
+                        <a:rPr sz="1100"/>
+                        <a:t>Timeline, milestones, RACI, communications</a:t>
+                      </a:r>
+                    </a:p>
+                  </a:txBody>
+                  <a:tcPr>
+                    <a:solidFill>
+                      <a:srgbClr val="E7E6E6"/>
+                    </a:solidFill>
+                  </a:tcPr>
+                </a:tc>
+                <a:tc>
+                  <a:txBody>
+                    <a:bodyPr/>
+                    <a:lstStyle/>
+                    <a:p>
+                      <a:r>
+                        <a:rPr sz="1100"/>
+                        <a:t>`/delivery/project-plan.xlsx`</a:t>
+                      </a:r>
+                    </a:p>
+                  </a:txBody>
+                  <a:tcPr>
+                    <a:solidFill>
+                      <a:srgbClr val="E7E6E6"/>
+                    </a:solidFill>
+                  </a:tcPr>
+                </a:tc>
+              </a:tr>
+              <a:tr h="370840">
+                <a:tc>
+                  <a:txBody>
+                    <a:bodyPr/>
+                    <a:lstStyle/>
+                    <a:p>
+                      <a:r>
+                        <a:rPr b="1" sz="1100"/>
+                        <a:t>Test Plan &amp; Results</a:t>
+                      </a:r>
+                    </a:p>
+                  </a:txBody>
+                  <a:tcPr>
+                    <a:solidFill>
+                      <a:srgbClr val="E7E6E6"/>
+                    </a:solidFill>
+                  </a:tcPr>
+                </a:tc>
+                <a:tc>
+                  <a:txBody>
+                    <a:bodyPr/>
+                    <a:lstStyle/>
+                    <a:p>
+                      <a:r>
+                        <a:rPr sz="1100"/>
+                        <a:t>Policy validation, workspace tests, UAT</a:t>
+                      </a:r>
+                    </a:p>
+                  </a:txBody>
+                  <a:tcPr>
+                    <a:solidFill>
+                      <a:srgbClr val="E7E6E6"/>
+                    </a:solidFill>
+                  </a:tcPr>
+                </a:tc>
+                <a:tc>
+                  <a:txBody>
+                    <a:bodyPr/>
+                    <a:lstStyle/>
+                    <a:p>
+                      <a:r>
+                        <a:rPr sz="1100"/>
+                        <a:t>`/delivery/test-plan.xlsx`</a:t>
+                      </a:r>
+                    </a:p>
+                  </a:txBody>
+                  <a:tcPr>
+                    <a:solidFill>
+                      <a:srgbClr val="E7E6E6"/>
+                    </a:solidFill>
+                  </a:tcPr>
+                </a:tc>
+              </a:tr>
+              <a:tr h="370840">
+                <a:tc>
+                  <a:txBody>
+                    <a:bodyPr/>
+                    <a:lstStyle/>
+                    <a:p>
+                      <a:r>
+                        <a:rPr b="1" sz="1100"/>
+                        <a:t>Sentinel Policy Library</a:t>
+                      </a:r>
+                    </a:p>
+                  </a:txBody>
+                  <a:tcPr>
+                    <a:solidFill>
+                      <a:srgbClr val="E7E6E6"/>
+                    </a:solidFill>
+                  </a:tcPr>
+                </a:tc>
+                <a:tc>
+                  <a:txBody>
+                    <a:bodyPr/>
+                    <a:lstStyle/>
+                    <a:p>
+                      <a:r>
+                        <a:rPr sz="1100"/>
+                        <a:t>40 policies for security, cost, compliance</a:t>
+                      </a:r>
+                    </a:p>
+                  </a:txBody>
+                  <a:tcPr>
+                    <a:solidFill>
+                      <a:srgbClr val="E7E6E6"/>
+                    </a:solidFill>
+                  </a:tcPr>
+                </a:tc>
+                <a:tc>
+                  <a:txBody>
+                    <a:bodyPr/>
+                    <a:lstStyle/>
+                    <a:p>
+                      <a:r>
+                        <a:rPr sz="1100"/>
+                        <a:t>`/delivery/scripts/sentinel/`</a:t>
+                      </a:r>
+                    </a:p>
+                  </a:txBody>
+                  <a:tcPr>
+                    <a:solidFill>
+                      <a:srgbClr val="E7E6E6"/>
+                    </a:solidFill>
+                  </a:tcPr>
+                </a:tc>
+              </a:tr>
+              <a:tr h="370840">
+                <a:tc>
+                  <a:txBody>
+                    <a:bodyPr/>
+                    <a:lstStyle/>
+                    <a:p>
+                      <a:r>
+                        <a:rPr b="1" sz="1100"/>
+                        <a:t>Terraform Modules</a:t>
+                      </a:r>
+                    </a:p>
+                  </a:txBody>
+                  <a:tcPr>
+                    <a:solidFill>
+                      <a:srgbClr val="E7E6E6"/>
+                    </a:solidFill>
+                  </a:tcPr>
+                </a:tc>
+                <a:tc>
+                  <a:txBody>
+                    <a:bodyPr/>
+                    <a:lstStyle/>
+                    <a:p>
+                      <a:r>
+                        <a:rPr sz="1100"/>
+                        <a:t>15 reusable modules for AWS infrastructure</a:t>
+                      </a:r>
+                    </a:p>
+                  </a:txBody>
+                  <a:tcPr>
+                    <a:solidFill>
+                      <a:srgbClr val="E7E6E6"/>
+                    </a:solidFill>
+                  </a:tcPr>
+                </a:tc>
+                <a:tc>
+                  <a:txBody>
+                    <a:bodyPr/>
+                    <a:lstStyle/>
+                    <a:p>
+                      <a:r>
+                        <a:rPr sz="1100"/>
+                        <a:t>`/delivery/scripts/terraform/`</a:t>
+                      </a:r>
+                    </a:p>
+                  </a:txBody>
+                  <a:tcPr>
+                    <a:solidFill>
+                      <a:srgbClr val="E7E6E6"/>
+                    </a:solidFill>
+                  </a:tcPr>
+                </a:tc>
+              </a:tr>
+              <a:tr h="370840">
+                <a:tc>
+                  <a:txBody>
+                    <a:bodyPr/>
+                    <a:lstStyle/>
+                    <a:p>
+                      <a:r>
+                        <a:rPr b="1" sz="1100"/>
+                        <a:t>Operations Runbook</a:t>
+                      </a:r>
+                    </a:p>
+                  </a:txBody>
+                  <a:tcPr>
+                    <a:solidFill>
+                      <a:srgbClr val="E7E6E6"/>
+                    </a:solidFill>
+                  </a:tcPr>
+                </a:tc>
+                <a:tc>
+                  <a:txBody>
+                    <a:bodyPr/>
+                    <a:lstStyle/>
+                    <a:p>
+                      <a:r>
+                        <a:rPr sz="1100"/>
+                        <a:t>Day-to-day procedures and troubleshooting</a:t>
+                      </a:r>
+                    </a:p>
+                  </a:txBody>
+                  <a:tcPr>
+                    <a:solidFill>
+                      <a:srgbClr val="E7E6E6"/>
+                    </a:solidFill>
+                  </a:tcPr>
+                </a:tc>
+                <a:tc>
+                  <a:txBody>
+                    <a:bodyPr/>
+                    <a:lstStyle/>
+                    <a:p>
+                      <a:r>
+                        <a:rPr sz="1100"/>
+                        <a:t>`/delivery/docs/operations-runbook.md`</a:t>
+                      </a:r>
+                    </a:p>
+                  </a:txBody>
+                  <a:tcPr>
+                    <a:solidFill>
+                      <a:srgbClr val="E7E6E6"/>
+                    </a:solidFill>
+                  </a:tcPr>
+                </a:tc>
+              </a:tr>
+              <a:tr h="370840">
+                <a:tc>
+                  <a:txBody>
+                    <a:bodyPr/>
+                    <a:lstStyle/>
+                    <a:p>
+                      <a:r>
+                        <a:rPr b="1" sz="1100"/>
+                        <a:t>Training Materials</a:t>
+                      </a:r>
+                    </a:p>
+                  </a:txBody>
+                  <a:tcPr>
+                    <a:solidFill>
+                      <a:srgbClr val="E7E6E6"/>
+                    </a:solidFill>
+                  </a:tcPr>
+                </a:tc>
+                <a:tc>
+                  <a:txBody>
+                    <a:bodyPr/>
+                    <a:lstStyle/>
+                    <a:p>
+                      <a:r>
+                        <a:rPr sz="1100"/>
+                        <a:t>Admin guides, user guides, video tutorials</a:t>
+                      </a:r>
+                    </a:p>
+                  </a:txBody>
+                  <a:tcPr>
+                    <a:solidFill>
+                      <a:srgbClr val="E7E6E6"/>
+                    </a:solidFill>
+                  </a:tcPr>
+                </a:tc>
+                <a:tc>
+                  <a:txBody>
+                    <a:bodyPr/>
+                    <a:lstStyle/>
+                    <a:p>
+                      <a:r>
+                        <a:rPr sz="1100"/>
+                        <a:t>`/delivery/training/`</a:t>
+                      </a:r>
+                    </a:p>
+                  </a:txBody>
+                  <a:tcPr>
+                    <a:solidFill>
+                      <a:srgbClr val="E7E6E6"/>
+                    </a:solidFill>
+                  </a:tcPr>
+                </a:tc>
+              </a:tr>
+            </a:tbl>
+          </a:graphicData>
+        </a:graphic>
+      </p:graphicFrame>
+      <p:sp>
+        <p:nvSpPr>
+          <p:cNvPr id="5" name="Text Placeholder 4"/>
           <p:cNvSpPr>
             <a:spLocks noGrp="1"/>
           </p:cNvSpPr>
           <p:nvPr>
-            <p:ph type="pic" idx="13" sz="quarter"/>
-          </p:nvPr>
-        </p:nvSpPr>
-        <p:spPr/>
-      </p:sp>
-      <p:sp>
-        <p:nvSpPr>
-          <p:cNvPr id="4" name="Text Placeholder 3"/>
-          <p:cNvSpPr>
-            <a:spLocks noGrp="1"/>
-          </p:cNvSpPr>
-          <p:nvPr>
-            <p:ph type="body" idx="14" sz="quarter"/>
+            <p:ph type="body" idx="15" sz="quarter"/>
           </p:nvPr>
         </p:nvSpPr>
         <p:spPr/>
@@ -6040,67 +6817,44 @@
           <a:bodyPr/>
           <a:lstStyle/>
           <a:p>
-            <a:pPr/>
-            <a:r>
-              <a:rPr b="1"/>
-              <a:t>AWS Provider</a:t>
-            </a:r>
-            <a:r>
-              <a:t>: Complete AWS resource management with 200+ resource types</a:t>
-            </a:r>
-          </a:p>
-          <a:p>
-            <a:pPr/>
-            <a:r>
-              <a:rPr b="1"/>
-              <a:t>Azure Provider</a:t>
-            </a:r>
-            <a:r>
-              <a:t>: Comprehensive Azure infrastructure automation</a:t>
-            </a:r>
-          </a:p>
-          <a:p>
-            <a:pPr/>
-            <a:r>
-              <a:rPr b="1"/>
-              <a:t>Google Cloud Provider</a:t>
-            </a:r>
-            <a:r>
-              <a:t>: Full GCP resource lifecycle management</a:t>
-            </a:r>
-          </a:p>
-          <a:p>
-            <a:pPr/>
-            <a:r>
-              <a:rPr b="1"/>
-              <a:t>VMware vSphere</a:t>
-            </a:r>
-            <a:r>
-              <a:t>: On-premises infrastructure automation</a:t>
-            </a:r>
-          </a:p>
-          <a:p>
-            <a:pPr/>
-            <a:r>
-              <a:rPr b="1"/>
-              <a:t>Kubernetes Provider</a:t>
-            </a:r>
-            <a:r>
-              <a:t>: Container orchestration platform management</a:t>
-            </a:r>
-          </a:p>
-          <a:p>
-            <a:pPr/>
-            <a:r>
-              <a:rPr b="1"/>
-              <a:t>Custom Providers</a:t>
-            </a:r>
-            <a:r>
-              <a:t>: Internal service providers for proprietary systems</a:t>
+            <a:pPr algn="r">
+              <a:buNone/>
+            </a:pPr>
+            <a:r>
+              <a:rPr sz="1100">
+                <a:solidFill>
+                  <a:srgbClr val="CC0000"/>
+                </a:solidFill>
+              </a:rPr>
+              <a:t>HashiCorp Terraform Enterprise</a:t>
             </a:r>
           </a:p>
         </p:txBody>
       </p:sp>
+      <p:pic>
+        <p:nvPicPr>
+          <p:cNvPr id="6" name="Picture 5" descr="consulting_company_logo.png"/>
+          <p:cNvPicPr>
+            <a:picLocks noChangeAspect="1"/>
+          </p:cNvPicPr>
+          <p:nvPr/>
+        </p:nvPicPr>
+        <p:blipFill>
+          <a:blip r:embed="rId3"/>
+          <a:stretch>
+            <a:fillRect/>
+          </a:stretch>
+        </p:blipFill>
+        <p:spPr>
+          <a:xfrm>
+            <a:off x="313592" y="4536078"/>
+            <a:ext cx="2126273" cy="529698"/>
+          </a:xfrm>
+          <a:prstGeom prst="rect">
+            <a:avLst/>
+          </a:prstGeom>
+        </p:spPr>
+      </p:pic>
     </p:spTree>
   </p:cSld>
   <p:clrMapOvr>
@@ -6121,7 +6875,7 @@
       <p:grpSpPr/>
       <p:sp>
         <p:nvSpPr>
-          <p:cNvPr id="2" name="Text Placeholder 1"/>
+          <p:cNvPr id="3" name="Text Placeholder 2"/>
           <p:cNvSpPr>
             <a:spLocks noGrp="1"/>
           </p:cNvSpPr>
@@ -6134,53 +6888,172 @@
           <a:bodyPr/>
           <a:lstStyle/>
           <a:p>
-            <a:r>
-              <a:t>Quantified ROI Analysis</a:t>
+            <a:pPr algn="l"/>
+            <a:r>
+              <a:t>Quality &amp; Performance</a:t>
             </a:r>
           </a:p>
         </p:txBody>
       </p:sp>
       <p:sp>
         <p:nvSpPr>
-          <p:cNvPr id="3" name="Picture Placeholder 2"/>
+          <p:cNvPr id="4" name="Text Placeholder 3"/>
           <p:cNvSpPr>
             <a:spLocks noGrp="1"/>
           </p:cNvSpPr>
           <p:nvPr>
-            <p:ph type="pic" idx="14" sz="quarter"/>
+            <p:ph type="body" idx="16" sz="quarter"/>
           </p:nvPr>
         </p:nvSpPr>
         <p:spPr/>
-      </p:sp>
-      <p:sp>
-        <p:nvSpPr>
-          <p:cNvPr id="4" name="Chart Placeholder 3"/>
+        <p:txBody>
+          <a:bodyPr/>
+          <a:lstStyle/>
+          <a:p>
+            <a:pPr/>
+            <a:r>
+              <a:rPr b="1"/>
+              <a:t>Platform Metrics</a:t>
+            </a:r>
+          </a:p>
+          <a:p>
+            <a:pPr lvl="1"/>
+            <a:r>
+              <a:t>Platform Uptime: 99.94% (target: 99.9%)</a:t>
+            </a:r>
+          </a:p>
+          <a:p>
+            <a:pPr lvl="1"/>
+            <a:r>
+              <a:t>Workspace Run Success: 98.5%</a:t>
+            </a:r>
+          </a:p>
+          <a:p>
+            <a:pPr lvl="1"/>
+            <a:r>
+              <a:t>Policy Compliance: 100% (target: 100%)</a:t>
+            </a:r>
+          </a:p>
+          <a:p>
+            <a:pPr lvl="1"/>
+            <a:r>
+              <a:t>Concurrent Runs: 10 supported</a:t>
+            </a:r>
+          </a:p>
+          <a:p>
+            <a:pPr lvl="1"/>
+            <a:r>
+              <a:t>State Lock Success: 100%</a:t>
+            </a:r>
+          </a:p>
+        </p:txBody>
+      </p:sp>
+      <p:sp>
+        <p:nvSpPr>
+          <p:cNvPr id="5" name="Text Placeholder 4"/>
           <p:cNvSpPr>
             <a:spLocks noGrp="1"/>
           </p:cNvSpPr>
           <p:nvPr>
-            <p:ph type="chart" idx="15" sz="quarter"/>
+            <p:ph type="body" idx="17" sz="quarter"/>
           </p:nvPr>
         </p:nvSpPr>
         <p:spPr/>
-      </p:sp>
-      <p:sp>
-        <p:nvSpPr>
-          <p:cNvPr id="5" name="Content Placeholder 4"/>
+        <p:txBody>
+          <a:bodyPr/>
+          <a:lstStyle/>
+          <a:p>
+            <a:pPr/>
+            <a:r>
+              <a:rPr b="1"/>
+              <a:t>Efficiency Metrics</a:t>
+            </a:r>
+          </a:p>
+          <a:p>
+            <a:pPr lvl="1"/>
+            <a:r>
+              <a:t>Provisioning Time: 82% reduction</a:t>
+            </a:r>
+          </a:p>
+          <a:p>
+            <a:pPr lvl="1"/>
+            <a:r>
+              <a:t>Manual Effort: 80% reduction</a:t>
+            </a:r>
+          </a:p>
+          <a:p>
+            <a:pPr lvl="1"/>
+            <a:r>
+              <a:t>Approval Time: 5 days to 4 hours</a:t>
+            </a:r>
+          </a:p>
+          <a:p>
+            <a:pPr lvl="1"/>
+            <a:r>
+              <a:t>Policy Violations Blocked: 234</a:t>
+            </a:r>
+          </a:p>
+          <a:p>
+            <a:pPr lvl="1"/>
+            <a:r>
+              <a:t>Drift Detection: Automated</a:t>
+            </a:r>
+          </a:p>
+        </p:txBody>
+      </p:sp>
+      <p:sp>
+        <p:nvSpPr>
+          <p:cNvPr id="6" name="Text Placeholder 5"/>
           <p:cNvSpPr>
             <a:spLocks noGrp="1"/>
           </p:cNvSpPr>
           <p:nvPr>
-            <p:ph idx="16" sz="quarter"/>
+            <p:ph type="body" idx="15" sz="quarter"/>
           </p:nvPr>
         </p:nvSpPr>
         <p:spPr/>
         <p:txBody>
           <a:bodyPr/>
           <a:lstStyle/>
-          <a:p/>
+          <a:p>
+            <a:pPr algn="r">
+              <a:buNone/>
+            </a:pPr>
+            <a:r>
+              <a:rPr sz="1100">
+                <a:solidFill>
+                  <a:srgbClr val="CC0000"/>
+                </a:solidFill>
+              </a:rPr>
+              <a:t>HashiCorp Terraform Enterprise</a:t>
+            </a:r>
+          </a:p>
         </p:txBody>
       </p:sp>
+      <p:pic>
+        <p:nvPicPr>
+          <p:cNvPr id="7" name="Picture 6" descr="consulting_company_logo.png"/>
+          <p:cNvPicPr>
+            <a:picLocks noChangeAspect="1"/>
+          </p:cNvPicPr>
+          <p:nvPr/>
+        </p:nvPicPr>
+        <p:blipFill>
+          <a:blip r:embed="rId3"/>
+          <a:stretch>
+            <a:fillRect/>
+          </a:stretch>
+        </p:blipFill>
+        <p:spPr>
+          <a:xfrm>
+            <a:off x="313592" y="4536078"/>
+            <a:ext cx="2121877" cy="529698"/>
+          </a:xfrm>
+          <a:prstGeom prst="rect">
+            <a:avLst/>
+          </a:prstGeom>
+        </p:spPr>
+      </p:pic>
     </p:spTree>
   </p:cSld>
   <p:clrMapOvr>
@@ -6201,7 +7074,7 @@
       <p:grpSpPr/>
       <p:sp>
         <p:nvSpPr>
-          <p:cNvPr id="2" name="Text Placeholder 1"/>
+          <p:cNvPr id="3" name="Text Placeholder 2"/>
           <p:cNvSpPr>
             <a:spLocks noGrp="1"/>
           </p:cNvSpPr>
@@ -6214,53 +7087,602 @@
           <a:bodyPr/>
           <a:lstStyle/>
           <a:p>
-            <a:r>
-              <a:t>Operational Impact Metrics</a:t>
+            <a:pPr algn="l"/>
+            <a:r>
+              <a:t>Benefits Realized</a:t>
             </a:r>
           </a:p>
         </p:txBody>
       </p:sp>
-      <p:sp>
-        <p:nvSpPr>
-          <p:cNvPr id="3" name="Picture Placeholder 2"/>
+      <p:graphicFrame>
+        <p:nvGraphicFramePr>
+          <p:cNvPr id="4" name="Table Placeholder 3"/>
+          <p:cNvGraphicFramePr>
+            <a:graphicFrameLocks noGrp="1"/>
+          </p:cNvGraphicFramePr>
+          <p:nvPr>
+            <p:ph type="tbl" idx="14" sz="quarter"/>
+          </p:nvPr>
+        </p:nvGraphicFramePr>
+        <p:xfrm>
+          <a:off x="256855" y="677011"/>
+          <a:ext cx="8710930" cy="2595880"/>
+        </p:xfrm>
+        <a:graphic>
+          <a:graphicData uri="http://schemas.openxmlformats.org/drawingml/2006/table">
+            <a:tbl>
+              <a:tblPr firstRow="1" bandRow="1">
+                <a:tableStyleId>{5C22544A-7EE6-4342-B048-85BDC9FD1C3A}</a:tableStyleId>
+              </a:tblPr>
+              <a:tblGrid>
+                <a:gridCol w="2613279"/>
+                <a:gridCol w="1742186"/>
+                <a:gridCol w="1742186"/>
+                <a:gridCol w="2613279"/>
+              </a:tblGrid>
+              <a:tr h="370840">
+                <a:tc>
+                  <a:txBody>
+                    <a:bodyPr/>
+                    <a:lstStyle/>
+                    <a:p>
+                      <a:r>
+                        <a:rPr sz="1400">
+                          <a:solidFill>
+                            <a:srgbClr val="FFFFFF"/>
+                          </a:solidFill>
+                        </a:rPr>
+                        <a:t>Benefit Category</a:t>
+                      </a:r>
+                    </a:p>
+                  </a:txBody>
+                  <a:tcPr>
+                    <a:solidFill>
+                      <a:srgbClr val="A01C02"/>
+                    </a:solidFill>
+                  </a:tcPr>
+                </a:tc>
+                <a:tc>
+                  <a:txBody>
+                    <a:bodyPr/>
+                    <a:lstStyle/>
+                    <a:p>
+                      <a:r>
+                        <a:rPr sz="1400">
+                          <a:solidFill>
+                            <a:srgbClr val="FFFFFF"/>
+                          </a:solidFill>
+                        </a:rPr>
+                        <a:t>SOW Target</a:t>
+                      </a:r>
+                    </a:p>
+                  </a:txBody>
+                  <a:tcPr>
+                    <a:solidFill>
+                      <a:srgbClr val="A01C02"/>
+                    </a:solidFill>
+                  </a:tcPr>
+                </a:tc>
+                <a:tc>
+                  <a:txBody>
+                    <a:bodyPr/>
+                    <a:lstStyle/>
+                    <a:p>
+                      <a:r>
+                        <a:rPr sz="1400">
+                          <a:solidFill>
+                            <a:srgbClr val="FFFFFF"/>
+                          </a:solidFill>
+                        </a:rPr>
+                        <a:t>Achieved</a:t>
+                      </a:r>
+                    </a:p>
+                  </a:txBody>
+                  <a:tcPr>
+                    <a:solidFill>
+                      <a:srgbClr val="A01C02"/>
+                    </a:solidFill>
+                  </a:tcPr>
+                </a:tc>
+                <a:tc>
+                  <a:txBody>
+                    <a:bodyPr/>
+                    <a:lstStyle/>
+                    <a:p>
+                      <a:r>
+                        <a:rPr sz="1400">
+                          <a:solidFill>
+                            <a:srgbClr val="FFFFFF"/>
+                          </a:solidFill>
+                        </a:rPr>
+                        <a:t>Business Impact</a:t>
+                      </a:r>
+                    </a:p>
+                  </a:txBody>
+                  <a:tcPr>
+                    <a:solidFill>
+                      <a:srgbClr val="A01C02"/>
+                    </a:solidFill>
+                  </a:tcPr>
+                </a:tc>
+              </a:tr>
+              <a:tr h="370840">
+                <a:tc>
+                  <a:txBody>
+                    <a:bodyPr/>
+                    <a:lstStyle/>
+                    <a:p>
+                      <a:r>
+                        <a:rPr b="1" sz="1100"/>
+                        <a:t>Provisioning Time</a:t>
+                      </a:r>
+                    </a:p>
+                  </a:txBody>
+                  <a:tcPr>
+                    <a:solidFill>
+                      <a:srgbClr val="E7E6E6"/>
+                    </a:solidFill>
+                  </a:tcPr>
+                </a:tc>
+                <a:tc>
+                  <a:txBody>
+                    <a:bodyPr/>
+                    <a:lstStyle/>
+                    <a:p>
+                      <a:r>
+                        <a:rPr sz="1100"/>
+                        <a:t>80% reduction</a:t>
+                      </a:r>
+                    </a:p>
+                  </a:txBody>
+                  <a:tcPr>
+                    <a:solidFill>
+                      <a:srgbClr val="E7E6E6"/>
+                    </a:solidFill>
+                  </a:tcPr>
+                </a:tc>
+                <a:tc>
+                  <a:txBody>
+                    <a:bodyPr/>
+                    <a:lstStyle/>
+                    <a:p>
+                      <a:r>
+                        <a:rPr sz="1100"/>
+                        <a:t>82% reduction</a:t>
+                      </a:r>
+                    </a:p>
+                  </a:txBody>
+                  <a:tcPr>
+                    <a:solidFill>
+                      <a:srgbClr val="E7E6E6"/>
+                    </a:solidFill>
+                  </a:tcPr>
+                </a:tc>
+                <a:tc>
+                  <a:txBody>
+                    <a:bodyPr/>
+                    <a:lstStyle/>
+                    <a:p>
+                      <a:r>
+                        <a:rPr sz="1100"/>
+                        <a:t>5 days to 1 day</a:t>
+                      </a:r>
+                    </a:p>
+                  </a:txBody>
+                  <a:tcPr>
+                    <a:solidFill>
+                      <a:srgbClr val="E7E6E6"/>
+                    </a:solidFill>
+                  </a:tcPr>
+                </a:tc>
+              </a:tr>
+              <a:tr h="370840">
+                <a:tc>
+                  <a:txBody>
+                    <a:bodyPr/>
+                    <a:lstStyle/>
+                    <a:p>
+                      <a:r>
+                        <a:rPr b="1" sz="1100"/>
+                        <a:t>Policy Compliance</a:t>
+                      </a:r>
+                    </a:p>
+                  </a:txBody>
+                  <a:tcPr>
+                    <a:solidFill>
+                      <a:srgbClr val="E7E6E6"/>
+                    </a:solidFill>
+                  </a:tcPr>
+                </a:tc>
+                <a:tc>
+                  <a:txBody>
+                    <a:bodyPr/>
+                    <a:lstStyle/>
+                    <a:p>
+                      <a:r>
+                        <a:rPr sz="1100"/>
+                        <a:t>100%</a:t>
+                      </a:r>
+                    </a:p>
+                  </a:txBody>
+                  <a:tcPr>
+                    <a:solidFill>
+                      <a:srgbClr val="E7E6E6"/>
+                    </a:solidFill>
+                  </a:tcPr>
+                </a:tc>
+                <a:tc>
+                  <a:txBody>
+                    <a:bodyPr/>
+                    <a:lstStyle/>
+                    <a:p>
+                      <a:r>
+                        <a:rPr sz="1100"/>
+                        <a:t>100%</a:t>
+                      </a:r>
+                    </a:p>
+                  </a:txBody>
+                  <a:tcPr>
+                    <a:solidFill>
+                      <a:srgbClr val="E7E6E6"/>
+                    </a:solidFill>
+                  </a:tcPr>
+                </a:tc>
+                <a:tc>
+                  <a:txBody>
+                    <a:bodyPr/>
+                    <a:lstStyle/>
+                    <a:p>
+                      <a:r>
+                        <a:rPr sz="1100"/>
+                        <a:t>Zero misconfigurations</a:t>
+                      </a:r>
+                    </a:p>
+                  </a:txBody>
+                  <a:tcPr>
+                    <a:solidFill>
+                      <a:srgbClr val="E7E6E6"/>
+                    </a:solidFill>
+                  </a:tcPr>
+                </a:tc>
+              </a:tr>
+              <a:tr h="370840">
+                <a:tc>
+                  <a:txBody>
+                    <a:bodyPr/>
+                    <a:lstStyle/>
+                    <a:p>
+                      <a:r>
+                        <a:rPr b="1" sz="1100"/>
+                        <a:t>Workspaces Migrated</a:t>
+                      </a:r>
+                    </a:p>
+                  </a:txBody>
+                  <a:tcPr>
+                    <a:solidFill>
+                      <a:srgbClr val="E7E6E6"/>
+                    </a:solidFill>
+                  </a:tcPr>
+                </a:tc>
+                <a:tc>
+                  <a:txBody>
+                    <a:bodyPr/>
+                    <a:lstStyle/>
+                    <a:p>
+                      <a:r>
+                        <a:rPr sz="1100"/>
+                        <a:t>50 workspaces</a:t>
+                      </a:r>
+                    </a:p>
+                  </a:txBody>
+                  <a:tcPr>
+                    <a:solidFill>
+                      <a:srgbClr val="E7E6E6"/>
+                    </a:solidFill>
+                  </a:tcPr>
+                </a:tc>
+                <a:tc>
+                  <a:txBody>
+                    <a:bodyPr/>
+                    <a:lstStyle/>
+                    <a:p>
+                      <a:r>
+                        <a:rPr sz="1100"/>
+                        <a:t>50 complete</a:t>
+                      </a:r>
+                    </a:p>
+                  </a:txBody>
+                  <a:tcPr>
+                    <a:solidFill>
+                      <a:srgbClr val="E7E6E6"/>
+                    </a:solidFill>
+                  </a:tcPr>
+                </a:tc>
+                <a:tc>
+                  <a:txBody>
+                    <a:bodyPr/>
+                    <a:lstStyle/>
+                    <a:p>
+                      <a:r>
+                        <a:rPr sz="1100"/>
+                        <a:t>All AWS IaC unified</a:t>
+                      </a:r>
+                    </a:p>
+                  </a:txBody>
+                  <a:tcPr>
+                    <a:solidFill>
+                      <a:srgbClr val="E7E6E6"/>
+                    </a:solidFill>
+                  </a:tcPr>
+                </a:tc>
+              </a:tr>
+              <a:tr h="370840">
+                <a:tc>
+                  <a:txBody>
+                    <a:bodyPr/>
+                    <a:lstStyle/>
+                    <a:p>
+                      <a:r>
+                        <a:rPr b="1" sz="1100"/>
+                        <a:t>Operations Costs</a:t>
+                      </a:r>
+                    </a:p>
+                  </a:txBody>
+                  <a:tcPr>
+                    <a:solidFill>
+                      <a:srgbClr val="E7E6E6"/>
+                    </a:solidFill>
+                  </a:tcPr>
+                </a:tc>
+                <a:tc>
+                  <a:txBody>
+                    <a:bodyPr/>
+                    <a:lstStyle/>
+                    <a:p>
+                      <a:r>
+                        <a:rPr sz="1100"/>
+                        <a:t>70% reduction</a:t>
+                      </a:r>
+                    </a:p>
+                  </a:txBody>
+                  <a:tcPr>
+                    <a:solidFill>
+                      <a:srgbClr val="E7E6E6"/>
+                    </a:solidFill>
+                  </a:tcPr>
+                </a:tc>
+                <a:tc>
+                  <a:txBody>
+                    <a:bodyPr/>
+                    <a:lstStyle/>
+                    <a:p>
+                      <a:r>
+                        <a:rPr sz="1100"/>
+                        <a:t>80% reduction</a:t>
+                      </a:r>
+                    </a:p>
+                  </a:txBody>
+                  <a:tcPr>
+                    <a:solidFill>
+                      <a:srgbClr val="E7E6E6"/>
+                    </a:solidFill>
+                  </a:tcPr>
+                </a:tc>
+                <a:tc>
+                  <a:txBody>
+                    <a:bodyPr/>
+                    <a:lstStyle/>
+                    <a:p>
+                      <a:r>
+                        <a:rPr sz="1100"/>
+                        <a:t>1.6 FTEs reallocated</a:t>
+                      </a:r>
+                    </a:p>
+                  </a:txBody>
+                  <a:tcPr>
+                    <a:solidFill>
+                      <a:srgbClr val="E7E6E6"/>
+                    </a:solidFill>
+                  </a:tcPr>
+                </a:tc>
+              </a:tr>
+              <a:tr h="370840">
+                <a:tc>
+                  <a:txBody>
+                    <a:bodyPr/>
+                    <a:lstStyle/>
+                    <a:p>
+                      <a:r>
+                        <a:rPr b="1" sz="1100"/>
+                        <a:t>Platform Uptime</a:t>
+                      </a:r>
+                    </a:p>
+                  </a:txBody>
+                  <a:tcPr>
+                    <a:solidFill>
+                      <a:srgbClr val="E7E6E6"/>
+                    </a:solidFill>
+                  </a:tcPr>
+                </a:tc>
+                <a:tc>
+                  <a:txBody>
+                    <a:bodyPr/>
+                    <a:lstStyle/>
+                    <a:p>
+                      <a:r>
+                        <a:rPr sz="1100"/>
+                        <a:t>99.9%</a:t>
+                      </a:r>
+                    </a:p>
+                  </a:txBody>
+                  <a:tcPr>
+                    <a:solidFill>
+                      <a:srgbClr val="E7E6E6"/>
+                    </a:solidFill>
+                  </a:tcPr>
+                </a:tc>
+                <a:tc>
+                  <a:txBody>
+                    <a:bodyPr/>
+                    <a:lstStyle/>
+                    <a:p>
+                      <a:r>
+                        <a:rPr sz="1100"/>
+                        <a:t>99.94%</a:t>
+                      </a:r>
+                    </a:p>
+                  </a:txBody>
+                  <a:tcPr>
+                    <a:solidFill>
+                      <a:srgbClr val="E7E6E6"/>
+                    </a:solidFill>
+                  </a:tcPr>
+                </a:tc>
+                <a:tc>
+                  <a:txBody>
+                    <a:bodyPr/>
+                    <a:lstStyle/>
+                    <a:p>
+                      <a:r>
+                        <a:rPr sz="1100"/>
+                        <a:t>Zero unplanned outages</a:t>
+                      </a:r>
+                    </a:p>
+                  </a:txBody>
+                  <a:tcPr>
+                    <a:solidFill>
+                      <a:srgbClr val="E7E6E6"/>
+                    </a:solidFill>
+                  </a:tcPr>
+                </a:tc>
+              </a:tr>
+              <a:tr h="370840">
+                <a:tc>
+                  <a:txBody>
+                    <a:bodyPr/>
+                    <a:lstStyle/>
+                    <a:p>
+                      <a:r>
+                        <a:rPr b="1" sz="1100"/>
+                        <a:t>Security Incidents</a:t>
+                      </a:r>
+                    </a:p>
+                  </a:txBody>
+                  <a:tcPr>
+                    <a:solidFill>
+                      <a:srgbClr val="E7E6E6"/>
+                    </a:solidFill>
+                  </a:tcPr>
+                </a:tc>
+                <a:tc>
+                  <a:txBody>
+                    <a:bodyPr/>
+                    <a:lstStyle/>
+                    <a:p>
+                      <a:r>
+                        <a:rPr sz="1100"/>
+                        <a:t>Zero</a:t>
+                      </a:r>
+                    </a:p>
+                  </a:txBody>
+                  <a:tcPr>
+                    <a:solidFill>
+                      <a:srgbClr val="E7E6E6"/>
+                    </a:solidFill>
+                  </a:tcPr>
+                </a:tc>
+                <a:tc>
+                  <a:txBody>
+                    <a:bodyPr/>
+                    <a:lstStyle/>
+                    <a:p>
+                      <a:r>
+                        <a:rPr sz="1100"/>
+                        <a:t>Zero</a:t>
+                      </a:r>
+                    </a:p>
+                  </a:txBody>
+                  <a:tcPr>
+                    <a:solidFill>
+                      <a:srgbClr val="E7E6E6"/>
+                    </a:solidFill>
+                  </a:tcPr>
+                </a:tc>
+                <a:tc>
+                  <a:txBody>
+                    <a:bodyPr/>
+                    <a:lstStyle/>
+                    <a:p>
+                      <a:r>
+                        <a:rPr sz="1100"/>
+                        <a:t>No misconfigured infra</a:t>
+                      </a:r>
+                    </a:p>
+                  </a:txBody>
+                  <a:tcPr>
+                    <a:solidFill>
+                      <a:srgbClr val="E7E6E6"/>
+                    </a:solidFill>
+                  </a:tcPr>
+                </a:tc>
+              </a:tr>
+            </a:tbl>
+          </a:graphicData>
+        </a:graphic>
+      </p:graphicFrame>
+      <p:sp>
+        <p:nvSpPr>
+          <p:cNvPr id="5" name="Text Placeholder 4"/>
           <p:cNvSpPr>
             <a:spLocks noGrp="1"/>
           </p:cNvSpPr>
           <p:nvPr>
-            <p:ph type="pic" idx="14" sz="quarter"/>
-          </p:nvPr>
-        </p:nvSpPr>
-        <p:spPr/>
-      </p:sp>
-      <p:sp>
-        <p:nvSpPr>
-          <p:cNvPr id="4" name="Chart Placeholder 3"/>
-          <p:cNvSpPr>
-            <a:spLocks noGrp="1"/>
-          </p:cNvSpPr>
-          <p:nvPr>
-            <p:ph type="chart" idx="15" sz="quarter"/>
-          </p:nvPr>
-        </p:nvSpPr>
-        <p:spPr/>
-      </p:sp>
-      <p:sp>
-        <p:nvSpPr>
-          <p:cNvPr id="5" name="Content Placeholder 4"/>
-          <p:cNvSpPr>
-            <a:spLocks noGrp="1"/>
-          </p:cNvSpPr>
-          <p:nvPr>
-            <p:ph idx="16" sz="quarter"/>
+            <p:ph type="body" idx="15" sz="quarter"/>
           </p:nvPr>
         </p:nvSpPr>
         <p:spPr/>
         <p:txBody>
           <a:bodyPr/>
           <a:lstStyle/>
-          <a:p/>
+          <a:p>
+            <a:pPr algn="r">
+              <a:buNone/>
+            </a:pPr>
+            <a:r>
+              <a:rPr sz="1100">
+                <a:solidFill>
+                  <a:srgbClr val="CC0000"/>
+                </a:solidFill>
+              </a:rPr>
+              <a:t>HashiCorp Terraform Enterprise</a:t>
+            </a:r>
+          </a:p>
         </p:txBody>
       </p:sp>
+      <p:pic>
+        <p:nvPicPr>
+          <p:cNvPr id="6" name="Picture 5" descr="consulting_company_logo.png"/>
+          <p:cNvPicPr>
+            <a:picLocks noChangeAspect="1"/>
+          </p:cNvPicPr>
+          <p:nvPr/>
+        </p:nvPicPr>
+        <p:blipFill>
+          <a:blip r:embed="rId3"/>
+          <a:stretch>
+            <a:fillRect/>
+          </a:stretch>
+        </p:blipFill>
+        <p:spPr>
+          <a:xfrm>
+            <a:off x="313592" y="4536078"/>
+            <a:ext cx="2126273" cy="529698"/>
+          </a:xfrm>
+          <a:prstGeom prst="rect">
+            <a:avLst/>
+          </a:prstGeom>
+        </p:spPr>
+      </p:pic>
     </p:spTree>
   </p:cSld>
   <p:clrMapOvr>
@@ -6281,7 +7703,7 @@
       <p:grpSpPr/>
       <p:sp>
         <p:nvSpPr>
-          <p:cNvPr id="2" name="Text Placeholder 1"/>
+          <p:cNvPr id="3" name="Text Placeholder 2"/>
           <p:cNvSpPr>
             <a:spLocks noGrp="1"/>
           </p:cNvSpPr>
@@ -6294,23 +7716,12 @@
           <a:bodyPr/>
           <a:lstStyle/>
           <a:p>
-            <a:r>
-              <a:t>Scalability Achievements</a:t>
+            <a:pPr algn="l"/>
+            <a:r>
+              <a:t>Lessons Learned &amp; Recommendations</a:t>
             </a:r>
           </a:p>
         </p:txBody>
-      </p:sp>
-      <p:sp>
-        <p:nvSpPr>
-          <p:cNvPr id="3" name="Picture Placeholder 2"/>
-          <p:cNvSpPr>
-            <a:spLocks noGrp="1"/>
-          </p:cNvSpPr>
-          <p:nvPr>
-            <p:ph type="pic" idx="13" sz="quarter"/>
-          </p:nvPr>
-        </p:nvSpPr>
-        <p:spPr/>
       </p:sp>
       <p:sp>
         <p:nvSpPr>
@@ -6319,7 +7730,7 @@
             <a:spLocks noGrp="1"/>
           </p:cNvSpPr>
           <p:nvPr>
-            <p:ph type="body" idx="14" sz="quarter"/>
+            <p:ph type="body" idx="16" sz="quarter"/>
           </p:nvPr>
         </p:nvSpPr>
         <p:spPr/>
@@ -6330,44 +7741,184 @@
             <a:pPr/>
             <a:r>
               <a:rPr b="1"/>
-              <a:t>Infrastructure Scale</a:t>
-            </a:r>
-            <a:r>
-              <a:t>: Managing 5,000+ cloud resources across 12 environments</a:t>
+              <a:t>What Worked Well</a:t>
+            </a:r>
+          </a:p>
+          <a:p>
+            <a:pPr lvl="1"/>
+            <a:r>
+              <a:t>Phased workspace migration approach</a:t>
+            </a:r>
+          </a:p>
+          <a:p>
+            <a:pPr lvl="1"/>
+            <a:r>
+              <a:t>Sentinel advisory-to-mandatory rollout</a:t>
+            </a:r>
+          </a:p>
+          <a:p>
+            <a:pPr lvl="1"/>
+            <a:r>
+              <a:t>VCS-driven GitOps workflows</a:t>
+            </a:r>
+          </a:p>
+          <a:p>
+            <a:pPr lvl="1"/>
+            <a:r>
+              <a:t>Weekly stakeholder demonstrations</a:t>
+            </a:r>
+          </a:p>
+          <a:p>
+            <a:pPr lvl="1"/>
+            <a:r>
+              <a:t>Private module registry adoption</a:t>
             </a:r>
           </a:p>
           <a:p>
             <a:pPr/>
             <a:r>
               <a:rPr b="1"/>
-              <a:t>Team Scale</a:t>
-            </a:r>
-            <a:r>
-              <a:t>: Supporting 150+ engineers across 25 development teams</a:t>
-            </a:r>
-          </a:p>
+              <a:t>Challenges Overcome</a:t>
+            </a:r>
+          </a:p>
+          <a:p>
+            <a:pPr lvl="1"/>
+            <a:r>
+              <a:t>State file migration from S3/local</a:t>
+            </a:r>
+          </a:p>
+          <a:p>
+            <a:pPr lvl="1"/>
+            <a:r>
+              <a:t>Vault credential integration timing</a:t>
+            </a:r>
+          </a:p>
+          <a:p>
+            <a:pPr lvl="1"/>
+            <a:r>
+              <a:t>User adoption change management</a:t>
+            </a:r>
+          </a:p>
+          <a:p>
+            <a:pPr lvl="1"/>
+            <a:r>
+              <a:t>Policy tuning for false positives</a:t>
+            </a:r>
+          </a:p>
+          <a:p>
+            <a:pPr lvl="1"/>
+            <a:r>
+              <a:t>VCS webhook configuration</a:t>
+            </a:r>
+          </a:p>
+        </p:txBody>
+      </p:sp>
+      <p:sp>
+        <p:nvSpPr>
+          <p:cNvPr id="5" name="Text Placeholder 4"/>
+          <p:cNvSpPr>
+            <a:spLocks noGrp="1"/>
+          </p:cNvSpPr>
+          <p:nvPr>
+            <p:ph type="body" idx="17" sz="quarter"/>
+          </p:nvPr>
+        </p:nvSpPr>
+        <p:spPr/>
+        <p:txBody>
+          <a:bodyPr/>
+          <a:lstStyle/>
           <a:p>
             <a:pPr/>
             <a:r>
               <a:rPr b="1"/>
-              <a:t>Workspace Scale</a:t>
-            </a:r>
-            <a:r>
-              <a:t>: 180+ active workspaces with organized governance</a:t>
-            </a:r>
-          </a:p>
-          <a:p>
-            <a:pPr/>
-            <a:r>
-              <a:rPr b="1"/>
-              <a:t>Module Scale</a:t>
-            </a:r>
-            <a:r>
-              <a:t>: 85+ reusable modules in private registry reducing development time</a:t>
+              <a:t>Recommendations</a:t>
+            </a:r>
+          </a:p>
+          <a:p>
+            <a:pPr lvl="1"/>
+            <a:r>
+              <a:t>Expand to additional workspaces</a:t>
+            </a:r>
+          </a:p>
+          <a:p>
+            <a:pPr lvl="1"/>
+            <a:r>
+              <a:t>Add more Sentinel policies</a:t>
+            </a:r>
+          </a:p>
+          <a:p>
+            <a:pPr lvl="1"/>
+            <a:r>
+              <a:t>Implement drift remediation</a:t>
+            </a:r>
+          </a:p>
+          <a:p>
+            <a:pPr lvl="1"/>
+            <a:r>
+              <a:t>Plan quarterly policy reviews</a:t>
+            </a:r>
+          </a:p>
+          <a:p>
+            <a:pPr lvl="1"/>
+            <a:r>
+              <a:t>Consider TFE Plus licensing</a:t>
             </a:r>
           </a:p>
         </p:txBody>
       </p:sp>
+      <p:sp>
+        <p:nvSpPr>
+          <p:cNvPr id="6" name="Text Placeholder 5"/>
+          <p:cNvSpPr>
+            <a:spLocks noGrp="1"/>
+          </p:cNvSpPr>
+          <p:nvPr>
+            <p:ph type="body" idx="15" sz="quarter"/>
+          </p:nvPr>
+        </p:nvSpPr>
+        <p:spPr/>
+        <p:txBody>
+          <a:bodyPr/>
+          <a:lstStyle/>
+          <a:p>
+            <a:pPr algn="r">
+              <a:buNone/>
+            </a:pPr>
+            <a:r>
+              <a:rPr sz="1100">
+                <a:solidFill>
+                  <a:srgbClr val="CC0000"/>
+                </a:solidFill>
+              </a:rPr>
+              <a:t>HashiCorp Terraform Enterprise</a:t>
+            </a:r>
+          </a:p>
+        </p:txBody>
+      </p:sp>
+      <p:pic>
+        <p:nvPicPr>
+          <p:cNvPr id="7" name="Picture 6" descr="consulting_company_logo.png"/>
+          <p:cNvPicPr>
+            <a:picLocks noChangeAspect="1"/>
+          </p:cNvPicPr>
+          <p:nvPr/>
+        </p:nvPicPr>
+        <p:blipFill>
+          <a:blip r:embed="rId3"/>
+          <a:stretch>
+            <a:fillRect/>
+          </a:stretch>
+        </p:blipFill>
+        <p:spPr>
+          <a:xfrm>
+            <a:off x="313592" y="4536078"/>
+            <a:ext cx="2121877" cy="529698"/>
+          </a:xfrm>
+          <a:prstGeom prst="rect">
+            <a:avLst/>
+          </a:prstGeom>
+        </p:spPr>
+      </p:pic>
     </p:spTree>
   </p:cSld>
   <p:clrMapOvr>
@@ -6388,7 +7939,7 @@
       <p:grpSpPr/>
       <p:sp>
         <p:nvSpPr>
-          <p:cNvPr id="2" name="Text Placeholder 1"/>
+          <p:cNvPr id="3" name="Text Placeholder 2"/>
           <p:cNvSpPr>
             <a:spLocks noGrp="1"/>
           </p:cNvSpPr>
@@ -6401,23 +7952,12 @@
           <a:bodyPr/>
           <a:lstStyle/>
           <a:p>
-            <a:r>
-              <a:t>Infrastructure as Code Excellence</a:t>
+            <a:pPr algn="l"/>
+            <a:r>
+              <a:t>Support Transition</a:t>
             </a:r>
           </a:p>
         </p:txBody>
-      </p:sp>
-      <p:sp>
-        <p:nvSpPr>
-          <p:cNvPr id="3" name="Picture Placeholder 2"/>
-          <p:cNvSpPr>
-            <a:spLocks noGrp="1"/>
-          </p:cNvSpPr>
-          <p:nvPr>
-            <p:ph type="pic" idx="13" sz="quarter"/>
-          </p:nvPr>
-        </p:nvSpPr>
-        <p:spPr/>
       </p:sp>
       <p:sp>
         <p:nvSpPr>
@@ -6426,7 +7966,7 @@
             <a:spLocks noGrp="1"/>
           </p:cNvSpPr>
           <p:nvPr>
-            <p:ph type="body" idx="14" sz="quarter"/>
+            <p:ph type="body" idx="16" sz="quarter"/>
           </p:nvPr>
         </p:nvSpPr>
         <p:spPr/>
@@ -6437,54 +7977,184 @@
             <a:pPr/>
             <a:r>
               <a:rPr b="1"/>
-              <a:t>Module Development</a:t>
-            </a:r>
-            <a:r>
-              <a:t>: Created comprehensive library of 85+ reusable Terraform modules</a:t>
+              <a:t>Hypercare Complete (30 days)</a:t>
+            </a:r>
+          </a:p>
+          <a:p>
+            <a:pPr lvl="1"/>
+            <a:r>
+              <a:t>Daily health checks completed</a:t>
+            </a:r>
+          </a:p>
+          <a:p>
+            <a:pPr lvl="1"/>
+            <a:r>
+              <a:t>3 P3 issues resolved</a:t>
+            </a:r>
+          </a:p>
+          <a:p>
+            <a:pPr lvl="1"/>
+            <a:r>
+              <a:t>Knowledge transfer sessions done</a:t>
+            </a:r>
+          </a:p>
+          <a:p>
+            <a:pPr lvl="1"/>
+            <a:r>
+              <a:t>Runbook procedures validated</a:t>
+            </a:r>
+          </a:p>
+          <a:p>
+            <a:pPr lvl="1"/>
+            <a:r>
+              <a:t>Team fully trained</a:t>
             </a:r>
           </a:p>
           <a:p>
             <a:pPr/>
             <a:r>
               <a:rPr b="1"/>
-              <a:t>Policy Enforcement</a:t>
-            </a:r>
-            <a:r>
-              <a:t>: Implemented 45+ Sentinel policies for automated governance</a:t>
-            </a:r>
-          </a:p>
+              <a:t>Steady State Support</a:t>
+            </a:r>
+          </a:p>
+          <a:p>
+            <a:pPr lvl="1"/>
+            <a:r>
+              <a:t>Business hours monitoring active</a:t>
+            </a:r>
+          </a:p>
+          <a:p>
+            <a:pPr lvl="1"/>
+            <a:r>
+              <a:t>Monthly performance reviews</a:t>
+            </a:r>
+          </a:p>
+          <a:p>
+            <a:pPr lvl="1"/>
+            <a:r>
+              <a:t>Quarterly policy reviews</a:t>
+            </a:r>
+          </a:p>
+          <a:p>
+            <a:pPr lvl="1"/>
+            <a:r>
+              <a:t>Automated alerting configured</a:t>
+            </a:r>
+          </a:p>
+          <a:p>
+            <a:pPr lvl="1"/>
+            <a:r>
+              <a:t>Documentation fully maintained</a:t>
+            </a:r>
+          </a:p>
+        </p:txBody>
+      </p:sp>
+      <p:sp>
+        <p:nvSpPr>
+          <p:cNvPr id="5" name="Text Placeholder 4"/>
+          <p:cNvSpPr>
+            <a:spLocks noGrp="1"/>
+          </p:cNvSpPr>
+          <p:nvPr>
+            <p:ph type="body" idx="17" sz="quarter"/>
+          </p:nvPr>
+        </p:nvSpPr>
+        <p:spPr/>
+        <p:txBody>
+          <a:bodyPr/>
+          <a:lstStyle/>
           <a:p>
             <a:pPr/>
             <a:r>
               <a:rPr b="1"/>
-              <a:t>State Management</a:t>
-            </a:r>
-            <a:r>
-              <a:t>: Centralized state with encryption, locking, and backup capabilities</a:t>
-            </a:r>
-          </a:p>
-          <a:p>
-            <a:pPr/>
-            <a:r>
-              <a:rPr b="1"/>
-              <a:t>Version Control</a:t>
-            </a:r>
-            <a:r>
-              <a:t>: Full Git workflow integration with automated testing and deployment</a:t>
-            </a:r>
-          </a:p>
-          <a:p>
-            <a:pPr/>
-            <a:r>
-              <a:rPr b="1"/>
-              <a:t>Documentation</a:t>
-            </a:r>
-            <a:r>
-              <a:t>: Auto-generated documentation for all modules and policies</a:t>
+              <a:t>Escalation Path</a:t>
+            </a:r>
+          </a:p>
+          <a:p>
+            <a:pPr lvl="1"/>
+            <a:r>
+              <a:t>L1: Internal IT Help Desk</a:t>
+            </a:r>
+          </a:p>
+          <a:p>
+            <a:pPr lvl="1"/>
+            <a:r>
+              <a:t>L2: Platform Admin Team</a:t>
+            </a:r>
+          </a:p>
+          <a:p>
+            <a:pPr lvl="1"/>
+            <a:r>
+              <a:t>L3: HashiCorp Support (licensed)</a:t>
+            </a:r>
+          </a:p>
+          <a:p>
+            <a:pPr lvl="1"/>
+            <a:r>
+              <a:t>Emergency: On-call rotation</a:t>
+            </a:r>
+          </a:p>
+          <a:p>
+            <a:pPr lvl="1"/>
+            <a:r>
+              <a:t>Executive: Account Manager</a:t>
             </a:r>
           </a:p>
         </p:txBody>
       </p:sp>
+      <p:sp>
+        <p:nvSpPr>
+          <p:cNvPr id="6" name="Text Placeholder 5"/>
+          <p:cNvSpPr>
+            <a:spLocks noGrp="1"/>
+          </p:cNvSpPr>
+          <p:nvPr>
+            <p:ph type="body" idx="15" sz="quarter"/>
+          </p:nvPr>
+        </p:nvSpPr>
+        <p:spPr/>
+        <p:txBody>
+          <a:bodyPr/>
+          <a:lstStyle/>
+          <a:p>
+            <a:pPr algn="r">
+              <a:buNone/>
+            </a:pPr>
+            <a:r>
+              <a:rPr sz="1100">
+                <a:solidFill>
+                  <a:srgbClr val="CC0000"/>
+                </a:solidFill>
+              </a:rPr>
+              <a:t>HashiCorp Terraform Enterprise</a:t>
+            </a:r>
+          </a:p>
+        </p:txBody>
+      </p:sp>
+      <p:pic>
+        <p:nvPicPr>
+          <p:cNvPr id="7" name="Picture 6" descr="consulting_company_logo.png"/>
+          <p:cNvPicPr>
+            <a:picLocks noChangeAspect="1"/>
+          </p:cNvPicPr>
+          <p:nvPr/>
+        </p:nvPicPr>
+        <p:blipFill>
+          <a:blip r:embed="rId3"/>
+          <a:stretch>
+            <a:fillRect/>
+          </a:stretch>
+        </p:blipFill>
+        <p:spPr>
+          <a:xfrm>
+            <a:off x="313592" y="4536078"/>
+            <a:ext cx="2121877" cy="529698"/>
+          </a:xfrm>
+          <a:prstGeom prst="rect">
+            <a:avLst/>
+          </a:prstGeom>
+        </p:spPr>
+      </p:pic>
     </p:spTree>
   </p:cSld>
   <p:clrMapOvr>
@@ -6505,7 +8175,7 @@
       <p:grpSpPr/>
       <p:sp>
         <p:nvSpPr>
-          <p:cNvPr id="2" name="Text Placeholder 1"/>
+          <p:cNvPr id="3" name="Text Placeholder 2"/>
           <p:cNvSpPr>
             <a:spLocks noGrp="1"/>
           </p:cNvSpPr>
@@ -6518,23 +8188,12 @@
           <a:bodyPr/>
           <a:lstStyle/>
           <a:p>
-            <a:r>
-              <a:t>Advanced Automation Features</a:t>
+            <a:pPr algn="l"/>
+            <a:r>
+              <a:t>Acknowledgments &amp; Next Steps</a:t>
             </a:r>
           </a:p>
         </p:txBody>
-      </p:sp>
-      <p:sp>
-        <p:nvSpPr>
-          <p:cNvPr id="3" name="Picture Placeholder 2"/>
-          <p:cNvSpPr>
-            <a:spLocks noGrp="1"/>
-          </p:cNvSpPr>
-          <p:nvPr>
-            <p:ph type="pic" idx="13" sz="quarter"/>
-          </p:nvPr>
-        </p:nvSpPr>
-        <p:spPr/>
       </p:sp>
       <p:sp>
         <p:nvSpPr>
@@ -6554,54 +8213,117 @@
             <a:pPr/>
             <a:r>
               <a:rPr b="1"/>
-              <a:t>Automated Planning</a:t>
-            </a:r>
-            <a:r>
-              <a:t>: Automated Terraform plan generation with approval workflows</a:t>
+              <a:t>Client Team:</a:t>
+            </a:r>
+            <a:r>
+              <a:t> Executive sponsor, IT team, security lead, infrastructure engineers</a:t>
             </a:r>
           </a:p>
           <a:p>
             <a:pPr/>
             <a:r>
               <a:rPr b="1"/>
-              <a:t>Cost Estimation</a:t>
-            </a:r>
-            <a:r>
-              <a:t>: Integrated cost estimation for infrastructure changes</a:t>
+              <a:t>Vendor Team:</a:t>
+            </a:r>
+            <a:r>
+              <a:t> Project manager, TFE architect, DevOps engineers</a:t>
             </a:r>
           </a:p>
           <a:p>
             <a:pPr/>
             <a:r>
               <a:rPr b="1"/>
-              <a:t>Drift Detection</a:t>
-            </a:r>
-            <a:r>
-              <a:t>: Automated detection and remediation of configuration drift</a:t>
+              <a:t>Special Recognition:</a:t>
+            </a:r>
+            <a:r>
+              <a:t> Infrastructure team for workspace migration and policy adoption</a:t>
             </a:r>
           </a:p>
           <a:p>
             <a:pPr/>
             <a:r>
               <a:rPr b="1"/>
-              <a:t>Compliance Scanning</a:t>
-            </a:r>
-            <a:r>
-              <a:t>: Continuous compliance monitoring with automated reporting</a:t>
+              <a:t>This Week:</a:t>
+            </a:r>
+            <a:r>
+              <a:t> Final documentation handover, archive project artifacts</a:t>
             </a:r>
           </a:p>
           <a:p>
             <a:pPr/>
             <a:r>
               <a:rPr b="1"/>
-              <a:t>Secret Management</a:t>
-            </a:r>
-            <a:r>
-              <a:t>: Integration with HashiCorp Vault for secure credential management</a:t>
+              <a:t>Next 30 Days:</a:t>
+            </a:r>
+            <a:r>
+              <a:t> Monthly performance review, identify expansion candidates</a:t>
+            </a:r>
+          </a:p>
+          <a:p>
+            <a:pPr/>
+            <a:r>
+              <a:rPr b="1"/>
+              <a:t>Next Quarter:</a:t>
+            </a:r>
+            <a:r>
+              <a:t> Phase 2 planning for additional workspaces and policies</a:t>
             </a:r>
           </a:p>
         </p:txBody>
       </p:sp>
+      <p:sp>
+        <p:nvSpPr>
+          <p:cNvPr id="5" name="Text Placeholder 4"/>
+          <p:cNvSpPr>
+            <a:spLocks noGrp="1"/>
+          </p:cNvSpPr>
+          <p:nvPr>
+            <p:ph type="body" idx="15" sz="quarter"/>
+          </p:nvPr>
+        </p:nvSpPr>
+        <p:spPr/>
+        <p:txBody>
+          <a:bodyPr/>
+          <a:lstStyle/>
+          <a:p>
+            <a:pPr algn="r">
+              <a:buNone/>
+            </a:pPr>
+            <a:r>
+              <a:rPr sz="1100">
+                <a:solidFill>
+                  <a:srgbClr val="CC0000"/>
+                </a:solidFill>
+              </a:rPr>
+              <a:t>HashiCorp Terraform Enterprise</a:t>
+            </a:r>
+          </a:p>
+        </p:txBody>
+      </p:sp>
+      <p:pic>
+        <p:nvPicPr>
+          <p:cNvPr id="6" name="Picture 5" descr="consulting_company_logo.png"/>
+          <p:cNvPicPr>
+            <a:picLocks noChangeAspect="1"/>
+          </p:cNvPicPr>
+          <p:nvPr/>
+        </p:nvPicPr>
+        <p:blipFill>
+          <a:blip r:embed="rId3"/>
+          <a:stretch>
+            <a:fillRect/>
+          </a:stretch>
+        </p:blipFill>
+        <p:spPr>
+          <a:xfrm>
+            <a:off x="313593" y="4536078"/>
+            <a:ext cx="2143858" cy="529698"/>
+          </a:xfrm>
+          <a:prstGeom prst="rect">
+            <a:avLst/>
+          </a:prstGeom>
+        </p:spPr>
+      </p:pic>
     </p:spTree>
   </p:cSld>
   <p:clrMapOvr>
